--- a/AU2018-London-Intermediate-Dynamo-Workshop/UKDUG-IntermediateDynamoWorkshop.pptx
+++ b/AU2018-London-Intermediate-Dynamo-Workshop/UKDUG-IntermediateDynamoWorkshop.pptx
@@ -4,6 +4,9 @@
   <p:sldMasterIdLst>
     <p:sldMasterId id="2147483648" r:id="rId1"/>
   </p:sldMasterIdLst>
+  <p:notesMasterIdLst>
+    <p:notesMasterId r:id="rId24"/>
+  </p:notesMasterIdLst>
   <p:sldIdLst>
     <p:sldId id="262" r:id="rId2"/>
     <p:sldId id="261" r:id="rId3"/>
@@ -21,10 +24,12 @@
     <p:sldId id="274" r:id="rId15"/>
     <p:sldId id="270" r:id="rId16"/>
     <p:sldId id="276" r:id="rId17"/>
-    <p:sldId id="277" r:id="rId18"/>
-    <p:sldId id="275" r:id="rId19"/>
-    <p:sldId id="269" r:id="rId20"/>
-    <p:sldId id="266" r:id="rId21"/>
+    <p:sldId id="279" r:id="rId18"/>
+    <p:sldId id="277" r:id="rId19"/>
+    <p:sldId id="275" r:id="rId20"/>
+    <p:sldId id="278" r:id="rId21"/>
+    <p:sldId id="269" r:id="rId22"/>
+    <p:sldId id="266" r:id="rId23"/>
   </p:sldIdLst>
   <p:sldSz cx="12192000" cy="6858000"/>
   <p:notesSz cx="6858000" cy="9144000"/>
@@ -131,6 +136,355 @@
 </p:presentation>
 </file>
 
+<file path=ppt/notesMasters/notesMaster1.xml><?xml version="1.0" encoding="utf-8"?>
+<p:notesMaster xmlns:a="http://schemas.openxmlformats.org/drawingml/2006/main" xmlns:r="http://schemas.openxmlformats.org/officeDocument/2006/relationships" xmlns:p="http://schemas.openxmlformats.org/presentationml/2006/main">
+  <p:cSld>
+    <p:bg>
+      <p:bgRef idx="1001">
+        <a:schemeClr val="bg1"/>
+      </p:bgRef>
+    </p:bg>
+    <p:spTree>
+      <p:nvGrpSpPr>
+        <p:cNvPr id="1" name=""/>
+        <p:cNvGrpSpPr/>
+        <p:nvPr/>
+      </p:nvGrpSpPr>
+      <p:grpSpPr>
+        <a:xfrm>
+          <a:off x="0" y="0"/>
+          <a:ext cx="0" cy="0"/>
+          <a:chOff x="0" y="0"/>
+          <a:chExt cx="0" cy="0"/>
+        </a:xfrm>
+      </p:grpSpPr>
+      <p:sp>
+        <p:nvSpPr>
+          <p:cNvPr id="2" name="Header Placeholder 1"/>
+          <p:cNvSpPr>
+            <a:spLocks noGrp="1"/>
+          </p:cNvSpPr>
+          <p:nvPr>
+            <p:ph type="hdr" sz="quarter"/>
+          </p:nvPr>
+        </p:nvSpPr>
+        <p:spPr>
+          <a:xfrm>
+            <a:off x="0" y="0"/>
+            <a:ext cx="2971800" cy="458788"/>
+          </a:xfrm>
+          <a:prstGeom prst="rect">
+            <a:avLst/>
+          </a:prstGeom>
+        </p:spPr>
+        <p:txBody>
+          <a:bodyPr vert="horz" lIns="91440" tIns="45720" rIns="91440" bIns="45720" rtlCol="0"/>
+          <a:lstStyle>
+            <a:lvl1pPr algn="l">
+              <a:defRPr sz="1200"/>
+            </a:lvl1pPr>
+          </a:lstStyle>
+          <a:p>
+            <a:endParaRPr lang="en-US"/>
+          </a:p>
+        </p:txBody>
+      </p:sp>
+      <p:sp>
+        <p:nvSpPr>
+          <p:cNvPr id="3" name="Date Placeholder 2"/>
+          <p:cNvSpPr>
+            <a:spLocks noGrp="1"/>
+          </p:cNvSpPr>
+          <p:nvPr>
+            <p:ph type="dt" idx="1"/>
+          </p:nvPr>
+        </p:nvSpPr>
+        <p:spPr>
+          <a:xfrm>
+            <a:off x="3884613" y="0"/>
+            <a:ext cx="2971800" cy="458788"/>
+          </a:xfrm>
+          <a:prstGeom prst="rect">
+            <a:avLst/>
+          </a:prstGeom>
+        </p:spPr>
+        <p:txBody>
+          <a:bodyPr vert="horz" lIns="91440" tIns="45720" rIns="91440" bIns="45720" rtlCol="0"/>
+          <a:lstStyle>
+            <a:lvl1pPr algn="r">
+              <a:defRPr sz="1200"/>
+            </a:lvl1pPr>
+          </a:lstStyle>
+          <a:p>
+            <a:fld id="{903C7CB4-D6C2-4A6F-BE72-D995F712A462}" type="datetimeFigureOut">
+              <a:rPr lang="en-US" smtClean="0"/>
+              <a:t>6/5/2018</a:t>
+            </a:fld>
+            <a:endParaRPr lang="en-US"/>
+          </a:p>
+        </p:txBody>
+      </p:sp>
+      <p:sp>
+        <p:nvSpPr>
+          <p:cNvPr id="4" name="Slide Image Placeholder 3"/>
+          <p:cNvSpPr>
+            <a:spLocks noGrp="1" noRot="1" noChangeAspect="1"/>
+          </p:cNvSpPr>
+          <p:nvPr>
+            <p:ph type="sldImg" idx="2"/>
+          </p:nvPr>
+        </p:nvSpPr>
+        <p:spPr>
+          <a:xfrm>
+            <a:off x="685800" y="1143000"/>
+            <a:ext cx="5486400" cy="3086100"/>
+          </a:xfrm>
+          <a:prstGeom prst="rect">
+            <a:avLst/>
+          </a:prstGeom>
+          <a:noFill/>
+          <a:ln w="12700">
+            <a:solidFill>
+              <a:prstClr val="black"/>
+            </a:solidFill>
+          </a:ln>
+        </p:spPr>
+        <p:txBody>
+          <a:bodyPr vert="horz" lIns="91440" tIns="45720" rIns="91440" bIns="45720" rtlCol="0" anchor="ctr"/>
+          <a:lstStyle/>
+          <a:p>
+            <a:endParaRPr lang="en-US"/>
+          </a:p>
+        </p:txBody>
+      </p:sp>
+      <p:sp>
+        <p:nvSpPr>
+          <p:cNvPr id="5" name="Notes Placeholder 4"/>
+          <p:cNvSpPr>
+            <a:spLocks noGrp="1"/>
+          </p:cNvSpPr>
+          <p:nvPr>
+            <p:ph type="body" sz="quarter" idx="3"/>
+          </p:nvPr>
+        </p:nvSpPr>
+        <p:spPr>
+          <a:xfrm>
+            <a:off x="685800" y="4400550"/>
+            <a:ext cx="5486400" cy="3600450"/>
+          </a:xfrm>
+          <a:prstGeom prst="rect">
+            <a:avLst/>
+          </a:prstGeom>
+        </p:spPr>
+        <p:txBody>
+          <a:bodyPr vert="horz" lIns="91440" tIns="45720" rIns="91440" bIns="45720" rtlCol="0"/>
+          <a:lstStyle/>
+          <a:p>
+            <a:pPr lvl="0"/>
+            <a:r>
+              <a:rPr lang="en-US"/>
+              <a:t>Edit Master text styles</a:t>
+            </a:r>
+          </a:p>
+          <a:p>
+            <a:pPr lvl="1"/>
+            <a:r>
+              <a:rPr lang="en-US"/>
+              <a:t>Second level</a:t>
+            </a:r>
+          </a:p>
+          <a:p>
+            <a:pPr lvl="2"/>
+            <a:r>
+              <a:rPr lang="en-US"/>
+              <a:t>Third level</a:t>
+            </a:r>
+          </a:p>
+          <a:p>
+            <a:pPr lvl="3"/>
+            <a:r>
+              <a:rPr lang="en-US"/>
+              <a:t>Fourth level</a:t>
+            </a:r>
+          </a:p>
+          <a:p>
+            <a:pPr lvl="4"/>
+            <a:r>
+              <a:rPr lang="en-US"/>
+              <a:t>Fifth level</a:t>
+            </a:r>
+          </a:p>
+        </p:txBody>
+      </p:sp>
+      <p:sp>
+        <p:nvSpPr>
+          <p:cNvPr id="6" name="Footer Placeholder 5"/>
+          <p:cNvSpPr>
+            <a:spLocks noGrp="1"/>
+          </p:cNvSpPr>
+          <p:nvPr>
+            <p:ph type="ftr" sz="quarter" idx="4"/>
+          </p:nvPr>
+        </p:nvSpPr>
+        <p:spPr>
+          <a:xfrm>
+            <a:off x="0" y="8685213"/>
+            <a:ext cx="2971800" cy="458787"/>
+          </a:xfrm>
+          <a:prstGeom prst="rect">
+            <a:avLst/>
+          </a:prstGeom>
+        </p:spPr>
+        <p:txBody>
+          <a:bodyPr vert="horz" lIns="91440" tIns="45720" rIns="91440" bIns="45720" rtlCol="0" anchor="b"/>
+          <a:lstStyle>
+            <a:lvl1pPr algn="l">
+              <a:defRPr sz="1200"/>
+            </a:lvl1pPr>
+          </a:lstStyle>
+          <a:p>
+            <a:endParaRPr lang="en-US"/>
+          </a:p>
+        </p:txBody>
+      </p:sp>
+      <p:sp>
+        <p:nvSpPr>
+          <p:cNvPr id="7" name="Slide Number Placeholder 6"/>
+          <p:cNvSpPr>
+            <a:spLocks noGrp="1"/>
+          </p:cNvSpPr>
+          <p:nvPr>
+            <p:ph type="sldNum" sz="quarter" idx="5"/>
+          </p:nvPr>
+        </p:nvSpPr>
+        <p:spPr>
+          <a:xfrm>
+            <a:off x="3884613" y="8685213"/>
+            <a:ext cx="2971800" cy="458787"/>
+          </a:xfrm>
+          <a:prstGeom prst="rect">
+            <a:avLst/>
+          </a:prstGeom>
+        </p:spPr>
+        <p:txBody>
+          <a:bodyPr vert="horz" lIns="91440" tIns="45720" rIns="91440" bIns="45720" rtlCol="0" anchor="b"/>
+          <a:lstStyle>
+            <a:lvl1pPr algn="r">
+              <a:defRPr sz="1200"/>
+            </a:lvl1pPr>
+          </a:lstStyle>
+          <a:p>
+            <a:fld id="{39DD3D83-20AF-4046-B56C-A9CEB77FFD41}" type="slidenum">
+              <a:rPr lang="en-US" smtClean="0"/>
+              <a:t>‹#›</a:t>
+            </a:fld>
+            <a:endParaRPr lang="en-US"/>
+          </a:p>
+        </p:txBody>
+      </p:sp>
+    </p:spTree>
+    <p:extLst>
+      <p:ext uri="{BB962C8B-B14F-4D97-AF65-F5344CB8AC3E}">
+        <p14:creationId xmlns:p14="http://schemas.microsoft.com/office/powerpoint/2010/main" val="814465346"/>
+      </p:ext>
+    </p:extLst>
+  </p:cSld>
+  <p:clrMap bg1="lt1" tx1="dk1" bg2="lt2" tx2="dk2" accent1="accent1" accent2="accent2" accent3="accent3" accent4="accent4" accent5="accent5" accent6="accent6" hlink="hlink" folHlink="folHlink"/>
+  <p:notesStyle>
+    <a:lvl1pPr marL="0" algn="l" defTabSz="914400" rtl="0" eaLnBrk="1" latinLnBrk="0" hangingPunct="1">
+      <a:defRPr sz="1200" kern="1200">
+        <a:solidFill>
+          <a:schemeClr val="tx1"/>
+        </a:solidFill>
+        <a:latin typeface="+mn-lt"/>
+        <a:ea typeface="+mn-ea"/>
+        <a:cs typeface="+mn-cs"/>
+      </a:defRPr>
+    </a:lvl1pPr>
+    <a:lvl2pPr marL="457200" algn="l" defTabSz="914400" rtl="0" eaLnBrk="1" latinLnBrk="0" hangingPunct="1">
+      <a:defRPr sz="1200" kern="1200">
+        <a:solidFill>
+          <a:schemeClr val="tx1"/>
+        </a:solidFill>
+        <a:latin typeface="+mn-lt"/>
+        <a:ea typeface="+mn-ea"/>
+        <a:cs typeface="+mn-cs"/>
+      </a:defRPr>
+    </a:lvl2pPr>
+    <a:lvl3pPr marL="914400" algn="l" defTabSz="914400" rtl="0" eaLnBrk="1" latinLnBrk="0" hangingPunct="1">
+      <a:defRPr sz="1200" kern="1200">
+        <a:solidFill>
+          <a:schemeClr val="tx1"/>
+        </a:solidFill>
+        <a:latin typeface="+mn-lt"/>
+        <a:ea typeface="+mn-ea"/>
+        <a:cs typeface="+mn-cs"/>
+      </a:defRPr>
+    </a:lvl3pPr>
+    <a:lvl4pPr marL="1371600" algn="l" defTabSz="914400" rtl="0" eaLnBrk="1" latinLnBrk="0" hangingPunct="1">
+      <a:defRPr sz="1200" kern="1200">
+        <a:solidFill>
+          <a:schemeClr val="tx1"/>
+        </a:solidFill>
+        <a:latin typeface="+mn-lt"/>
+        <a:ea typeface="+mn-ea"/>
+        <a:cs typeface="+mn-cs"/>
+      </a:defRPr>
+    </a:lvl4pPr>
+    <a:lvl5pPr marL="1828800" algn="l" defTabSz="914400" rtl="0" eaLnBrk="1" latinLnBrk="0" hangingPunct="1">
+      <a:defRPr sz="1200" kern="1200">
+        <a:solidFill>
+          <a:schemeClr val="tx1"/>
+        </a:solidFill>
+        <a:latin typeface="+mn-lt"/>
+        <a:ea typeface="+mn-ea"/>
+        <a:cs typeface="+mn-cs"/>
+      </a:defRPr>
+    </a:lvl5pPr>
+    <a:lvl6pPr marL="2286000" algn="l" defTabSz="914400" rtl="0" eaLnBrk="1" latinLnBrk="0" hangingPunct="1">
+      <a:defRPr sz="1200" kern="1200">
+        <a:solidFill>
+          <a:schemeClr val="tx1"/>
+        </a:solidFill>
+        <a:latin typeface="+mn-lt"/>
+        <a:ea typeface="+mn-ea"/>
+        <a:cs typeface="+mn-cs"/>
+      </a:defRPr>
+    </a:lvl6pPr>
+    <a:lvl7pPr marL="2743200" algn="l" defTabSz="914400" rtl="0" eaLnBrk="1" latinLnBrk="0" hangingPunct="1">
+      <a:defRPr sz="1200" kern="1200">
+        <a:solidFill>
+          <a:schemeClr val="tx1"/>
+        </a:solidFill>
+        <a:latin typeface="+mn-lt"/>
+        <a:ea typeface="+mn-ea"/>
+        <a:cs typeface="+mn-cs"/>
+      </a:defRPr>
+    </a:lvl7pPr>
+    <a:lvl8pPr marL="3200400" algn="l" defTabSz="914400" rtl="0" eaLnBrk="1" latinLnBrk="0" hangingPunct="1">
+      <a:defRPr sz="1200" kern="1200">
+        <a:solidFill>
+          <a:schemeClr val="tx1"/>
+        </a:solidFill>
+        <a:latin typeface="+mn-lt"/>
+        <a:ea typeface="+mn-ea"/>
+        <a:cs typeface="+mn-cs"/>
+      </a:defRPr>
+    </a:lvl8pPr>
+    <a:lvl9pPr marL="3657600" algn="l" defTabSz="914400" rtl="0" eaLnBrk="1" latinLnBrk="0" hangingPunct="1">
+      <a:defRPr sz="1200" kern="1200">
+        <a:solidFill>
+          <a:schemeClr val="tx1"/>
+        </a:solidFill>
+        <a:latin typeface="+mn-lt"/>
+        <a:ea typeface="+mn-ea"/>
+        <a:cs typeface="+mn-cs"/>
+      </a:defRPr>
+    </a:lvl9pPr>
+  </p:notesStyle>
+</p:notesMaster>
+</file>
+
 <file path=ppt/slideLayouts/slideLayout1.xml><?xml version="1.0" encoding="utf-8"?>
 <p:sldLayout xmlns:a="http://schemas.openxmlformats.org/drawingml/2006/main" xmlns:r="http://schemas.openxmlformats.org/officeDocument/2006/relationships" xmlns:p="http://schemas.openxmlformats.org/presentationml/2006/main" preserve="1" userDrawn="1">
   <p:cSld name="Cover">
@@ -2212,8 +2566,8 @@
         </p:nvSpPr>
         <p:spPr>
           <a:xfrm>
-            <a:off x="334963" y="6402592"/>
-            <a:ext cx="5523670" cy="369332"/>
+            <a:off x="1988598" y="6402592"/>
+            <a:ext cx="3870034" cy="369332"/>
           </a:xfrm>
           <a:prstGeom prst="rect">
             <a:avLst/>
@@ -2248,6 +2602,66 @@
               </a:rPr>
               <a:t> | www.ukdug.co.uk</a:t>
             </a:r>
+          </a:p>
+        </p:txBody>
+      </p:sp>
+      <p:sp>
+        <p:nvSpPr>
+          <p:cNvPr id="5" name="Rectangle 4">
+            <a:extLst>
+              <a:ext uri="{FF2B5EF4-FFF2-40B4-BE49-F238E27FC236}">
+                <a16:creationId xmlns:a16="http://schemas.microsoft.com/office/drawing/2014/main" id="{21EC763D-F9DA-4BA8-A16D-E2B0975E1431}"/>
+              </a:ext>
+            </a:extLst>
+          </p:cNvPr>
+          <p:cNvSpPr>
+            <a:spLocks noChangeAspect="1"/>
+          </p:cNvSpPr>
+          <p:nvPr userDrawn="1"/>
+        </p:nvSpPr>
+        <p:spPr>
+          <a:xfrm>
+            <a:off x="96392" y="5998564"/>
+            <a:ext cx="1892206" cy="686470"/>
+          </a:xfrm>
+          <a:prstGeom prst="rect">
+            <a:avLst/>
+          </a:prstGeom>
+          <a:blipFill dpi="0" rotWithShape="1">
+            <a:blip r:embed="rId13">
+              <a:alphaModFix amt="36000"/>
+            </a:blip>
+            <a:srcRect/>
+            <a:stretch>
+              <a:fillRect/>
+            </a:stretch>
+          </a:blipFill>
+          <a:ln>
+            <a:noFill/>
+          </a:ln>
+        </p:spPr>
+        <p:style>
+          <a:lnRef idx="2">
+            <a:schemeClr val="accent1">
+              <a:shade val="50000"/>
+            </a:schemeClr>
+          </a:lnRef>
+          <a:fillRef idx="1">
+            <a:schemeClr val="accent1"/>
+          </a:fillRef>
+          <a:effectRef idx="0">
+            <a:schemeClr val="accent1"/>
+          </a:effectRef>
+          <a:fontRef idx="minor">
+            <a:schemeClr val="lt1"/>
+          </a:fontRef>
+        </p:style>
+        <p:txBody>
+          <a:bodyPr rtlCol="0" anchor="ctr"/>
+          <a:lstStyle/>
+          <a:p>
+            <a:pPr algn="ctr"/>
+            <a:endParaRPr lang="en-US"/>
           </a:p>
         </p:txBody>
       </p:sp>
@@ -2551,7 +2965,7 @@
       </a:lvl9pPr>
     </p:otherStyle>
   </p:txStyles>
-  <p:extLst>
+  <p:extLst mod="1">
     <p:ext uri="{27BBF7A9-308A-43DC-89C8-2F10F3537804}">
       <p15:sldGuideLst xmlns:p15="http://schemas.microsoft.com/office/powerpoint/2012/main">
         <p15:guide id="1" orient="horz" pos="2160" userDrawn="1">
@@ -2826,13 +3240,13 @@
           </a:lstStyle>
           <a:p>
             <a:r>
-              <a:rPr lang="en-US"/>
+              <a:rPr lang="en-US" dirty="0"/>
               <a:t>Venue</a:t>
             </a:r>
           </a:p>
           <a:p>
             <a:r>
-              <a:rPr lang="en-GB"/>
+              <a:rPr lang="en-GB" dirty="0"/>
               <a:t>24/07/2017</a:t>
             </a:r>
             <a:endParaRPr lang="en-US" dirty="0"/>
@@ -3048,10 +3462,9 @@
           </a:lstStyle>
           <a:p>
             <a:r>
-              <a:rPr lang="en-US"/>
+              <a:rPr lang="en-US" dirty="0"/>
               <a:t>South</a:t>
             </a:r>
-            <a:endParaRPr lang="en-US" dirty="0"/>
           </a:p>
         </p:txBody>
       </p:sp>
@@ -4604,41 +5017,6 @@
           <a:chExt cx="0" cy="0"/>
         </a:xfrm>
       </p:grpSpPr>
-      <p:pic>
-        <p:nvPicPr>
-          <p:cNvPr id="3" name="Picture Placeholder 2">
-            <a:extLst>
-              <a:ext uri="{FF2B5EF4-FFF2-40B4-BE49-F238E27FC236}">
-                <a16:creationId xmlns:a16="http://schemas.microsoft.com/office/drawing/2014/main" id="{E01C2C07-766B-4CEB-9776-EE07A559F229}"/>
-              </a:ext>
-            </a:extLst>
-          </p:cNvPr>
-          <p:cNvPicPr>
-            <a:picLocks noGrp="1" noChangeAspect="1"/>
-          </p:cNvPicPr>
-          <p:nvPr>
-            <p:ph type="pic" idx="1"/>
-          </p:nvPr>
-        </p:nvPicPr>
-        <p:blipFill>
-          <a:blip r:embed="rId2">
-            <a:extLst>
-              <a:ext uri="{28A0092B-C50C-407E-A947-70E740481C1C}">
-                <a14:useLocalDpi xmlns:a14="http://schemas.microsoft.com/office/drawing/2010/main" val="0"/>
-              </a:ext>
-            </a:extLst>
-          </a:blip>
-          <a:stretch>
-            <a:fillRect/>
-          </a:stretch>
-        </p:blipFill>
-        <p:spPr>
-          <a:xfrm>
-            <a:off x="7123667" y="1268414"/>
-            <a:ext cx="4247595" cy="5040311"/>
-          </a:xfrm>
-        </p:spPr>
-      </p:pic>
       <p:sp>
         <p:nvSpPr>
           <p:cNvPr id="5" name="Title 4">
@@ -4662,7 +5040,7 @@
           <a:p>
             <a:r>
               <a:rPr lang="en-GB" dirty="0"/>
-              <a:t>Building a Custom Lookup Node</a:t>
+              <a:t>Essential Dynamo Packages</a:t>
             </a:r>
           </a:p>
         </p:txBody>
@@ -4683,18 +5061,29 @@
             <p:ph idx="11"/>
           </p:nvPr>
         </p:nvSpPr>
-        <p:spPr/>
+        <p:spPr>
+          <a:xfrm>
+            <a:off x="334964" y="1268414"/>
+            <a:ext cx="2856472" cy="5040311"/>
+          </a:xfrm>
+        </p:spPr>
         <p:txBody>
           <a:bodyPr/>
           <a:lstStyle/>
           <a:p>
+            <a:r>
+              <a:rPr lang="en-US" b="1" dirty="0"/>
+              <a:t>Revit Related</a:t>
+            </a:r>
+          </a:p>
+          <a:p>
             <a:pPr marL="342900" indent="-342900">
               <a:buFont typeface="Arial" panose="020B0604020202020204" pitchFamily="34" charset="0"/>
               <a:buChar char="•"/>
             </a:pPr>
             <a:r>
               <a:rPr lang="en-US" dirty="0"/>
-              <a:t>Retrieve rooms by number</a:t>
+              <a:t>Lunchbox</a:t>
             </a:r>
           </a:p>
           <a:p>
@@ -4704,7 +5093,7 @@
             </a:pPr>
             <a:r>
               <a:rPr lang="en-US" dirty="0"/>
-              <a:t>Bundle as a custom node</a:t>
+              <a:t>Archi-lab.net</a:t>
             </a:r>
           </a:p>
           <a:p>
@@ -4714,7 +5103,7 @@
             </a:pPr>
             <a:r>
               <a:rPr lang="en-US" dirty="0"/>
-              <a:t>Distribute for reuse</a:t>
+              <a:t>Clockwork</a:t>
             </a:r>
           </a:p>
           <a:p>
@@ -4723,8 +5112,71 @@
               <a:buChar char="•"/>
             </a:pPr>
             <a:r>
-              <a:rPr lang="en-US" dirty="0"/>
-              <a:t>Using a tool called a dictionary</a:t>
+              <a:rPr lang="en-US" dirty="0" err="1"/>
+              <a:t>Springnodes</a:t>
+            </a:r>
+            <a:endParaRPr lang="en-US" dirty="0"/>
+          </a:p>
+          <a:p>
+            <a:pPr marL="342900" indent="-342900">
+              <a:buFont typeface="Arial" panose="020B0604020202020204" pitchFamily="34" charset="0"/>
+              <a:buChar char="•"/>
+            </a:pPr>
+            <a:r>
+              <a:rPr lang="en-US" dirty="0"/>
+              <a:t>Rhythm</a:t>
+            </a:r>
+          </a:p>
+          <a:p>
+            <a:pPr marL="342900" indent="-342900">
+              <a:buFont typeface="Arial" panose="020B0604020202020204" pitchFamily="34" charset="0"/>
+              <a:buChar char="•"/>
+            </a:pPr>
+            <a:r>
+              <a:rPr lang="en-US" dirty="0" err="1"/>
+              <a:t>Steamnodes</a:t>
+            </a:r>
+            <a:endParaRPr lang="en-US" dirty="0"/>
+          </a:p>
+          <a:p>
+            <a:pPr marL="342900" indent="-342900">
+              <a:buFont typeface="Arial" panose="020B0604020202020204" pitchFamily="34" charset="0"/>
+              <a:buChar char="•"/>
+            </a:pPr>
+            <a:r>
+              <a:rPr lang="en-US" dirty="0"/>
+              <a:t>Data-Shapes</a:t>
+            </a:r>
+          </a:p>
+          <a:p>
+            <a:pPr marL="342900" indent="-342900">
+              <a:buFont typeface="Arial" panose="020B0604020202020204" pitchFamily="34" charset="0"/>
+              <a:buChar char="•"/>
+            </a:pPr>
+            <a:r>
+              <a:rPr lang="en-US" dirty="0" err="1"/>
+              <a:t>Designtech</a:t>
+            </a:r>
+            <a:endParaRPr lang="en-US" dirty="0"/>
+          </a:p>
+          <a:p>
+            <a:pPr marL="342900" indent="-342900">
+              <a:buFont typeface="Arial" panose="020B0604020202020204" pitchFamily="34" charset="0"/>
+              <a:buChar char="•"/>
+            </a:pPr>
+            <a:r>
+              <a:rPr lang="en-US" dirty="0"/>
+              <a:t>Mandrill</a:t>
+            </a:r>
+          </a:p>
+          <a:p>
+            <a:pPr marL="342900" indent="-342900">
+              <a:buFont typeface="Arial" panose="020B0604020202020204" pitchFamily="34" charset="0"/>
+              <a:buChar char="•"/>
+            </a:pPr>
+            <a:r>
+              <a:rPr lang="en-US" dirty="0"/>
+              <a:t>Bumblebee</a:t>
             </a:r>
           </a:p>
           <a:p>
@@ -4735,10 +5187,705 @@
           </a:p>
         </p:txBody>
       </p:sp>
+      <p:sp>
+        <p:nvSpPr>
+          <p:cNvPr id="13" name="Content Placeholder 6">
+            <a:extLst>
+              <a:ext uri="{FF2B5EF4-FFF2-40B4-BE49-F238E27FC236}">
+                <a16:creationId xmlns:a16="http://schemas.microsoft.com/office/drawing/2014/main" id="{A60D5974-BDB6-413F-828B-07BD783BB38D}"/>
+              </a:ext>
+            </a:extLst>
+          </p:cNvPr>
+          <p:cNvSpPr txBox="1">
+            <a:spLocks/>
+          </p:cNvSpPr>
+          <p:nvPr/>
+        </p:nvSpPr>
+        <p:spPr>
+          <a:xfrm>
+            <a:off x="3445716" y="1268414"/>
+            <a:ext cx="3107483" cy="5040311"/>
+          </a:xfrm>
+          <a:prstGeom prst="rect">
+            <a:avLst/>
+          </a:prstGeom>
+        </p:spPr>
+        <p:txBody>
+          <a:bodyPr/>
+          <a:lstStyle>
+            <a:lvl1pPr marL="0" indent="0" algn="l" defTabSz="914400" rtl="0" eaLnBrk="1" latinLnBrk="0" hangingPunct="1">
+              <a:lnSpc>
+                <a:spcPct val="90000"/>
+              </a:lnSpc>
+              <a:spcBef>
+                <a:spcPts val="1000"/>
+              </a:spcBef>
+              <a:buFont typeface="Arial" panose="020B0604020202020204" pitchFamily="34" charset="0"/>
+              <a:buNone/>
+              <a:defRPr sz="2000" kern="1200">
+                <a:solidFill>
+                  <a:schemeClr val="tx1"/>
+                </a:solidFill>
+                <a:latin typeface="Segoe UI Light" panose="020B0502040204020203" pitchFamily="34" charset="0"/>
+                <a:ea typeface="+mn-ea"/>
+                <a:cs typeface="+mn-cs"/>
+              </a:defRPr>
+            </a:lvl1pPr>
+            <a:lvl2pPr marL="685800" indent="-228600" algn="l" defTabSz="914400" rtl="0" eaLnBrk="1" latinLnBrk="0" hangingPunct="1">
+              <a:lnSpc>
+                <a:spcPct val="90000"/>
+              </a:lnSpc>
+              <a:spcBef>
+                <a:spcPts val="500"/>
+              </a:spcBef>
+              <a:buFont typeface="Arial" panose="020B0604020202020204" pitchFamily="34" charset="0"/>
+              <a:buChar char="•"/>
+              <a:defRPr sz="1800" kern="1200">
+                <a:solidFill>
+                  <a:schemeClr val="tx1"/>
+                </a:solidFill>
+                <a:latin typeface="Segoe UI Light" panose="020B0502040204020203" pitchFamily="34" charset="0"/>
+                <a:ea typeface="+mn-ea"/>
+                <a:cs typeface="+mn-cs"/>
+              </a:defRPr>
+            </a:lvl2pPr>
+            <a:lvl3pPr marL="1143000" indent="-228600" algn="l" defTabSz="914400" rtl="0" eaLnBrk="1" latinLnBrk="0" hangingPunct="1">
+              <a:lnSpc>
+                <a:spcPct val="90000"/>
+              </a:lnSpc>
+              <a:spcBef>
+                <a:spcPts val="500"/>
+              </a:spcBef>
+              <a:buFont typeface="Arial" panose="020B0604020202020204" pitchFamily="34" charset="0"/>
+              <a:buChar char="•"/>
+              <a:defRPr sz="1600" kern="1200">
+                <a:solidFill>
+                  <a:schemeClr val="tx1"/>
+                </a:solidFill>
+                <a:latin typeface="Segoe UI Light" panose="020B0502040204020203" pitchFamily="34" charset="0"/>
+                <a:ea typeface="+mn-ea"/>
+                <a:cs typeface="+mn-cs"/>
+              </a:defRPr>
+            </a:lvl3pPr>
+            <a:lvl4pPr marL="1600200" indent="-228600" algn="l" defTabSz="914400" rtl="0" eaLnBrk="1" latinLnBrk="0" hangingPunct="1">
+              <a:lnSpc>
+                <a:spcPct val="90000"/>
+              </a:lnSpc>
+              <a:spcBef>
+                <a:spcPts val="500"/>
+              </a:spcBef>
+              <a:buFont typeface="Arial" panose="020B0604020202020204" pitchFamily="34" charset="0"/>
+              <a:buChar char="•"/>
+              <a:defRPr sz="1400" kern="1200">
+                <a:solidFill>
+                  <a:schemeClr val="tx1"/>
+                </a:solidFill>
+                <a:latin typeface="Segoe UI Light" panose="020B0502040204020203" pitchFamily="34" charset="0"/>
+                <a:ea typeface="+mn-ea"/>
+                <a:cs typeface="+mn-cs"/>
+              </a:defRPr>
+            </a:lvl4pPr>
+            <a:lvl5pPr marL="2057400" indent="-228600" algn="l" defTabSz="914400" rtl="0" eaLnBrk="1" latinLnBrk="0" hangingPunct="1">
+              <a:lnSpc>
+                <a:spcPct val="90000"/>
+              </a:lnSpc>
+              <a:spcBef>
+                <a:spcPts val="500"/>
+              </a:spcBef>
+              <a:buFont typeface="Arial" panose="020B0604020202020204" pitchFamily="34" charset="0"/>
+              <a:buChar char="•"/>
+              <a:defRPr sz="1400" kern="1200">
+                <a:solidFill>
+                  <a:schemeClr val="tx1"/>
+                </a:solidFill>
+                <a:latin typeface="Segoe UI Light" panose="020B0502040204020203" pitchFamily="34" charset="0"/>
+                <a:ea typeface="+mn-ea"/>
+                <a:cs typeface="+mn-cs"/>
+              </a:defRPr>
+            </a:lvl5pPr>
+            <a:lvl6pPr marL="2514600" indent="-228600" algn="l" defTabSz="914400" rtl="0" eaLnBrk="1" latinLnBrk="0" hangingPunct="1">
+              <a:lnSpc>
+                <a:spcPct val="90000"/>
+              </a:lnSpc>
+              <a:spcBef>
+                <a:spcPts val="500"/>
+              </a:spcBef>
+              <a:buFont typeface="Arial" panose="020B0604020202020204" pitchFamily="34" charset="0"/>
+              <a:buChar char="•"/>
+              <a:defRPr sz="1800" kern="1200">
+                <a:solidFill>
+                  <a:schemeClr val="tx1"/>
+                </a:solidFill>
+                <a:latin typeface="+mn-lt"/>
+                <a:ea typeface="+mn-ea"/>
+                <a:cs typeface="+mn-cs"/>
+              </a:defRPr>
+            </a:lvl6pPr>
+            <a:lvl7pPr marL="2971800" indent="-228600" algn="l" defTabSz="914400" rtl="0" eaLnBrk="1" latinLnBrk="0" hangingPunct="1">
+              <a:lnSpc>
+                <a:spcPct val="90000"/>
+              </a:lnSpc>
+              <a:spcBef>
+                <a:spcPts val="500"/>
+              </a:spcBef>
+              <a:buFont typeface="Arial" panose="020B0604020202020204" pitchFamily="34" charset="0"/>
+              <a:buChar char="•"/>
+              <a:defRPr sz="1800" kern="1200">
+                <a:solidFill>
+                  <a:schemeClr val="tx1"/>
+                </a:solidFill>
+                <a:latin typeface="+mn-lt"/>
+                <a:ea typeface="+mn-ea"/>
+                <a:cs typeface="+mn-cs"/>
+              </a:defRPr>
+            </a:lvl7pPr>
+            <a:lvl8pPr marL="3429000" indent="-228600" algn="l" defTabSz="914400" rtl="0" eaLnBrk="1" latinLnBrk="0" hangingPunct="1">
+              <a:lnSpc>
+                <a:spcPct val="90000"/>
+              </a:lnSpc>
+              <a:spcBef>
+                <a:spcPts val="500"/>
+              </a:spcBef>
+              <a:buFont typeface="Arial" panose="020B0604020202020204" pitchFamily="34" charset="0"/>
+              <a:buChar char="•"/>
+              <a:defRPr sz="1800" kern="1200">
+                <a:solidFill>
+                  <a:schemeClr val="tx1"/>
+                </a:solidFill>
+                <a:latin typeface="+mn-lt"/>
+                <a:ea typeface="+mn-ea"/>
+                <a:cs typeface="+mn-cs"/>
+              </a:defRPr>
+            </a:lvl8pPr>
+            <a:lvl9pPr marL="3886200" indent="-228600" algn="l" defTabSz="914400" rtl="0" eaLnBrk="1" latinLnBrk="0" hangingPunct="1">
+              <a:lnSpc>
+                <a:spcPct val="90000"/>
+              </a:lnSpc>
+              <a:spcBef>
+                <a:spcPts val="500"/>
+              </a:spcBef>
+              <a:buFont typeface="Arial" panose="020B0604020202020204" pitchFamily="34" charset="0"/>
+              <a:buChar char="•"/>
+              <a:defRPr sz="1800" kern="1200">
+                <a:solidFill>
+                  <a:schemeClr val="tx1"/>
+                </a:solidFill>
+                <a:latin typeface="+mn-lt"/>
+                <a:ea typeface="+mn-ea"/>
+                <a:cs typeface="+mn-cs"/>
+              </a:defRPr>
+            </a:lvl9pPr>
+          </a:lstStyle>
+          <a:p>
+            <a:r>
+              <a:rPr lang="en-US" b="1" dirty="0"/>
+              <a:t>Additional Awesomeness</a:t>
+            </a:r>
+          </a:p>
+          <a:p>
+            <a:pPr marL="342900" indent="-342900">
+              <a:buFont typeface="Arial" panose="020B0604020202020204" pitchFamily="34" charset="0"/>
+              <a:buChar char="•"/>
+            </a:pPr>
+            <a:r>
+              <a:rPr lang="en-US" dirty="0"/>
+              <a:t>Ladybug</a:t>
+            </a:r>
+          </a:p>
+          <a:p>
+            <a:pPr marL="342900" indent="-342900">
+              <a:buFont typeface="Arial" panose="020B0604020202020204" pitchFamily="34" charset="0"/>
+              <a:buChar char="•"/>
+            </a:pPr>
+            <a:r>
+              <a:rPr lang="en-US" dirty="0"/>
+              <a:t>Energy Analysis for Dynamo</a:t>
+            </a:r>
+          </a:p>
+          <a:p>
+            <a:pPr marL="342900" indent="-342900">
+              <a:buFont typeface="Arial" panose="020B0604020202020204" pitchFamily="34" charset="0"/>
+              <a:buChar char="•"/>
+            </a:pPr>
+            <a:r>
+              <a:rPr lang="en-US" dirty="0" err="1"/>
+              <a:t>Dynashape</a:t>
+            </a:r>
+            <a:endParaRPr lang="en-US" dirty="0"/>
+          </a:p>
+          <a:p>
+            <a:pPr marL="342900" indent="-342900">
+              <a:buFont typeface="Arial" panose="020B0604020202020204" pitchFamily="34" charset="0"/>
+              <a:buChar char="•"/>
+            </a:pPr>
+            <a:r>
+              <a:rPr lang="en-US" dirty="0"/>
+              <a:t>Firefly</a:t>
+            </a:r>
+          </a:p>
+          <a:p>
+            <a:pPr marL="342900" indent="-342900">
+              <a:buFont typeface="Arial" panose="020B0604020202020204" pitchFamily="34" charset="0"/>
+              <a:buChar char="•"/>
+            </a:pPr>
+            <a:r>
+              <a:rPr lang="en-US" dirty="0"/>
+              <a:t>Mantis Shrimp</a:t>
+            </a:r>
+          </a:p>
+          <a:p>
+            <a:pPr marL="342900" indent="-342900">
+              <a:buFont typeface="Arial" panose="020B0604020202020204" pitchFamily="34" charset="0"/>
+              <a:buChar char="•"/>
+            </a:pPr>
+            <a:r>
+              <a:rPr lang="en-US" dirty="0" err="1"/>
+              <a:t>Rhynamo</a:t>
+            </a:r>
+            <a:endParaRPr lang="en-US" dirty="0"/>
+          </a:p>
+          <a:p>
+            <a:pPr lvl="1" indent="0">
+              <a:buFont typeface="Arial" panose="020B0604020202020204" pitchFamily="34" charset="0"/>
+              <a:buNone/>
+            </a:pPr>
+            <a:endParaRPr lang="en-US" dirty="0"/>
+          </a:p>
+        </p:txBody>
+      </p:sp>
+      <p:pic>
+        <p:nvPicPr>
+          <p:cNvPr id="3" name="Picture 2">
+            <a:extLst>
+              <a:ext uri="{FF2B5EF4-FFF2-40B4-BE49-F238E27FC236}">
+                <a16:creationId xmlns:a16="http://schemas.microsoft.com/office/drawing/2014/main" id="{F33E0499-30BD-4574-8920-F0B57C841E1F}"/>
+              </a:ext>
+            </a:extLst>
+          </p:cNvPr>
+          <p:cNvPicPr>
+            <a:picLocks noChangeAspect="1"/>
+          </p:cNvPicPr>
+          <p:nvPr/>
+        </p:nvPicPr>
+        <p:blipFill>
+          <a:blip r:embed="rId2" cstate="print">
+            <a:extLst>
+              <a:ext uri="{28A0092B-C50C-407E-A947-70E740481C1C}">
+                <a14:useLocalDpi xmlns:a14="http://schemas.microsoft.com/office/drawing/2010/main" val="0"/>
+              </a:ext>
+            </a:extLst>
+          </a:blip>
+          <a:stretch>
+            <a:fillRect/>
+          </a:stretch>
+        </p:blipFill>
+        <p:spPr>
+          <a:xfrm>
+            <a:off x="6910966" y="1509486"/>
+            <a:ext cx="2178424" cy="937296"/>
+          </a:xfrm>
+          <a:prstGeom prst="rect">
+            <a:avLst/>
+          </a:prstGeom>
+        </p:spPr>
+      </p:pic>
+      <p:pic>
+        <p:nvPicPr>
+          <p:cNvPr id="6" name="Picture 5">
+            <a:extLst>
+              <a:ext uri="{FF2B5EF4-FFF2-40B4-BE49-F238E27FC236}">
+                <a16:creationId xmlns:a16="http://schemas.microsoft.com/office/drawing/2014/main" id="{DB4D057A-DB2B-495A-9312-7FF56A2F9EE4}"/>
+              </a:ext>
+            </a:extLst>
+          </p:cNvPr>
+          <p:cNvPicPr>
+            <a:picLocks noChangeAspect="1"/>
+          </p:cNvPicPr>
+          <p:nvPr/>
+        </p:nvPicPr>
+        <p:blipFill>
+          <a:blip r:embed="rId3" cstate="print">
+            <a:extLst>
+              <a:ext uri="{28A0092B-C50C-407E-A947-70E740481C1C}">
+                <a14:useLocalDpi xmlns:a14="http://schemas.microsoft.com/office/drawing/2010/main" val="0"/>
+              </a:ext>
+            </a:extLst>
+          </a:blip>
+          <a:stretch>
+            <a:fillRect/>
+          </a:stretch>
+        </p:blipFill>
+        <p:spPr>
+          <a:xfrm>
+            <a:off x="6504286" y="2595282"/>
+            <a:ext cx="1810871" cy="976173"/>
+          </a:xfrm>
+          <a:prstGeom prst="rect">
+            <a:avLst/>
+          </a:prstGeom>
+        </p:spPr>
+      </p:pic>
+      <p:pic>
+        <p:nvPicPr>
+          <p:cNvPr id="11" name="Picture 10">
+            <a:extLst>
+              <a:ext uri="{FF2B5EF4-FFF2-40B4-BE49-F238E27FC236}">
+                <a16:creationId xmlns:a16="http://schemas.microsoft.com/office/drawing/2014/main" id="{99EF968B-7180-42C3-8F3B-73924CAE831D}"/>
+              </a:ext>
+            </a:extLst>
+          </p:cNvPr>
+          <p:cNvPicPr>
+            <a:picLocks noChangeAspect="1"/>
+          </p:cNvPicPr>
+          <p:nvPr/>
+        </p:nvPicPr>
+        <p:blipFill rotWithShape="1">
+          <a:blip r:embed="rId4" cstate="print">
+            <a:extLst>
+              <a:ext uri="{28A0092B-C50C-407E-A947-70E740481C1C}">
+                <a14:useLocalDpi xmlns:a14="http://schemas.microsoft.com/office/drawing/2010/main" val="0"/>
+              </a:ext>
+            </a:extLst>
+          </a:blip>
+          <a:srcRect l="15057" t="37405" r="18337" b="37158"/>
+          <a:stretch/>
+        </p:blipFill>
+        <p:spPr>
+          <a:xfrm>
+            <a:off x="8709605" y="1337508"/>
+            <a:ext cx="2259106" cy="485290"/>
+          </a:xfrm>
+          <a:prstGeom prst="rect">
+            <a:avLst/>
+          </a:prstGeom>
+        </p:spPr>
+      </p:pic>
+      <p:pic>
+        <p:nvPicPr>
+          <p:cNvPr id="20" name="Picture 19">
+            <a:extLst>
+              <a:ext uri="{FF2B5EF4-FFF2-40B4-BE49-F238E27FC236}">
+                <a16:creationId xmlns:a16="http://schemas.microsoft.com/office/drawing/2014/main" id="{81D20754-3E8A-4DC6-979F-BD0D1AB9DA5A}"/>
+              </a:ext>
+            </a:extLst>
+          </p:cNvPr>
+          <p:cNvPicPr>
+            <a:picLocks noChangeAspect="1"/>
+          </p:cNvPicPr>
+          <p:nvPr/>
+        </p:nvPicPr>
+        <p:blipFill rotWithShape="1">
+          <a:blip r:embed="rId5">
+            <a:extLst>
+              <a:ext uri="{28A0092B-C50C-407E-A947-70E740481C1C}">
+                <a14:useLocalDpi xmlns:a14="http://schemas.microsoft.com/office/drawing/2010/main" val="0"/>
+              </a:ext>
+            </a:extLst>
+          </a:blip>
+          <a:srcRect l="5681" t="12315" r="12151" b="14792"/>
+          <a:stretch/>
+        </p:blipFill>
+        <p:spPr>
+          <a:xfrm>
+            <a:off x="6985950" y="3759412"/>
+            <a:ext cx="2512548" cy="806721"/>
+          </a:xfrm>
+          <a:prstGeom prst="rect">
+            <a:avLst/>
+          </a:prstGeom>
+        </p:spPr>
+      </p:pic>
+      <p:pic>
+        <p:nvPicPr>
+          <p:cNvPr id="22" name="Picture 21">
+            <a:extLst>
+              <a:ext uri="{FF2B5EF4-FFF2-40B4-BE49-F238E27FC236}">
+                <a16:creationId xmlns:a16="http://schemas.microsoft.com/office/drawing/2014/main" id="{4DC7432F-451C-41EF-9D52-E17EF2CEF3F7}"/>
+              </a:ext>
+            </a:extLst>
+          </p:cNvPr>
+          <p:cNvPicPr>
+            <a:picLocks noChangeAspect="1"/>
+          </p:cNvPicPr>
+          <p:nvPr/>
+        </p:nvPicPr>
+        <p:blipFill rotWithShape="1">
+          <a:blip r:embed="rId6" cstate="print">
+            <a:extLst>
+              <a:ext uri="{28A0092B-C50C-407E-A947-70E740481C1C}">
+                <a14:useLocalDpi xmlns:a14="http://schemas.microsoft.com/office/drawing/2010/main" val="0"/>
+              </a:ext>
+            </a:extLst>
+          </a:blip>
+          <a:srcRect l="16176" t="46962" r="3750" b="12503"/>
+          <a:stretch/>
+        </p:blipFill>
+        <p:spPr>
+          <a:xfrm>
+            <a:off x="8610990" y="2754231"/>
+            <a:ext cx="2659250" cy="539823"/>
+          </a:xfrm>
+          <a:prstGeom prst="rect">
+            <a:avLst/>
+          </a:prstGeom>
+        </p:spPr>
+      </p:pic>
+      <p:pic>
+        <p:nvPicPr>
+          <p:cNvPr id="24" name="Picture 23">
+            <a:extLst>
+              <a:ext uri="{FF2B5EF4-FFF2-40B4-BE49-F238E27FC236}">
+                <a16:creationId xmlns:a16="http://schemas.microsoft.com/office/drawing/2014/main" id="{D7BEC183-9FE7-4854-AFEE-16CCFA379EEB}"/>
+              </a:ext>
+            </a:extLst>
+          </p:cNvPr>
+          <p:cNvPicPr>
+            <a:picLocks noChangeAspect="1"/>
+          </p:cNvPicPr>
+          <p:nvPr/>
+        </p:nvPicPr>
+        <p:blipFill>
+          <a:blip r:embed="rId7" cstate="print">
+            <a:extLst>
+              <a:ext uri="{28A0092B-C50C-407E-A947-70E740481C1C}">
+                <a14:useLocalDpi xmlns:a14="http://schemas.microsoft.com/office/drawing/2010/main" val="0"/>
+              </a:ext>
+            </a:extLst>
+          </a:blip>
+          <a:stretch>
+            <a:fillRect/>
+          </a:stretch>
+        </p:blipFill>
+        <p:spPr>
+          <a:xfrm>
+            <a:off x="5791199" y="4525814"/>
+            <a:ext cx="2659251" cy="650039"/>
+          </a:xfrm>
+          <a:prstGeom prst="rect">
+            <a:avLst/>
+          </a:prstGeom>
+        </p:spPr>
+      </p:pic>
+      <p:pic>
+        <p:nvPicPr>
+          <p:cNvPr id="26" name="Picture 25">
+            <a:extLst>
+              <a:ext uri="{FF2B5EF4-FFF2-40B4-BE49-F238E27FC236}">
+                <a16:creationId xmlns:a16="http://schemas.microsoft.com/office/drawing/2014/main" id="{04AF52AA-4ACF-4ACF-B86B-EEB82B8CB119}"/>
+              </a:ext>
+            </a:extLst>
+          </p:cNvPr>
+          <p:cNvPicPr>
+            <a:picLocks noChangeAspect="1"/>
+          </p:cNvPicPr>
+          <p:nvPr/>
+        </p:nvPicPr>
+        <p:blipFill>
+          <a:blip r:embed="rId8" cstate="print">
+            <a:extLst>
+              <a:ext uri="{28A0092B-C50C-407E-A947-70E740481C1C}">
+                <a14:useLocalDpi xmlns:a14="http://schemas.microsoft.com/office/drawing/2010/main" val="0"/>
+              </a:ext>
+            </a:extLst>
+          </a:blip>
+          <a:stretch>
+            <a:fillRect/>
+          </a:stretch>
+        </p:blipFill>
+        <p:spPr>
+          <a:xfrm>
+            <a:off x="9660682" y="4313092"/>
+            <a:ext cx="2202872" cy="1995633"/>
+          </a:xfrm>
+          <a:prstGeom prst="rect">
+            <a:avLst/>
+          </a:prstGeom>
+        </p:spPr>
+      </p:pic>
+      <p:pic>
+        <p:nvPicPr>
+          <p:cNvPr id="28" name="Picture 27">
+            <a:extLst>
+              <a:ext uri="{FF2B5EF4-FFF2-40B4-BE49-F238E27FC236}">
+                <a16:creationId xmlns:a16="http://schemas.microsoft.com/office/drawing/2014/main" id="{BCC3DCB4-CC32-4927-8491-708B5AF978E4}"/>
+              </a:ext>
+            </a:extLst>
+          </p:cNvPr>
+          <p:cNvPicPr>
+            <a:picLocks noChangeAspect="1"/>
+          </p:cNvPicPr>
+          <p:nvPr/>
+        </p:nvPicPr>
+        <p:blipFill>
+          <a:blip r:embed="rId9" cstate="print">
+            <a:extLst>
+              <a:ext uri="{28A0092B-C50C-407E-A947-70E740481C1C}">
+                <a14:useLocalDpi xmlns:a14="http://schemas.microsoft.com/office/drawing/2010/main" val="0"/>
+              </a:ext>
+            </a:extLst>
+          </a:blip>
+          <a:stretch>
+            <a:fillRect/>
+          </a:stretch>
+        </p:blipFill>
+        <p:spPr>
+          <a:xfrm>
+            <a:off x="6584968" y="802278"/>
+            <a:ext cx="2178425" cy="466136"/>
+          </a:xfrm>
+          <a:prstGeom prst="rect">
+            <a:avLst/>
+          </a:prstGeom>
+        </p:spPr>
+      </p:pic>
+      <p:pic>
+        <p:nvPicPr>
+          <p:cNvPr id="30" name="Picture 29">
+            <a:extLst>
+              <a:ext uri="{FF2B5EF4-FFF2-40B4-BE49-F238E27FC236}">
+                <a16:creationId xmlns:a16="http://schemas.microsoft.com/office/drawing/2014/main" id="{F66C0B23-5956-4428-A6AE-DB168F8F0FD0}"/>
+              </a:ext>
+            </a:extLst>
+          </p:cNvPr>
+          <p:cNvPicPr>
+            <a:picLocks noChangeAspect="1"/>
+          </p:cNvPicPr>
+          <p:nvPr/>
+        </p:nvPicPr>
+        <p:blipFill>
+          <a:blip r:embed="rId10" cstate="print">
+            <a:extLst>
+              <a:ext uri="{28A0092B-C50C-407E-A947-70E740481C1C}">
+                <a14:useLocalDpi xmlns:a14="http://schemas.microsoft.com/office/drawing/2010/main" val="0"/>
+              </a:ext>
+            </a:extLst>
+          </a:blip>
+          <a:stretch>
+            <a:fillRect/>
+          </a:stretch>
+        </p:blipFill>
+        <p:spPr>
+          <a:xfrm>
+            <a:off x="10649350" y="1522789"/>
+            <a:ext cx="1560579" cy="1560579"/>
+          </a:xfrm>
+          <a:prstGeom prst="rect">
+            <a:avLst/>
+          </a:prstGeom>
+        </p:spPr>
+      </p:pic>
+      <p:pic>
+        <p:nvPicPr>
+          <p:cNvPr id="32" name="Picture 31">
+            <a:extLst>
+              <a:ext uri="{FF2B5EF4-FFF2-40B4-BE49-F238E27FC236}">
+                <a16:creationId xmlns:a16="http://schemas.microsoft.com/office/drawing/2014/main" id="{EC69EA82-4325-4C6A-B615-16B3DF15554C}"/>
+              </a:ext>
+            </a:extLst>
+          </p:cNvPr>
+          <p:cNvPicPr>
+            <a:picLocks noChangeAspect="1"/>
+          </p:cNvPicPr>
+          <p:nvPr/>
+        </p:nvPicPr>
+        <p:blipFill>
+          <a:blip r:embed="rId11" cstate="print">
+            <a:extLst>
+              <a:ext uri="{28A0092B-C50C-407E-A947-70E740481C1C}">
+                <a14:useLocalDpi xmlns:a14="http://schemas.microsoft.com/office/drawing/2010/main" val="0"/>
+              </a:ext>
+            </a:extLst>
+          </a:blip>
+          <a:stretch>
+            <a:fillRect/>
+          </a:stretch>
+        </p:blipFill>
+        <p:spPr>
+          <a:xfrm>
+            <a:off x="9498498" y="3429000"/>
+            <a:ext cx="2061199" cy="1225297"/>
+          </a:xfrm>
+          <a:prstGeom prst="rect">
+            <a:avLst/>
+          </a:prstGeom>
+        </p:spPr>
+      </p:pic>
+      <p:pic>
+        <p:nvPicPr>
+          <p:cNvPr id="34" name="Picture 33">
+            <a:extLst>
+              <a:ext uri="{FF2B5EF4-FFF2-40B4-BE49-F238E27FC236}">
+                <a16:creationId xmlns:a16="http://schemas.microsoft.com/office/drawing/2014/main" id="{2F033CD8-E58D-45B2-9B16-40F41FB57D0C}"/>
+              </a:ext>
+            </a:extLst>
+          </p:cNvPr>
+          <p:cNvPicPr>
+            <a:picLocks noChangeAspect="1"/>
+          </p:cNvPicPr>
+          <p:nvPr/>
+        </p:nvPicPr>
+        <p:blipFill>
+          <a:blip r:embed="rId12" cstate="print">
+            <a:extLst>
+              <a:ext uri="{28A0092B-C50C-407E-A947-70E740481C1C}">
+                <a14:useLocalDpi xmlns:a14="http://schemas.microsoft.com/office/drawing/2010/main" val="0"/>
+              </a:ext>
+            </a:extLst>
+          </a:blip>
+          <a:stretch>
+            <a:fillRect/>
+          </a:stretch>
+        </p:blipFill>
+        <p:spPr>
+          <a:xfrm>
+            <a:off x="9304522" y="392581"/>
+            <a:ext cx="2559032" cy="728045"/>
+          </a:xfrm>
+          <a:prstGeom prst="rect">
+            <a:avLst/>
+          </a:prstGeom>
+        </p:spPr>
+      </p:pic>
+      <p:pic>
+        <p:nvPicPr>
+          <p:cNvPr id="36" name="Picture 35">
+            <a:extLst>
+              <a:ext uri="{FF2B5EF4-FFF2-40B4-BE49-F238E27FC236}">
+                <a16:creationId xmlns:a16="http://schemas.microsoft.com/office/drawing/2014/main" id="{D041C8CA-6E30-46E0-9EF6-02995A6DDD05}"/>
+              </a:ext>
+            </a:extLst>
+          </p:cNvPr>
+          <p:cNvPicPr>
+            <a:picLocks noChangeAspect="1"/>
+          </p:cNvPicPr>
+          <p:nvPr/>
+        </p:nvPicPr>
+        <p:blipFill>
+          <a:blip r:embed="rId13">
+            <a:extLst>
+              <a:ext uri="{28A0092B-C50C-407E-A947-70E740481C1C}">
+                <a14:useLocalDpi xmlns:a14="http://schemas.microsoft.com/office/drawing/2010/main" val="0"/>
+              </a:ext>
+            </a:extLst>
+          </a:blip>
+          <a:stretch>
+            <a:fillRect/>
+          </a:stretch>
+        </p:blipFill>
+        <p:spPr>
+          <a:xfrm>
+            <a:off x="7433569" y="5227565"/>
+            <a:ext cx="2146021" cy="507892"/>
+          </a:xfrm>
+          <a:prstGeom prst="rect">
+            <a:avLst/>
+          </a:prstGeom>
+        </p:spPr>
+      </p:pic>
     </p:spTree>
     <p:extLst>
       <p:ext uri="{BB962C8B-B14F-4D97-AF65-F5344CB8AC3E}">
-        <p14:creationId xmlns:p14="http://schemas.microsoft.com/office/powerpoint/2010/main" val="3115326222"/>
+        <p14:creationId xmlns:p14="http://schemas.microsoft.com/office/powerpoint/2010/main" val="3890404603"/>
       </p:ext>
     </p:extLst>
   </p:cSld>
@@ -4765,12 +5912,47 @@
           <a:chExt cx="0" cy="0"/>
         </a:xfrm>
       </p:grpSpPr>
+      <p:pic>
+        <p:nvPicPr>
+          <p:cNvPr id="3" name="Picture Placeholder 2">
+            <a:extLst>
+              <a:ext uri="{FF2B5EF4-FFF2-40B4-BE49-F238E27FC236}">
+                <a16:creationId xmlns:a16="http://schemas.microsoft.com/office/drawing/2014/main" id="{E01C2C07-766B-4CEB-9776-EE07A559F229}"/>
+              </a:ext>
+            </a:extLst>
+          </p:cNvPr>
+          <p:cNvPicPr>
+            <a:picLocks noGrp="1" noChangeAspect="1"/>
+          </p:cNvPicPr>
+          <p:nvPr>
+            <p:ph type="pic" idx="1"/>
+          </p:nvPr>
+        </p:nvPicPr>
+        <p:blipFill>
+          <a:blip r:embed="rId2">
+            <a:extLst>
+              <a:ext uri="{28A0092B-C50C-407E-A947-70E740481C1C}">
+                <a14:useLocalDpi xmlns:a14="http://schemas.microsoft.com/office/drawing/2010/main" val="0"/>
+              </a:ext>
+            </a:extLst>
+          </a:blip>
+          <a:stretch>
+            <a:fillRect/>
+          </a:stretch>
+        </p:blipFill>
+        <p:spPr>
+          <a:xfrm>
+            <a:off x="5374266" y="1089025"/>
+            <a:ext cx="6482771" cy="4873625"/>
+          </a:xfrm>
+        </p:spPr>
+      </p:pic>
       <p:sp>
         <p:nvSpPr>
-          <p:cNvPr id="28" name="Title 27">
-            <a:extLst>
-              <a:ext uri="{FF2B5EF4-FFF2-40B4-BE49-F238E27FC236}">
-                <a16:creationId xmlns:a16="http://schemas.microsoft.com/office/drawing/2014/main" id="{1682ABF7-7AD8-42DB-BD29-CD3C0770434E}"/>
+          <p:cNvPr id="5" name="Title 4">
+            <a:extLst>
+              <a:ext uri="{FF2B5EF4-FFF2-40B4-BE49-F238E27FC236}">
+                <a16:creationId xmlns:a16="http://schemas.microsoft.com/office/drawing/2014/main" id="{AEFD51C8-9C20-4E18-97DB-41075C0138AA}"/>
               </a:ext>
             </a:extLst>
           </p:cNvPr>
@@ -4788,53 +5970,83 @@
           <a:p>
             <a:r>
               <a:rPr lang="en-GB" dirty="0"/>
-              <a:t>Animation Strategies in Dynamo</a:t>
+              <a:t>Building a Custom Lookup Node</a:t>
             </a:r>
           </a:p>
         </p:txBody>
       </p:sp>
-      <p:pic>
-        <p:nvPicPr>
-          <p:cNvPr id="3" name="Graphic 2">
-            <a:extLst>
-              <a:ext uri="{FF2B5EF4-FFF2-40B4-BE49-F238E27FC236}">
-                <a16:creationId xmlns:a16="http://schemas.microsoft.com/office/drawing/2014/main" id="{5E5B4997-1E06-43A9-A0DF-E9A929D3A73C}"/>
-              </a:ext>
-            </a:extLst>
-          </p:cNvPr>
-          <p:cNvPicPr>
-            <a:picLocks noChangeAspect="1"/>
-          </p:cNvPicPr>
-          <p:nvPr/>
-        </p:nvPicPr>
-        <p:blipFill rotWithShape="1">
-          <a:blip r:embed="rId2">
-            <a:extLst>
-              <a:ext uri="{28A0092B-C50C-407E-A947-70E740481C1C}">
-                <a14:useLocalDpi xmlns:a14="http://schemas.microsoft.com/office/drawing/2010/main" val="0"/>
-              </a:ext>
-              <a:ext uri="{96DAC541-7B7A-43D3-8B79-37D633B846F1}">
-                <asvg:svgBlip xmlns:asvg="http://schemas.microsoft.com/office/drawing/2016/SVG/main" r:embed="rId3"/>
-              </a:ext>
-            </a:extLst>
-          </a:blip>
-          <a:srcRect b="24712"/>
-          <a:stretch/>
-        </p:blipFill>
-        <p:spPr>
-          <a:xfrm>
-            <a:off x="4438650" y="1869281"/>
-            <a:ext cx="3314700" cy="3119438"/>
-          </a:xfrm>
-          <a:prstGeom prst="rect">
-            <a:avLst/>
-          </a:prstGeom>
-        </p:spPr>
-      </p:pic>
+      <p:sp>
+        <p:nvSpPr>
+          <p:cNvPr id="7" name="Content Placeholder 6">
+            <a:extLst>
+              <a:ext uri="{FF2B5EF4-FFF2-40B4-BE49-F238E27FC236}">
+                <a16:creationId xmlns:a16="http://schemas.microsoft.com/office/drawing/2014/main" id="{3D95DBEF-88DF-4431-85F0-A4F7301082AD}"/>
+              </a:ext>
+            </a:extLst>
+          </p:cNvPr>
+          <p:cNvSpPr>
+            <a:spLocks noGrp="1"/>
+          </p:cNvSpPr>
+          <p:nvPr>
+            <p:ph idx="11"/>
+          </p:nvPr>
+        </p:nvSpPr>
+        <p:spPr/>
+        <p:txBody>
+          <a:bodyPr/>
+          <a:lstStyle/>
+          <a:p>
+            <a:pPr marL="342900" indent="-342900">
+              <a:buFont typeface="Arial" panose="020B0604020202020204" pitchFamily="34" charset="0"/>
+              <a:buChar char="•"/>
+            </a:pPr>
+            <a:r>
+              <a:rPr lang="en-US" dirty="0"/>
+              <a:t>Retrieve rooms by number</a:t>
+            </a:r>
+          </a:p>
+          <a:p>
+            <a:pPr marL="342900" indent="-342900">
+              <a:buFont typeface="Arial" panose="020B0604020202020204" pitchFamily="34" charset="0"/>
+              <a:buChar char="•"/>
+            </a:pPr>
+            <a:r>
+              <a:rPr lang="en-US" dirty="0"/>
+              <a:t>Bundle as a custom node</a:t>
+            </a:r>
+          </a:p>
+          <a:p>
+            <a:pPr marL="342900" indent="-342900">
+              <a:buFont typeface="Arial" panose="020B0604020202020204" pitchFamily="34" charset="0"/>
+              <a:buChar char="•"/>
+            </a:pPr>
+            <a:r>
+              <a:rPr lang="en-US" dirty="0"/>
+              <a:t>Distribute for reuse</a:t>
+            </a:r>
+          </a:p>
+          <a:p>
+            <a:pPr marL="342900" indent="-342900">
+              <a:buFont typeface="Arial" panose="020B0604020202020204" pitchFamily="34" charset="0"/>
+              <a:buChar char="•"/>
+            </a:pPr>
+            <a:r>
+              <a:rPr lang="en-US" dirty="0"/>
+              <a:t>Using a tool called a dictionary</a:t>
+            </a:r>
+          </a:p>
+          <a:p>
+            <a:pPr lvl="1" indent="0">
+              <a:buNone/>
+            </a:pPr>
+            <a:endParaRPr lang="en-US" dirty="0"/>
+          </a:p>
+        </p:txBody>
+      </p:sp>
     </p:spTree>
     <p:extLst>
       <p:ext uri="{BB962C8B-B14F-4D97-AF65-F5344CB8AC3E}">
-        <p14:creationId xmlns:p14="http://schemas.microsoft.com/office/powerpoint/2010/main" val="3280868407"/>
+        <p14:creationId xmlns:p14="http://schemas.microsoft.com/office/powerpoint/2010/main" val="3115326222"/>
       </p:ext>
     </p:extLst>
   </p:cSld>
@@ -4861,48 +6073,12 @@
           <a:chExt cx="0" cy="0"/>
         </a:xfrm>
       </p:grpSpPr>
-      <p:pic>
-        <p:nvPicPr>
-          <p:cNvPr id="4" name="Picture 3">
-            <a:extLst>
-              <a:ext uri="{FF2B5EF4-FFF2-40B4-BE49-F238E27FC236}">
-                <a16:creationId xmlns:a16="http://schemas.microsoft.com/office/drawing/2014/main" id="{30AB0AC6-DB65-4416-9F92-A43B24019616}"/>
-              </a:ext>
-            </a:extLst>
-          </p:cNvPr>
-          <p:cNvPicPr>
-            <a:picLocks noChangeAspect="1"/>
-          </p:cNvPicPr>
-          <p:nvPr/>
-        </p:nvPicPr>
-        <p:blipFill>
-          <a:blip r:embed="rId2">
-            <a:extLst>
-              <a:ext uri="{28A0092B-C50C-407E-A947-70E740481C1C}">
-                <a14:useLocalDpi xmlns:a14="http://schemas.microsoft.com/office/drawing/2010/main" val="0"/>
-              </a:ext>
-            </a:extLst>
-          </a:blip>
-          <a:stretch>
-            <a:fillRect/>
-          </a:stretch>
-        </p:blipFill>
-        <p:spPr>
-          <a:xfrm>
-            <a:off x="1952158" y="3022655"/>
-            <a:ext cx="9904879" cy="3119098"/>
-          </a:xfrm>
-          <a:prstGeom prst="rect">
-            <a:avLst/>
-          </a:prstGeom>
-        </p:spPr>
-      </p:pic>
       <p:sp>
         <p:nvSpPr>
-          <p:cNvPr id="5" name="Title 4">
-            <a:extLst>
-              <a:ext uri="{FF2B5EF4-FFF2-40B4-BE49-F238E27FC236}">
-                <a16:creationId xmlns:a16="http://schemas.microsoft.com/office/drawing/2014/main" id="{AEFD51C8-9C20-4E18-97DB-41075C0138AA}"/>
+          <p:cNvPr id="28" name="Title 27">
+            <a:extLst>
+              <a:ext uri="{FF2B5EF4-FFF2-40B4-BE49-F238E27FC236}">
+                <a16:creationId xmlns:a16="http://schemas.microsoft.com/office/drawing/2014/main" id="{1682ABF7-7AD8-42DB-BD29-CD3C0770434E}"/>
               </a:ext>
             </a:extLst>
           </p:cNvPr>
@@ -4920,103 +6096,53 @@
           <a:p>
             <a:r>
               <a:rPr lang="en-GB" dirty="0"/>
-              <a:t>Animation Strategies in Dynamo</a:t>
+              <a:t>Data Visualization</a:t>
             </a:r>
           </a:p>
         </p:txBody>
       </p:sp>
-      <p:sp>
-        <p:nvSpPr>
-          <p:cNvPr id="7" name="Content Placeholder 6">
-            <a:extLst>
-              <a:ext uri="{FF2B5EF4-FFF2-40B4-BE49-F238E27FC236}">
-                <a16:creationId xmlns:a16="http://schemas.microsoft.com/office/drawing/2014/main" id="{3D95DBEF-88DF-4431-85F0-A4F7301082AD}"/>
-              </a:ext>
-            </a:extLst>
-          </p:cNvPr>
-          <p:cNvSpPr>
-            <a:spLocks noGrp="1"/>
-          </p:cNvSpPr>
-          <p:nvPr>
-            <p:ph idx="11"/>
-          </p:nvPr>
-        </p:nvSpPr>
+      <p:pic>
+        <p:nvPicPr>
+          <p:cNvPr id="3" name="Graphic 2">
+            <a:extLst>
+              <a:ext uri="{FF2B5EF4-FFF2-40B4-BE49-F238E27FC236}">
+                <a16:creationId xmlns:a16="http://schemas.microsoft.com/office/drawing/2014/main" id="{5E5B4997-1E06-43A9-A0DF-E9A929D3A73C}"/>
+              </a:ext>
+            </a:extLst>
+          </p:cNvPr>
+          <p:cNvPicPr>
+            <a:picLocks noChangeAspect="1"/>
+          </p:cNvPicPr>
+          <p:nvPr/>
+        </p:nvPicPr>
+        <p:blipFill rotWithShape="1">
+          <a:blip r:embed="rId2">
+            <a:extLst>
+              <a:ext uri="{28A0092B-C50C-407E-A947-70E740481C1C}">
+                <a14:useLocalDpi xmlns:a14="http://schemas.microsoft.com/office/drawing/2010/main" val="0"/>
+              </a:ext>
+              <a:ext uri="{96DAC541-7B7A-43D3-8B79-37D633B846F1}">
+                <asvg:svgBlip xmlns:asvg="http://schemas.microsoft.com/office/drawing/2016/SVG/main" r:embed="rId3"/>
+              </a:ext>
+            </a:extLst>
+          </a:blip>
+          <a:srcRect b="17095"/>
+          <a:stretch/>
+        </p:blipFill>
         <p:spPr>
           <a:xfrm>
-            <a:off x="334963" y="1268414"/>
-            <a:ext cx="8692496" cy="5040311"/>
+            <a:off x="4541130" y="1817664"/>
+            <a:ext cx="3109739" cy="3222672"/>
           </a:xfrm>
-          <a:noFill/>
+          <a:prstGeom prst="rect">
+            <a:avLst/>
+          </a:prstGeom>
         </p:spPr>
-        <p:txBody>
-          <a:bodyPr/>
-          <a:lstStyle/>
-          <a:p>
-            <a:pPr marL="342900" indent="-342900">
-              <a:buFont typeface="Arial" panose="020B0604020202020204" pitchFamily="34" charset="0"/>
-              <a:buChar char="•"/>
-            </a:pPr>
-            <a:r>
-              <a:rPr lang="en-GB" dirty="0"/>
-              <a:t>Using </a:t>
-            </a:r>
-            <a:r>
-              <a:rPr lang="en-GB" dirty="0" err="1"/>
-              <a:t>Dynanimator</a:t>
-            </a:r>
-            <a:r>
-              <a:rPr lang="en-GB" dirty="0"/>
-              <a:t> from the Bad Monkeys.</a:t>
-            </a:r>
-          </a:p>
-          <a:p>
-            <a:pPr marL="342900" indent="-342900">
-              <a:buFont typeface="Arial" panose="020B0604020202020204" pitchFamily="34" charset="0"/>
-              <a:buChar char="•"/>
-            </a:pPr>
-            <a:r>
-              <a:rPr lang="en-US" dirty="0"/>
-              <a:t>Using Rhythm, (with inspiration from the Bad Monkeys).</a:t>
-            </a:r>
-            <a:endParaRPr lang="en-GB" dirty="0"/>
-          </a:p>
-          <a:p>
-            <a:pPr marL="342900" indent="-342900">
-              <a:buFont typeface="Arial" panose="020B0604020202020204" pitchFamily="34" charset="0"/>
-              <a:buChar char="•"/>
-            </a:pPr>
-            <a:r>
-              <a:rPr lang="en-US" dirty="0"/>
-              <a:t>Using Firefly for rapid iteration.</a:t>
-            </a:r>
-          </a:p>
-          <a:p>
-            <a:pPr marL="342900" indent="-342900">
-              <a:buFont typeface="Arial" panose="020B0604020202020204" pitchFamily="34" charset="0"/>
-              <a:buChar char="•"/>
-            </a:pPr>
-            <a:r>
-              <a:rPr lang="en-US" dirty="0"/>
-              <a:t>Using current system time to iterate.</a:t>
-            </a:r>
-          </a:p>
-          <a:p>
-            <a:pPr marL="342900" indent="-342900">
-              <a:buFont typeface="Arial" panose="020B0604020202020204" pitchFamily="34" charset="0"/>
-              <a:buChar char="•"/>
-            </a:pPr>
-            <a:r>
-              <a:rPr lang="en-US" dirty="0"/>
-              <a:t>Sliders with filename replacement.</a:t>
-            </a:r>
-            <a:endParaRPr lang="en-GB" dirty="0"/>
-          </a:p>
-        </p:txBody>
-      </p:sp>
+      </p:pic>
     </p:spTree>
     <p:extLst>
       <p:ext uri="{BB962C8B-B14F-4D97-AF65-F5344CB8AC3E}">
-        <p14:creationId xmlns:p14="http://schemas.microsoft.com/office/powerpoint/2010/main" val="1385843327"/>
+        <p14:creationId xmlns:p14="http://schemas.microsoft.com/office/powerpoint/2010/main" val="3280868407"/>
       </p:ext>
     </p:extLst>
   </p:cSld>
@@ -5117,6 +6243,284 @@
 </file>
 
 <file path=ppt/slides/slide20.xml><?xml version="1.0" encoding="utf-8"?>
+<p:sld xmlns:a="http://schemas.openxmlformats.org/drawingml/2006/main" xmlns:r="http://schemas.openxmlformats.org/officeDocument/2006/relationships" xmlns:p="http://schemas.openxmlformats.org/presentationml/2006/main">
+  <p:cSld>
+    <p:spTree>
+      <p:nvGrpSpPr>
+        <p:cNvPr id="1" name=""/>
+        <p:cNvGrpSpPr/>
+        <p:nvPr/>
+      </p:nvGrpSpPr>
+      <p:grpSpPr>
+        <a:xfrm>
+          <a:off x="0" y="0"/>
+          <a:ext cx="0" cy="0"/>
+          <a:chOff x="0" y="0"/>
+          <a:chExt cx="0" cy="0"/>
+        </a:xfrm>
+      </p:grpSpPr>
+      <p:sp>
+        <p:nvSpPr>
+          <p:cNvPr id="28" name="Title 27">
+            <a:extLst>
+              <a:ext uri="{FF2B5EF4-FFF2-40B4-BE49-F238E27FC236}">
+                <a16:creationId xmlns:a16="http://schemas.microsoft.com/office/drawing/2014/main" id="{1682ABF7-7AD8-42DB-BD29-CD3C0770434E}"/>
+              </a:ext>
+            </a:extLst>
+          </p:cNvPr>
+          <p:cNvSpPr>
+            <a:spLocks noGrp="1"/>
+          </p:cNvSpPr>
+          <p:nvPr>
+            <p:ph type="title"/>
+          </p:nvPr>
+        </p:nvSpPr>
+        <p:spPr/>
+        <p:txBody>
+          <a:bodyPr/>
+          <a:lstStyle/>
+          <a:p>
+            <a:r>
+              <a:rPr lang="en-GB" dirty="0"/>
+              <a:t>Animation Strategies in Dynamo</a:t>
+            </a:r>
+          </a:p>
+        </p:txBody>
+      </p:sp>
+      <p:pic>
+        <p:nvPicPr>
+          <p:cNvPr id="3" name="Graphic 2">
+            <a:extLst>
+              <a:ext uri="{FF2B5EF4-FFF2-40B4-BE49-F238E27FC236}">
+                <a16:creationId xmlns:a16="http://schemas.microsoft.com/office/drawing/2014/main" id="{5E5B4997-1E06-43A9-A0DF-E9A929D3A73C}"/>
+              </a:ext>
+            </a:extLst>
+          </p:cNvPr>
+          <p:cNvPicPr>
+            <a:picLocks noChangeAspect="1"/>
+          </p:cNvPicPr>
+          <p:nvPr/>
+        </p:nvPicPr>
+        <p:blipFill rotWithShape="1">
+          <a:blip r:embed="rId2">
+            <a:extLst>
+              <a:ext uri="{28A0092B-C50C-407E-A947-70E740481C1C}">
+                <a14:useLocalDpi xmlns:a14="http://schemas.microsoft.com/office/drawing/2010/main" val="0"/>
+              </a:ext>
+              <a:ext uri="{96DAC541-7B7A-43D3-8B79-37D633B846F1}">
+                <asvg:svgBlip xmlns:asvg="http://schemas.microsoft.com/office/drawing/2016/SVG/main" r:embed="rId3"/>
+              </a:ext>
+            </a:extLst>
+          </a:blip>
+          <a:srcRect b="24712"/>
+          <a:stretch/>
+        </p:blipFill>
+        <p:spPr>
+          <a:xfrm>
+            <a:off x="4438650" y="1869281"/>
+            <a:ext cx="3314700" cy="3119438"/>
+          </a:xfrm>
+          <a:prstGeom prst="rect">
+            <a:avLst/>
+          </a:prstGeom>
+        </p:spPr>
+      </p:pic>
+    </p:spTree>
+    <p:extLst>
+      <p:ext uri="{BB962C8B-B14F-4D97-AF65-F5344CB8AC3E}">
+        <p14:creationId xmlns:p14="http://schemas.microsoft.com/office/powerpoint/2010/main" val="3284157429"/>
+      </p:ext>
+    </p:extLst>
+  </p:cSld>
+  <p:clrMapOvr>
+    <a:masterClrMapping/>
+  </p:clrMapOvr>
+</p:sld>
+</file>
+
+<file path=ppt/slides/slide21.xml><?xml version="1.0" encoding="utf-8"?>
+<p:sld xmlns:a="http://schemas.openxmlformats.org/drawingml/2006/main" xmlns:r="http://schemas.openxmlformats.org/officeDocument/2006/relationships" xmlns:p="http://schemas.openxmlformats.org/presentationml/2006/main">
+  <p:cSld>
+    <p:spTree>
+      <p:nvGrpSpPr>
+        <p:cNvPr id="1" name=""/>
+        <p:cNvGrpSpPr/>
+        <p:nvPr/>
+      </p:nvGrpSpPr>
+      <p:grpSpPr>
+        <a:xfrm>
+          <a:off x="0" y="0"/>
+          <a:ext cx="0" cy="0"/>
+          <a:chOff x="0" y="0"/>
+          <a:chExt cx="0" cy="0"/>
+        </a:xfrm>
+      </p:grpSpPr>
+      <p:pic>
+        <p:nvPicPr>
+          <p:cNvPr id="4" name="Picture 3">
+            <a:extLst>
+              <a:ext uri="{FF2B5EF4-FFF2-40B4-BE49-F238E27FC236}">
+                <a16:creationId xmlns:a16="http://schemas.microsoft.com/office/drawing/2014/main" id="{30AB0AC6-DB65-4416-9F92-A43B24019616}"/>
+              </a:ext>
+            </a:extLst>
+          </p:cNvPr>
+          <p:cNvPicPr>
+            <a:picLocks noChangeAspect="1"/>
+          </p:cNvPicPr>
+          <p:nvPr/>
+        </p:nvPicPr>
+        <p:blipFill>
+          <a:blip r:embed="rId2">
+            <a:extLst>
+              <a:ext uri="{28A0092B-C50C-407E-A947-70E740481C1C}">
+                <a14:useLocalDpi xmlns:a14="http://schemas.microsoft.com/office/drawing/2010/main" val="0"/>
+              </a:ext>
+            </a:extLst>
+          </a:blip>
+          <a:stretch>
+            <a:fillRect/>
+          </a:stretch>
+        </p:blipFill>
+        <p:spPr>
+          <a:xfrm>
+            <a:off x="1952158" y="3022655"/>
+            <a:ext cx="9904879" cy="3119098"/>
+          </a:xfrm>
+          <a:prstGeom prst="rect">
+            <a:avLst/>
+          </a:prstGeom>
+        </p:spPr>
+      </p:pic>
+      <p:sp>
+        <p:nvSpPr>
+          <p:cNvPr id="5" name="Title 4">
+            <a:extLst>
+              <a:ext uri="{FF2B5EF4-FFF2-40B4-BE49-F238E27FC236}">
+                <a16:creationId xmlns:a16="http://schemas.microsoft.com/office/drawing/2014/main" id="{AEFD51C8-9C20-4E18-97DB-41075C0138AA}"/>
+              </a:ext>
+            </a:extLst>
+          </p:cNvPr>
+          <p:cNvSpPr>
+            <a:spLocks noGrp="1"/>
+          </p:cNvSpPr>
+          <p:nvPr>
+            <p:ph type="title"/>
+          </p:nvPr>
+        </p:nvSpPr>
+        <p:spPr/>
+        <p:txBody>
+          <a:bodyPr/>
+          <a:lstStyle/>
+          <a:p>
+            <a:r>
+              <a:rPr lang="en-GB" dirty="0"/>
+              <a:t>Animation Strategies in Dynamo</a:t>
+            </a:r>
+          </a:p>
+        </p:txBody>
+      </p:sp>
+      <p:sp>
+        <p:nvSpPr>
+          <p:cNvPr id="7" name="Content Placeholder 6">
+            <a:extLst>
+              <a:ext uri="{FF2B5EF4-FFF2-40B4-BE49-F238E27FC236}">
+                <a16:creationId xmlns:a16="http://schemas.microsoft.com/office/drawing/2014/main" id="{3D95DBEF-88DF-4431-85F0-A4F7301082AD}"/>
+              </a:ext>
+            </a:extLst>
+          </p:cNvPr>
+          <p:cNvSpPr>
+            <a:spLocks noGrp="1"/>
+          </p:cNvSpPr>
+          <p:nvPr>
+            <p:ph idx="11"/>
+          </p:nvPr>
+        </p:nvSpPr>
+        <p:spPr>
+          <a:xfrm>
+            <a:off x="334963" y="1268414"/>
+            <a:ext cx="8692496" cy="5040311"/>
+          </a:xfrm>
+          <a:noFill/>
+        </p:spPr>
+        <p:txBody>
+          <a:bodyPr/>
+          <a:lstStyle/>
+          <a:p>
+            <a:pPr marL="342900" indent="-342900">
+              <a:buFont typeface="Arial" panose="020B0604020202020204" pitchFamily="34" charset="0"/>
+              <a:buChar char="•"/>
+            </a:pPr>
+            <a:r>
+              <a:rPr lang="en-GB" dirty="0"/>
+              <a:t>Using </a:t>
+            </a:r>
+            <a:r>
+              <a:rPr lang="en-GB" dirty="0" err="1"/>
+              <a:t>Dynanimator</a:t>
+            </a:r>
+            <a:r>
+              <a:rPr lang="en-GB" dirty="0"/>
+              <a:t> from the Bad Monkeys.</a:t>
+            </a:r>
+          </a:p>
+          <a:p>
+            <a:pPr marL="342900" indent="-342900">
+              <a:buFont typeface="Arial" panose="020B0604020202020204" pitchFamily="34" charset="0"/>
+              <a:buChar char="•"/>
+            </a:pPr>
+            <a:r>
+              <a:rPr lang="en-US" dirty="0"/>
+              <a:t>Using Rhythm, (with inspiration from the Bad Monkeys).</a:t>
+            </a:r>
+            <a:endParaRPr lang="en-GB" dirty="0"/>
+          </a:p>
+          <a:p>
+            <a:pPr marL="342900" indent="-342900">
+              <a:buFont typeface="Arial" panose="020B0604020202020204" pitchFamily="34" charset="0"/>
+              <a:buChar char="•"/>
+            </a:pPr>
+            <a:r>
+              <a:rPr lang="en-US" dirty="0"/>
+              <a:t>Using Firefly for rapid iteration.</a:t>
+            </a:r>
+          </a:p>
+          <a:p>
+            <a:pPr marL="342900" indent="-342900">
+              <a:buFont typeface="Arial" panose="020B0604020202020204" pitchFamily="34" charset="0"/>
+              <a:buChar char="•"/>
+            </a:pPr>
+            <a:r>
+              <a:rPr lang="en-US" dirty="0"/>
+              <a:t>Using current system time to iterate.</a:t>
+            </a:r>
+          </a:p>
+          <a:p>
+            <a:pPr marL="342900" indent="-342900">
+              <a:buFont typeface="Arial" panose="020B0604020202020204" pitchFamily="34" charset="0"/>
+              <a:buChar char="•"/>
+            </a:pPr>
+            <a:r>
+              <a:rPr lang="en-US" dirty="0"/>
+              <a:t>Sliders with filename replacement.</a:t>
+            </a:r>
+            <a:endParaRPr lang="en-GB" dirty="0"/>
+          </a:p>
+        </p:txBody>
+      </p:sp>
+    </p:spTree>
+    <p:extLst>
+      <p:ext uri="{BB962C8B-B14F-4D97-AF65-F5344CB8AC3E}">
+        <p14:creationId xmlns:p14="http://schemas.microsoft.com/office/powerpoint/2010/main" val="1385843327"/>
+      </p:ext>
+    </p:extLst>
+  </p:cSld>
+  <p:clrMapOvr>
+    <a:masterClrMapping/>
+  </p:clrMapOvr>
+</p:sld>
+</file>
+
+<file path=ppt/slides/slide22.xml><?xml version="1.0" encoding="utf-8"?>
 <p:sld xmlns:a="http://schemas.openxmlformats.org/drawingml/2006/main" xmlns:r="http://schemas.openxmlformats.org/officeDocument/2006/relationships" xmlns:p="http://schemas.openxmlformats.org/presentationml/2006/main">
   <p:cSld>
     <p:spTree>
@@ -6890,4 +8294,299 @@
     </a:ext>
   </a:extLst>
 </a:theme>
+</file>
+
+<file path=ppt/theme/theme2.xml><?xml version="1.0" encoding="utf-8"?>
+<a:theme xmlns:a="http://schemas.openxmlformats.org/drawingml/2006/main" name="Office Theme">
+  <a:themeElements>
+    <a:clrScheme name="Office">
+      <a:dk1>
+        <a:sysClr val="windowText" lastClr="000000"/>
+      </a:dk1>
+      <a:lt1>
+        <a:sysClr val="window" lastClr="FFFFFF"/>
+      </a:lt1>
+      <a:dk2>
+        <a:srgbClr val="44546A"/>
+      </a:dk2>
+      <a:lt2>
+        <a:srgbClr val="E7E6E6"/>
+      </a:lt2>
+      <a:accent1>
+        <a:srgbClr val="4472C4"/>
+      </a:accent1>
+      <a:accent2>
+        <a:srgbClr val="ED7D31"/>
+      </a:accent2>
+      <a:accent3>
+        <a:srgbClr val="A5A5A5"/>
+      </a:accent3>
+      <a:accent4>
+        <a:srgbClr val="FFC000"/>
+      </a:accent4>
+      <a:accent5>
+        <a:srgbClr val="5B9BD5"/>
+      </a:accent5>
+      <a:accent6>
+        <a:srgbClr val="70AD47"/>
+      </a:accent6>
+      <a:hlink>
+        <a:srgbClr val="0563C1"/>
+      </a:hlink>
+      <a:folHlink>
+        <a:srgbClr val="954F72"/>
+      </a:folHlink>
+    </a:clrScheme>
+    <a:fontScheme name="Office">
+      <a:majorFont>
+        <a:latin typeface="Calibri Light" panose="020F0302020204030204"/>
+        <a:ea typeface=""/>
+        <a:cs typeface=""/>
+        <a:font script="Jpan" typeface="游ゴシック Light"/>
+        <a:font script="Hang" typeface="맑은 고딕"/>
+        <a:font script="Hans" typeface="等线 Light"/>
+        <a:font script="Hant" typeface="新細明體"/>
+        <a:font script="Arab" typeface="Times New Roman"/>
+        <a:font script="Hebr" typeface="Times New Roman"/>
+        <a:font script="Thai" typeface="Angsana New"/>
+        <a:font script="Ethi" typeface="Nyala"/>
+        <a:font script="Beng" typeface="Vrinda"/>
+        <a:font script="Gujr" typeface="Shruti"/>
+        <a:font script="Khmr" typeface="MoolBoran"/>
+        <a:font script="Knda" typeface="Tunga"/>
+        <a:font script="Guru" typeface="Raavi"/>
+        <a:font script="Cans" typeface="Euphemia"/>
+        <a:font script="Cher" typeface="Plantagenet Cherokee"/>
+        <a:font script="Yiii" typeface="Microsoft Yi Baiti"/>
+        <a:font script="Tibt" typeface="Microsoft Himalaya"/>
+        <a:font script="Thaa" typeface="MV Boli"/>
+        <a:font script="Deva" typeface="Mangal"/>
+        <a:font script="Telu" typeface="Gautami"/>
+        <a:font script="Taml" typeface="Latha"/>
+        <a:font script="Syrc" typeface="Estrangelo Edessa"/>
+        <a:font script="Orya" typeface="Kalinga"/>
+        <a:font script="Mlym" typeface="Kartika"/>
+        <a:font script="Laoo" typeface="DokChampa"/>
+        <a:font script="Sinh" typeface="Iskoola Pota"/>
+        <a:font script="Mong" typeface="Mongolian Baiti"/>
+        <a:font script="Viet" typeface="Times New Roman"/>
+        <a:font script="Uigh" typeface="Microsoft Uighur"/>
+        <a:font script="Geor" typeface="Sylfaen"/>
+        <a:font script="Armn" typeface="Arial"/>
+        <a:font script="Bugi" typeface="Leelawadee UI"/>
+        <a:font script="Bopo" typeface="Microsoft JhengHei"/>
+        <a:font script="Java" typeface="Javanese Text"/>
+        <a:font script="Lisu" typeface="Segoe UI"/>
+        <a:font script="Mymr" typeface="Myanmar Text"/>
+        <a:font script="Nkoo" typeface="Ebrima"/>
+        <a:font script="Olck" typeface="Nirmala UI"/>
+        <a:font script="Osma" typeface="Ebrima"/>
+        <a:font script="Phag" typeface="Phagspa"/>
+        <a:font script="Syrn" typeface="Estrangelo Edessa"/>
+        <a:font script="Syrj" typeface="Estrangelo Edessa"/>
+        <a:font script="Syre" typeface="Estrangelo Edessa"/>
+        <a:font script="Sora" typeface="Nirmala UI"/>
+        <a:font script="Tale" typeface="Microsoft Tai Le"/>
+        <a:font script="Talu" typeface="Microsoft New Tai Lue"/>
+        <a:font script="Tfng" typeface="Ebrima"/>
+      </a:majorFont>
+      <a:minorFont>
+        <a:latin typeface="Calibri" panose="020F0502020204030204"/>
+        <a:ea typeface=""/>
+        <a:cs typeface=""/>
+        <a:font script="Jpan" typeface="游ゴシック"/>
+        <a:font script="Hang" typeface="맑은 고딕"/>
+        <a:font script="Hans" typeface="等线"/>
+        <a:font script="Hant" typeface="新細明體"/>
+        <a:font script="Arab" typeface="Arial"/>
+        <a:font script="Hebr" typeface="Arial"/>
+        <a:font script="Thai" typeface="Cordia New"/>
+        <a:font script="Ethi" typeface="Nyala"/>
+        <a:font script="Beng" typeface="Vrinda"/>
+        <a:font script="Gujr" typeface="Shruti"/>
+        <a:font script="Khmr" typeface="DaunPenh"/>
+        <a:font script="Knda" typeface="Tunga"/>
+        <a:font script="Guru" typeface="Raavi"/>
+        <a:font script="Cans" typeface="Euphemia"/>
+        <a:font script="Cher" typeface="Plantagenet Cherokee"/>
+        <a:font script="Yiii" typeface="Microsoft Yi Baiti"/>
+        <a:font script="Tibt" typeface="Microsoft Himalaya"/>
+        <a:font script="Thaa" typeface="MV Boli"/>
+        <a:font script="Deva" typeface="Mangal"/>
+        <a:font script="Telu" typeface="Gautami"/>
+        <a:font script="Taml" typeface="Latha"/>
+        <a:font script="Syrc" typeface="Estrangelo Edessa"/>
+        <a:font script="Orya" typeface="Kalinga"/>
+        <a:font script="Mlym" typeface="Kartika"/>
+        <a:font script="Laoo" typeface="DokChampa"/>
+        <a:font script="Sinh" typeface="Iskoola Pota"/>
+        <a:font script="Mong" typeface="Mongolian Baiti"/>
+        <a:font script="Viet" typeface="Arial"/>
+        <a:font script="Uigh" typeface="Microsoft Uighur"/>
+        <a:font script="Geor" typeface="Sylfaen"/>
+        <a:font script="Armn" typeface="Arial"/>
+        <a:font script="Bugi" typeface="Leelawadee UI"/>
+        <a:font script="Bopo" typeface="Microsoft JhengHei"/>
+        <a:font script="Java" typeface="Javanese Text"/>
+        <a:font script="Lisu" typeface="Segoe UI"/>
+        <a:font script="Mymr" typeface="Myanmar Text"/>
+        <a:font script="Nkoo" typeface="Ebrima"/>
+        <a:font script="Olck" typeface="Nirmala UI"/>
+        <a:font script="Osma" typeface="Ebrima"/>
+        <a:font script="Phag" typeface="Phagspa"/>
+        <a:font script="Syrn" typeface="Estrangelo Edessa"/>
+        <a:font script="Syrj" typeface="Estrangelo Edessa"/>
+        <a:font script="Syre" typeface="Estrangelo Edessa"/>
+        <a:font script="Sora" typeface="Nirmala UI"/>
+        <a:font script="Tale" typeface="Microsoft Tai Le"/>
+        <a:font script="Talu" typeface="Microsoft New Tai Lue"/>
+        <a:font script="Tfng" typeface="Ebrima"/>
+      </a:minorFont>
+    </a:fontScheme>
+    <a:fmtScheme name="Office">
+      <a:fillStyleLst>
+        <a:solidFill>
+          <a:schemeClr val="phClr"/>
+        </a:solidFill>
+        <a:gradFill rotWithShape="1">
+          <a:gsLst>
+            <a:gs pos="0">
+              <a:schemeClr val="phClr">
+                <a:lumMod val="110000"/>
+                <a:satMod val="105000"/>
+                <a:tint val="67000"/>
+              </a:schemeClr>
+            </a:gs>
+            <a:gs pos="50000">
+              <a:schemeClr val="phClr">
+                <a:lumMod val="105000"/>
+                <a:satMod val="103000"/>
+                <a:tint val="73000"/>
+              </a:schemeClr>
+            </a:gs>
+            <a:gs pos="100000">
+              <a:schemeClr val="phClr">
+                <a:lumMod val="105000"/>
+                <a:satMod val="109000"/>
+                <a:tint val="81000"/>
+              </a:schemeClr>
+            </a:gs>
+          </a:gsLst>
+          <a:lin ang="5400000" scaled="0"/>
+        </a:gradFill>
+        <a:gradFill rotWithShape="1">
+          <a:gsLst>
+            <a:gs pos="0">
+              <a:schemeClr val="phClr">
+                <a:satMod val="103000"/>
+                <a:lumMod val="102000"/>
+                <a:tint val="94000"/>
+              </a:schemeClr>
+            </a:gs>
+            <a:gs pos="50000">
+              <a:schemeClr val="phClr">
+                <a:satMod val="110000"/>
+                <a:lumMod val="100000"/>
+                <a:shade val="100000"/>
+              </a:schemeClr>
+            </a:gs>
+            <a:gs pos="100000">
+              <a:schemeClr val="phClr">
+                <a:lumMod val="99000"/>
+                <a:satMod val="120000"/>
+                <a:shade val="78000"/>
+              </a:schemeClr>
+            </a:gs>
+          </a:gsLst>
+          <a:lin ang="5400000" scaled="0"/>
+        </a:gradFill>
+      </a:fillStyleLst>
+      <a:lnStyleLst>
+        <a:ln w="6350" cap="flat" cmpd="sng" algn="ctr">
+          <a:solidFill>
+            <a:schemeClr val="phClr"/>
+          </a:solidFill>
+          <a:prstDash val="solid"/>
+          <a:miter lim="800000"/>
+        </a:ln>
+        <a:ln w="12700" cap="flat" cmpd="sng" algn="ctr">
+          <a:solidFill>
+            <a:schemeClr val="phClr"/>
+          </a:solidFill>
+          <a:prstDash val="solid"/>
+          <a:miter lim="800000"/>
+        </a:ln>
+        <a:ln w="19050" cap="flat" cmpd="sng" algn="ctr">
+          <a:solidFill>
+            <a:schemeClr val="phClr"/>
+          </a:solidFill>
+          <a:prstDash val="solid"/>
+          <a:miter lim="800000"/>
+        </a:ln>
+      </a:lnStyleLst>
+      <a:effectStyleLst>
+        <a:effectStyle>
+          <a:effectLst/>
+        </a:effectStyle>
+        <a:effectStyle>
+          <a:effectLst/>
+        </a:effectStyle>
+        <a:effectStyle>
+          <a:effectLst>
+            <a:outerShdw blurRad="57150" dist="19050" dir="5400000" algn="ctr" rotWithShape="0">
+              <a:srgbClr val="000000">
+                <a:alpha val="63000"/>
+              </a:srgbClr>
+            </a:outerShdw>
+          </a:effectLst>
+        </a:effectStyle>
+      </a:effectStyleLst>
+      <a:bgFillStyleLst>
+        <a:solidFill>
+          <a:schemeClr val="phClr"/>
+        </a:solidFill>
+        <a:solidFill>
+          <a:schemeClr val="phClr">
+            <a:tint val="95000"/>
+            <a:satMod val="170000"/>
+          </a:schemeClr>
+        </a:solidFill>
+        <a:gradFill rotWithShape="1">
+          <a:gsLst>
+            <a:gs pos="0">
+              <a:schemeClr val="phClr">
+                <a:tint val="93000"/>
+                <a:satMod val="150000"/>
+                <a:shade val="98000"/>
+                <a:lumMod val="102000"/>
+              </a:schemeClr>
+            </a:gs>
+            <a:gs pos="50000">
+              <a:schemeClr val="phClr">
+                <a:tint val="98000"/>
+                <a:satMod val="130000"/>
+                <a:shade val="90000"/>
+                <a:lumMod val="103000"/>
+              </a:schemeClr>
+            </a:gs>
+            <a:gs pos="100000">
+              <a:schemeClr val="phClr">
+                <a:shade val="63000"/>
+                <a:satMod val="120000"/>
+              </a:schemeClr>
+            </a:gs>
+          </a:gsLst>
+          <a:lin ang="5400000" scaled="0"/>
+        </a:gradFill>
+      </a:bgFillStyleLst>
+    </a:fmtScheme>
+  </a:themeElements>
+  <a:objectDefaults/>
+  <a:extraClrSchemeLst/>
+  <a:extLst>
+    <a:ext uri="{05A4C25C-085E-4340-85A3-A5531E510DB2}">
+      <thm15:themeFamily xmlns:thm15="http://schemas.microsoft.com/office/thememl/2012/main" name="Office Theme" id="{62F939B6-93AF-4DB8-9C6B-D6C7DFDC589F}" vid="{4A3C46E8-61CC-4603-A589-7422A47A8E4A}"/>
+    </a:ext>
+  </a:extLst>
+</a:theme>
 </file>
--- a/AU2018-London-Intermediate-Dynamo-Workshop/UKDUG-IntermediateDynamoWorkshop.pptx
+++ b/AU2018-London-Intermediate-Dynamo-Workshop/UKDUG-IntermediateDynamoWorkshop.pptx
@@ -218,7 +218,7 @@
           <a:p>
             <a:fld id="{903C7CB4-D6C2-4A6F-BE72-D995F712A462}" type="datetimeFigureOut">
               <a:rPr lang="en-US" smtClean="0"/>
-              <a:t>6/5/2018</a:t>
+              <a:t>6/14/2018</a:t>
             </a:fld>
             <a:endParaRPr lang="en-US"/>
           </a:p>
@@ -6956,6 +6956,13 @@
                 </a:solidFill>
               </a:rPr>
               <a:t>Session 1</a:t>
+            </a:r>
+          </a:p>
+          <a:p>
+            <a:pPr marL="1028700" lvl="1" indent="-342900"/>
+            <a:r>
+              <a:rPr lang="en-GB" dirty="0"/>
+              <a:t>Introductions</a:t>
             </a:r>
           </a:p>
           <a:p>

--- a/AU2018-London-Intermediate-Dynamo-Workshop/UKDUG-IntermediateDynamoWorkshop.pptx
+++ b/AU2018-London-Intermediate-Dynamo-Workshop/UKDUG-IntermediateDynamoWorkshop.pptx
@@ -5,31 +5,32 @@
     <p:sldMasterId id="2147483648" r:id="rId1"/>
   </p:sldMasterIdLst>
   <p:notesMasterIdLst>
-    <p:notesMasterId r:id="rId24"/>
+    <p:notesMasterId r:id="rId25"/>
   </p:notesMasterIdLst>
   <p:sldIdLst>
     <p:sldId id="262" r:id="rId2"/>
     <p:sldId id="261" r:id="rId3"/>
     <p:sldId id="260" r:id="rId4"/>
-    <p:sldId id="258" r:id="rId5"/>
-    <p:sldId id="267" r:id="rId6"/>
-    <p:sldId id="265" r:id="rId7"/>
-    <p:sldId id="259" r:id="rId8"/>
-    <p:sldId id="264" r:id="rId9"/>
-    <p:sldId id="263" r:id="rId10"/>
-    <p:sldId id="268" r:id="rId11"/>
-    <p:sldId id="271" r:id="rId12"/>
-    <p:sldId id="272" r:id="rId13"/>
-    <p:sldId id="273" r:id="rId14"/>
-    <p:sldId id="274" r:id="rId15"/>
-    <p:sldId id="270" r:id="rId16"/>
-    <p:sldId id="276" r:id="rId17"/>
-    <p:sldId id="279" r:id="rId18"/>
-    <p:sldId id="277" r:id="rId19"/>
-    <p:sldId id="275" r:id="rId20"/>
-    <p:sldId id="278" r:id="rId21"/>
-    <p:sldId id="269" r:id="rId22"/>
-    <p:sldId id="266" r:id="rId23"/>
+    <p:sldId id="266" r:id="rId5"/>
+    <p:sldId id="258" r:id="rId6"/>
+    <p:sldId id="268" r:id="rId7"/>
+    <p:sldId id="267" r:id="rId8"/>
+    <p:sldId id="265" r:id="rId9"/>
+    <p:sldId id="259" r:id="rId10"/>
+    <p:sldId id="264" r:id="rId11"/>
+    <p:sldId id="263" r:id="rId12"/>
+    <p:sldId id="280" r:id="rId13"/>
+    <p:sldId id="271" r:id="rId14"/>
+    <p:sldId id="272" r:id="rId15"/>
+    <p:sldId id="273" r:id="rId16"/>
+    <p:sldId id="274" r:id="rId17"/>
+    <p:sldId id="270" r:id="rId18"/>
+    <p:sldId id="276" r:id="rId19"/>
+    <p:sldId id="279" r:id="rId20"/>
+    <p:sldId id="277" r:id="rId21"/>
+    <p:sldId id="275" r:id="rId22"/>
+    <p:sldId id="278" r:id="rId23"/>
+    <p:sldId id="269" r:id="rId24"/>
   </p:sldIdLst>
   <p:sldSz cx="12192000" cy="6858000"/>
   <p:notesSz cx="6858000" cy="9144000"/>
@@ -218,7 +219,7 @@
           <a:p>
             <a:fld id="{903C7CB4-D6C2-4A6F-BE72-D995F712A462}" type="datetimeFigureOut">
               <a:rPr lang="en-US" smtClean="0"/>
-              <a:t>6/14/2018</a:t>
+              <a:t>6/15/2018</a:t>
             </a:fld>
             <a:endParaRPr lang="en-US"/>
           </a:p>
@@ -3712,12 +3713,47 @@
           <a:chExt cx="0" cy="0"/>
         </a:xfrm>
       </p:grpSpPr>
+      <p:pic>
+        <p:nvPicPr>
+          <p:cNvPr id="3" name="Picture Placeholder 2">
+            <a:extLst>
+              <a:ext uri="{FF2B5EF4-FFF2-40B4-BE49-F238E27FC236}">
+                <a16:creationId xmlns:a16="http://schemas.microsoft.com/office/drawing/2014/main" id="{E01C2C07-766B-4CEB-9776-EE07A559F229}"/>
+              </a:ext>
+            </a:extLst>
+          </p:cNvPr>
+          <p:cNvPicPr>
+            <a:picLocks noGrp="1" noChangeAspect="1"/>
+          </p:cNvPicPr>
+          <p:nvPr>
+            <p:ph type="pic" idx="1"/>
+          </p:nvPr>
+        </p:nvPicPr>
+        <p:blipFill>
+          <a:blip r:embed="rId2">
+            <a:extLst>
+              <a:ext uri="{28A0092B-C50C-407E-A947-70E740481C1C}">
+                <a14:useLocalDpi xmlns:a14="http://schemas.microsoft.com/office/drawing/2010/main" val="0"/>
+              </a:ext>
+            </a:extLst>
+          </a:blip>
+          <a:stretch>
+            <a:fillRect/>
+          </a:stretch>
+        </p:blipFill>
+        <p:spPr>
+          <a:xfrm>
+            <a:off x="6492391" y="1268414"/>
+            <a:ext cx="5364646" cy="4417943"/>
+          </a:xfrm>
+        </p:spPr>
+      </p:pic>
       <p:sp>
         <p:nvSpPr>
-          <p:cNvPr id="28" name="Title 27">
-            <a:extLst>
-              <a:ext uri="{FF2B5EF4-FFF2-40B4-BE49-F238E27FC236}">
-                <a16:creationId xmlns:a16="http://schemas.microsoft.com/office/drawing/2014/main" id="{1682ABF7-7AD8-42DB-BD29-CD3C0770434E}"/>
+          <p:cNvPr id="5" name="Title 4">
+            <a:extLst>
+              <a:ext uri="{FF2B5EF4-FFF2-40B4-BE49-F238E27FC236}">
+                <a16:creationId xmlns:a16="http://schemas.microsoft.com/office/drawing/2014/main" id="{AEFD51C8-9C20-4E18-97DB-41075C0138AA}"/>
               </a:ext>
             </a:extLst>
           </p:cNvPr>
@@ -3728,81 +3764,74 @@
             <p:ph type="title"/>
           </p:nvPr>
         </p:nvSpPr>
-        <p:spPr>
-          <a:xfrm>
-            <a:off x="334963" y="368301"/>
-            <a:ext cx="11522075" cy="1594970"/>
-          </a:xfrm>
-        </p:spPr>
+        <p:spPr/>
         <p:txBody>
           <a:bodyPr/>
           <a:lstStyle/>
           <a:p>
             <a:r>
               <a:rPr lang="en-GB" dirty="0"/>
-              <a:t>List Efficiency </a:t>
-            </a:r>
-            <a:br>
-              <a:rPr lang="en-GB" dirty="0"/>
-            </a:br>
-            <a:r>
-              <a:rPr lang="en-GB" sz="2000" dirty="0"/>
-              <a:t>(based on content from Andrew </a:t>
-            </a:r>
-            <a:r>
-              <a:rPr lang="en-GB" sz="2000" dirty="0" err="1"/>
-              <a:t>Heumann’s</a:t>
-            </a:r>
-            <a:r>
-              <a:rPr lang="en-GB" sz="2000" dirty="0"/>
-              <a:t> AU2017 presentation, “Dynamo List Masterclass”)</a:t>
-            </a:r>
-            <a:endParaRPr lang="en-GB" dirty="0"/>
+              <a:t>Copy View Filters from One View to Another</a:t>
+            </a:r>
           </a:p>
         </p:txBody>
       </p:sp>
-      <p:pic>
-        <p:nvPicPr>
-          <p:cNvPr id="3" name="Graphic 2">
-            <a:extLst>
-              <a:ext uri="{FF2B5EF4-FFF2-40B4-BE49-F238E27FC236}">
-                <a16:creationId xmlns:a16="http://schemas.microsoft.com/office/drawing/2014/main" id="{5E5B4997-1E06-43A9-A0DF-E9A929D3A73C}"/>
-              </a:ext>
-            </a:extLst>
-          </p:cNvPr>
-          <p:cNvPicPr>
-            <a:picLocks noChangeAspect="1"/>
-          </p:cNvPicPr>
-          <p:nvPr/>
-        </p:nvPicPr>
-        <p:blipFill rotWithShape="1">
-          <a:blip r:embed="rId2">
-            <a:extLst>
-              <a:ext uri="{28A0092B-C50C-407E-A947-70E740481C1C}">
-                <a14:useLocalDpi xmlns:a14="http://schemas.microsoft.com/office/drawing/2010/main" val="0"/>
-              </a:ext>
-              <a:ext uri="{96DAC541-7B7A-43D3-8B79-37D633B846F1}">
-                <asvg:svgBlip xmlns:asvg="http://schemas.microsoft.com/office/drawing/2016/SVG/main" r:embed="rId3"/>
-              </a:ext>
-            </a:extLst>
-          </a:blip>
-          <a:srcRect b="19466"/>
-          <a:stretch/>
-        </p:blipFill>
-        <p:spPr>
-          <a:xfrm>
-            <a:off x="4032372" y="1963271"/>
-            <a:ext cx="4127256" cy="3177218"/>
-          </a:xfrm>
-          <a:prstGeom prst="rect">
-            <a:avLst/>
-          </a:prstGeom>
-        </p:spPr>
-      </p:pic>
+      <p:sp>
+        <p:nvSpPr>
+          <p:cNvPr id="7" name="Content Placeholder 6">
+            <a:extLst>
+              <a:ext uri="{FF2B5EF4-FFF2-40B4-BE49-F238E27FC236}">
+                <a16:creationId xmlns:a16="http://schemas.microsoft.com/office/drawing/2014/main" id="{3D95DBEF-88DF-4431-85F0-A4F7301082AD}"/>
+              </a:ext>
+            </a:extLst>
+          </p:cNvPr>
+          <p:cNvSpPr>
+            <a:spLocks noGrp="1"/>
+          </p:cNvSpPr>
+          <p:nvPr>
+            <p:ph idx="11"/>
+          </p:nvPr>
+        </p:nvSpPr>
+        <p:spPr/>
+        <p:txBody>
+          <a:bodyPr/>
+          <a:lstStyle/>
+          <a:p>
+            <a:pPr marL="342900" indent="-342900">
+              <a:buFont typeface="Arial" panose="020B0604020202020204" pitchFamily="34" charset="0"/>
+              <a:buChar char="•"/>
+            </a:pPr>
+            <a:r>
+              <a:rPr lang="en-GB" dirty="0"/>
+              <a:t>Do something not possible through the UI.</a:t>
+            </a:r>
+          </a:p>
+          <a:p>
+            <a:pPr marL="342900" indent="-342900">
+              <a:buFont typeface="Arial" panose="020B0604020202020204" pitchFamily="34" charset="0"/>
+              <a:buChar char="•"/>
+            </a:pPr>
+            <a:r>
+              <a:rPr lang="en-GB" dirty="0"/>
+              <a:t>Filters are great, but take a while to set up.</a:t>
+            </a:r>
+          </a:p>
+          <a:p>
+            <a:pPr marL="342900" indent="-342900">
+              <a:buFont typeface="Arial" panose="020B0604020202020204" pitchFamily="34" charset="0"/>
+              <a:buChar char="•"/>
+            </a:pPr>
+            <a:r>
+              <a:rPr lang="en-GB" dirty="0"/>
+              <a:t>Also make this work on unopened files.</a:t>
+            </a:r>
+          </a:p>
+        </p:txBody>
+      </p:sp>
     </p:spTree>
     <p:extLst>
       <p:ext uri="{BB962C8B-B14F-4D97-AF65-F5344CB8AC3E}">
-        <p14:creationId xmlns:p14="http://schemas.microsoft.com/office/powerpoint/2010/main" val="2062848142"/>
+        <p14:creationId xmlns:p14="http://schemas.microsoft.com/office/powerpoint/2010/main" val="2215061801"/>
       </p:ext>
     </p:extLst>
   </p:cSld>
@@ -3859,8 +3888,8 @@
         </p:blipFill>
         <p:spPr>
           <a:xfrm>
-            <a:off x="6952564" y="989550"/>
-            <a:ext cx="2405949" cy="4878899"/>
+            <a:off x="6492391" y="989550"/>
+            <a:ext cx="5364646" cy="4878899"/>
           </a:xfrm>
         </p:spPr>
       </p:pic>
@@ -3887,7 +3916,7 @@
           <a:p>
             <a:r>
               <a:rPr lang="en-GB" dirty="0"/>
-              <a:t>List Basics</a:t>
+              <a:t>OOTB Dynamo Player is Awesome but..</a:t>
             </a:r>
           </a:p>
         </p:txBody>
@@ -3918,36 +3947,37 @@
               <a:buChar char="•"/>
             </a:pPr>
             <a:r>
+              <a:rPr lang="en-GB" dirty="0"/>
+              <a:t>Popups are even awesome-</a:t>
+            </a:r>
+            <a:r>
+              <a:rPr lang="en-GB" dirty="0" err="1"/>
+              <a:t>er</a:t>
+            </a:r>
+            <a:r>
+              <a:rPr lang="en-GB" dirty="0"/>
+              <a:t>.</a:t>
+            </a:r>
+          </a:p>
+          <a:p>
+            <a:pPr marL="342900" indent="-342900">
+              <a:buFont typeface="Arial" panose="020B0604020202020204" pitchFamily="34" charset="0"/>
+              <a:buChar char="•"/>
+            </a:pPr>
+            <a:r>
               <a:rPr lang="en-US" dirty="0"/>
-              <a:t>Different kinds of lists</a:t>
-            </a:r>
-          </a:p>
-          <a:p>
-            <a:pPr marL="1028700" lvl="1" indent="-342900"/>
+              <a:t>Build a UI with custom package Data-Shapes to provide this functionality to those without Dynamo player.</a:t>
+            </a:r>
+            <a:endParaRPr lang="en-GB" dirty="0"/>
+          </a:p>
+          <a:p>
+            <a:pPr marL="342900" indent="-342900">
+              <a:buFont typeface="Arial" panose="020B0604020202020204" pitchFamily="34" charset="0"/>
+              <a:buChar char="•"/>
+            </a:pPr>
             <a:r>
               <a:rPr lang="en-US" dirty="0"/>
-              <a:t>Single Items</a:t>
-            </a:r>
-          </a:p>
-          <a:p>
-            <a:pPr marL="1028700" lvl="1" indent="-342900"/>
-            <a:r>
-              <a:rPr lang="en-US" dirty="0"/>
-              <a:t>List of single item</a:t>
-            </a:r>
-          </a:p>
-          <a:p>
-            <a:pPr marL="1028700" lvl="1" indent="-342900"/>
-            <a:r>
-              <a:rPr lang="en-US" dirty="0"/>
-              <a:t>List with multiple</a:t>
-            </a:r>
-          </a:p>
-          <a:p>
-            <a:pPr marL="1028700" lvl="1" indent="-342900"/>
-            <a:r>
-              <a:rPr lang="en-US" dirty="0"/>
-              <a:t>List of lists</a:t>
+              <a:t>Ability to build really reusable workflows for your firm!</a:t>
             </a:r>
             <a:endParaRPr lang="en-GB" dirty="0"/>
           </a:p>
@@ -3956,7 +3986,7 @@
     </p:spTree>
     <p:extLst>
       <p:ext uri="{BB962C8B-B14F-4D97-AF65-F5344CB8AC3E}">
-        <p14:creationId xmlns:p14="http://schemas.microsoft.com/office/powerpoint/2010/main" val="3427768526"/>
+        <p14:creationId xmlns:p14="http://schemas.microsoft.com/office/powerpoint/2010/main" val="1203152446"/>
       </p:ext>
     </p:extLst>
   </p:cSld>
@@ -3983,47 +4013,12 @@
           <a:chExt cx="0" cy="0"/>
         </a:xfrm>
       </p:grpSpPr>
-      <p:pic>
-        <p:nvPicPr>
-          <p:cNvPr id="3" name="Picture Placeholder 2">
-            <a:extLst>
-              <a:ext uri="{FF2B5EF4-FFF2-40B4-BE49-F238E27FC236}">
-                <a16:creationId xmlns:a16="http://schemas.microsoft.com/office/drawing/2014/main" id="{E01C2C07-766B-4CEB-9776-EE07A559F229}"/>
-              </a:ext>
-            </a:extLst>
-          </p:cNvPr>
-          <p:cNvPicPr>
-            <a:picLocks noGrp="1" noChangeAspect="1"/>
-          </p:cNvPicPr>
-          <p:nvPr>
-            <p:ph type="pic" idx="1"/>
-          </p:nvPr>
-        </p:nvPicPr>
-        <p:blipFill>
-          <a:blip r:embed="rId2">
-            <a:extLst>
-              <a:ext uri="{28A0092B-C50C-407E-A947-70E740481C1C}">
-                <a14:useLocalDpi xmlns:a14="http://schemas.microsoft.com/office/drawing/2010/main" val="0"/>
-              </a:ext>
-            </a:extLst>
-          </a:blip>
-          <a:stretch>
-            <a:fillRect/>
-          </a:stretch>
-        </p:blipFill>
-        <p:spPr>
-          <a:xfrm>
-            <a:off x="5336636" y="1268414"/>
-            <a:ext cx="5374062" cy="5040311"/>
-          </a:xfrm>
-        </p:spPr>
-      </p:pic>
       <p:sp>
         <p:nvSpPr>
-          <p:cNvPr id="5" name="Title 4">
-            <a:extLst>
-              <a:ext uri="{FF2B5EF4-FFF2-40B4-BE49-F238E27FC236}">
-                <a16:creationId xmlns:a16="http://schemas.microsoft.com/office/drawing/2014/main" id="{AEFD51C8-9C20-4E18-97DB-41075C0138AA}"/>
+          <p:cNvPr id="28" name="Title 27">
+            <a:extLst>
+              <a:ext uri="{FF2B5EF4-FFF2-40B4-BE49-F238E27FC236}">
+                <a16:creationId xmlns:a16="http://schemas.microsoft.com/office/drawing/2014/main" id="{1682ABF7-7AD8-42DB-BD29-CD3C0770434E}"/>
               </a:ext>
             </a:extLst>
           </p:cNvPr>
@@ -4034,54 +4029,81 @@
             <p:ph type="title"/>
           </p:nvPr>
         </p:nvSpPr>
-        <p:spPr/>
+        <p:spPr>
+          <a:xfrm>
+            <a:off x="334963" y="368301"/>
+            <a:ext cx="11522075" cy="1594970"/>
+          </a:xfrm>
+        </p:spPr>
         <p:txBody>
           <a:bodyPr/>
           <a:lstStyle/>
           <a:p>
             <a:r>
               <a:rPr lang="en-GB" dirty="0"/>
-              <a:t>List Basics</a:t>
-            </a:r>
+              <a:t>List Efficiency </a:t>
+            </a:r>
+            <a:br>
+              <a:rPr lang="en-GB" dirty="0"/>
+            </a:br>
+            <a:r>
+              <a:rPr lang="en-GB" sz="2000" dirty="0"/>
+              <a:t>(based on content from Andrew </a:t>
+            </a:r>
+            <a:r>
+              <a:rPr lang="en-GB" sz="2000" dirty="0" err="1"/>
+              <a:t>Heumann’s</a:t>
+            </a:r>
+            <a:r>
+              <a:rPr lang="en-GB" sz="2000" dirty="0"/>
+              <a:t> AU2017 presentation, “Dynamo List Masterclass”)</a:t>
+            </a:r>
+            <a:endParaRPr lang="en-GB" dirty="0"/>
           </a:p>
         </p:txBody>
       </p:sp>
-      <p:sp>
-        <p:nvSpPr>
-          <p:cNvPr id="7" name="Content Placeholder 6">
-            <a:extLst>
-              <a:ext uri="{FF2B5EF4-FFF2-40B4-BE49-F238E27FC236}">
-                <a16:creationId xmlns:a16="http://schemas.microsoft.com/office/drawing/2014/main" id="{3D95DBEF-88DF-4431-85F0-A4F7301082AD}"/>
-              </a:ext>
-            </a:extLst>
-          </p:cNvPr>
-          <p:cNvSpPr>
-            <a:spLocks noGrp="1"/>
-          </p:cNvSpPr>
-          <p:nvPr>
-            <p:ph idx="11"/>
-          </p:nvPr>
-        </p:nvSpPr>
-        <p:spPr/>
-        <p:txBody>
-          <a:bodyPr/>
-          <a:lstStyle/>
-          <a:p>
-            <a:pPr marL="342900" indent="-342900">
-              <a:buFont typeface="Arial" panose="020B0604020202020204" pitchFamily="34" charset="0"/>
-              <a:buChar char="•"/>
-            </a:pPr>
-            <a:r>
-              <a:rPr lang="en-US" dirty="0"/>
-              <a:t>Index Access</a:t>
-            </a:r>
-          </a:p>
-        </p:txBody>
-      </p:sp>
+      <p:pic>
+        <p:nvPicPr>
+          <p:cNvPr id="3" name="Graphic 2">
+            <a:extLst>
+              <a:ext uri="{FF2B5EF4-FFF2-40B4-BE49-F238E27FC236}">
+                <a16:creationId xmlns:a16="http://schemas.microsoft.com/office/drawing/2014/main" id="{5E5B4997-1E06-43A9-A0DF-E9A929D3A73C}"/>
+              </a:ext>
+            </a:extLst>
+          </p:cNvPr>
+          <p:cNvPicPr>
+            <a:picLocks noChangeAspect="1"/>
+          </p:cNvPicPr>
+          <p:nvPr/>
+        </p:nvPicPr>
+        <p:blipFill rotWithShape="1">
+          <a:blip r:embed="rId2">
+            <a:extLst>
+              <a:ext uri="{28A0092B-C50C-407E-A947-70E740481C1C}">
+                <a14:useLocalDpi xmlns:a14="http://schemas.microsoft.com/office/drawing/2010/main" val="0"/>
+              </a:ext>
+              <a:ext uri="{96DAC541-7B7A-43D3-8B79-37D633B846F1}">
+                <asvg:svgBlip xmlns:asvg="http://schemas.microsoft.com/office/drawing/2016/SVG/main" r:embed="rId3"/>
+              </a:ext>
+            </a:extLst>
+          </a:blip>
+          <a:srcRect b="19466"/>
+          <a:stretch/>
+        </p:blipFill>
+        <p:spPr>
+          <a:xfrm>
+            <a:off x="4032372" y="1963271"/>
+            <a:ext cx="4127256" cy="3177218"/>
+          </a:xfrm>
+          <a:prstGeom prst="rect">
+            <a:avLst/>
+          </a:prstGeom>
+        </p:spPr>
+      </p:pic>
     </p:spTree>
     <p:extLst>
       <p:ext uri="{BB962C8B-B14F-4D97-AF65-F5344CB8AC3E}">
-        <p14:creationId xmlns:p14="http://schemas.microsoft.com/office/powerpoint/2010/main" val="2558324252"/>
+        <p14:creationId xmlns:p14="http://schemas.microsoft.com/office/powerpoint/2010/main" val="164674915"/>
       </p:ext>
     </p:extLst>
   </p:cSld>
@@ -4138,8 +4160,8 @@
         </p:blipFill>
         <p:spPr>
           <a:xfrm>
-            <a:off x="7123667" y="1268414"/>
-            <a:ext cx="4247595" cy="5040311"/>
+            <a:off x="6952564" y="989550"/>
+            <a:ext cx="2405949" cy="4878899"/>
           </a:xfrm>
         </p:spPr>
       </p:pic>
@@ -4166,7 +4188,7 @@
           <a:p>
             <a:r>
               <a:rPr lang="en-GB" dirty="0"/>
-              <a:t>List Lacing</a:t>
+              <a:t>List Basics</a:t>
             </a:r>
           </a:p>
         </p:txBody>
@@ -4198,52 +4220,44 @@
             </a:pPr>
             <a:r>
               <a:rPr lang="en-US" dirty="0"/>
-              <a:t>Lacing determines how lists of different lengths match up with each other.</a:t>
-            </a:r>
-          </a:p>
-          <a:p>
-            <a:pPr marL="342900" indent="-342900">
-              <a:buFont typeface="Arial" panose="020B0604020202020204" pitchFamily="34" charset="0"/>
-              <a:buChar char="•"/>
-            </a:pPr>
+              <a:t>Different kinds of lists</a:t>
+            </a:r>
+          </a:p>
+          <a:p>
+            <a:pPr marL="1028700" lvl="1" indent="-342900"/>
             <a:r>
               <a:rPr lang="en-US" dirty="0"/>
-              <a:t>Three Methods:</a:t>
+              <a:t>Single Items</a:t>
             </a:r>
           </a:p>
           <a:p>
             <a:pPr marL="1028700" lvl="1" indent="-342900"/>
             <a:r>
               <a:rPr lang="en-US" dirty="0"/>
-              <a:t>Shortest</a:t>
+              <a:t>List of single item</a:t>
             </a:r>
           </a:p>
           <a:p>
             <a:pPr marL="1028700" lvl="1" indent="-342900"/>
             <a:r>
               <a:rPr lang="en-US" dirty="0"/>
-              <a:t>Longest </a:t>
+              <a:t>List with multiple</a:t>
             </a:r>
           </a:p>
           <a:p>
             <a:pPr marL="1028700" lvl="1" indent="-342900"/>
             <a:r>
               <a:rPr lang="en-US" dirty="0"/>
-              <a:t>Cross Product</a:t>
-            </a:r>
-          </a:p>
-          <a:p>
-            <a:pPr lvl="1" indent="0">
-              <a:buNone/>
-            </a:pPr>
-            <a:endParaRPr lang="en-US" dirty="0"/>
+              <a:t>List of lists</a:t>
+            </a:r>
+            <a:endParaRPr lang="en-GB" dirty="0"/>
           </a:p>
         </p:txBody>
       </p:sp>
     </p:spTree>
     <p:extLst>
       <p:ext uri="{BB962C8B-B14F-4D97-AF65-F5344CB8AC3E}">
-        <p14:creationId xmlns:p14="http://schemas.microsoft.com/office/powerpoint/2010/main" val="3143915533"/>
+        <p14:creationId xmlns:p14="http://schemas.microsoft.com/office/powerpoint/2010/main" val="3427768526"/>
       </p:ext>
     </p:extLst>
   </p:cSld>
@@ -4300,8 +4314,8 @@
         </p:blipFill>
         <p:spPr>
           <a:xfrm>
-            <a:off x="7123667" y="1268414"/>
-            <a:ext cx="4247595" cy="5040311"/>
+            <a:off x="5336636" y="1268414"/>
+            <a:ext cx="5374062" cy="5040311"/>
           </a:xfrm>
         </p:spPr>
       </p:pic>
@@ -4327,10 +4341,9 @@
           <a:lstStyle/>
           <a:p>
             <a:r>
-              <a:rPr lang="en-GB" dirty="0" err="1"/>
-              <a:t>List@Level</a:t>
-            </a:r>
-            <a:endParaRPr lang="en-GB" dirty="0"/>
+              <a:rPr lang="en-GB" dirty="0"/>
+              <a:t>List Basics</a:t>
+            </a:r>
           </a:p>
         </p:txBody>
       </p:sp>
@@ -4361,65 +4374,15 @@
             </a:pPr>
             <a:r>
               <a:rPr lang="en-US" dirty="0"/>
-              <a:t>Allows you to select the level on which you want your function to operate – and “replicates” over the rest</a:t>
-            </a:r>
-          </a:p>
-          <a:p>
-            <a:pPr marL="342900" indent="-342900">
-              <a:buFont typeface="Arial" panose="020B0604020202020204" pitchFamily="34" charset="0"/>
-              <a:buChar char="•"/>
-            </a:pPr>
-            <a:r>
-              <a:rPr lang="en-US" dirty="0"/>
-              <a:t>“Keep List Structure” will keep results organized by the designated input’s data structure</a:t>
-            </a:r>
-          </a:p>
-          <a:p>
-            <a:pPr marL="342900" indent="-342900">
-              <a:buFont typeface="Arial" panose="020B0604020202020204" pitchFamily="34" charset="0"/>
-              <a:buChar char="•"/>
-            </a:pPr>
-            <a:r>
-              <a:rPr lang="en-US" dirty="0"/>
-              <a:t>Eliminates </a:t>
-            </a:r>
-            <a:r>
-              <a:rPr lang="en-US" b="1" i="1" dirty="0"/>
-              <a:t>most</a:t>
-            </a:r>
-            <a:r>
-              <a:rPr lang="en-US" dirty="0"/>
-              <a:t> of the need for </a:t>
-            </a:r>
-            <a:r>
-              <a:rPr lang="en-US" dirty="0" err="1"/>
-              <a:t>List.Map</a:t>
-            </a:r>
-            <a:r>
-              <a:rPr lang="en-US" dirty="0"/>
-              <a:t>, </a:t>
-            </a:r>
-            <a:r>
-              <a:rPr lang="en-US" dirty="0" err="1"/>
-              <a:t>List.Combine</a:t>
-            </a:r>
-            <a:r>
-              <a:rPr lang="en-US" dirty="0"/>
-              <a:t>, etc.</a:t>
-            </a:r>
-          </a:p>
-          <a:p>
-            <a:pPr lvl="1" indent="0">
-              <a:buNone/>
-            </a:pPr>
-            <a:endParaRPr lang="en-US" dirty="0"/>
+              <a:t>Index Access</a:t>
+            </a:r>
           </a:p>
         </p:txBody>
       </p:sp>
     </p:spTree>
     <p:extLst>
       <p:ext uri="{BB962C8B-B14F-4D97-AF65-F5344CB8AC3E}">
-        <p14:creationId xmlns:p14="http://schemas.microsoft.com/office/powerpoint/2010/main" val="159087992"/>
+        <p14:creationId xmlns:p14="http://schemas.microsoft.com/office/powerpoint/2010/main" val="2558324252"/>
       </p:ext>
     </p:extLst>
   </p:cSld>
@@ -4446,12 +4409,47 @@
           <a:chExt cx="0" cy="0"/>
         </a:xfrm>
       </p:grpSpPr>
+      <p:pic>
+        <p:nvPicPr>
+          <p:cNvPr id="3" name="Picture Placeholder 2">
+            <a:extLst>
+              <a:ext uri="{FF2B5EF4-FFF2-40B4-BE49-F238E27FC236}">
+                <a16:creationId xmlns:a16="http://schemas.microsoft.com/office/drawing/2014/main" id="{E01C2C07-766B-4CEB-9776-EE07A559F229}"/>
+              </a:ext>
+            </a:extLst>
+          </p:cNvPr>
+          <p:cNvPicPr>
+            <a:picLocks noGrp="1" noChangeAspect="1"/>
+          </p:cNvPicPr>
+          <p:nvPr>
+            <p:ph type="pic" idx="1"/>
+          </p:nvPr>
+        </p:nvPicPr>
+        <p:blipFill>
+          <a:blip r:embed="rId2">
+            <a:extLst>
+              <a:ext uri="{28A0092B-C50C-407E-A947-70E740481C1C}">
+                <a14:useLocalDpi xmlns:a14="http://schemas.microsoft.com/office/drawing/2010/main" val="0"/>
+              </a:ext>
+            </a:extLst>
+          </a:blip>
+          <a:stretch>
+            <a:fillRect/>
+          </a:stretch>
+        </p:blipFill>
+        <p:spPr>
+          <a:xfrm>
+            <a:off x="7123667" y="1268414"/>
+            <a:ext cx="4247595" cy="5040311"/>
+          </a:xfrm>
+        </p:spPr>
+      </p:pic>
       <p:sp>
         <p:nvSpPr>
-          <p:cNvPr id="28" name="Title 27">
-            <a:extLst>
-              <a:ext uri="{FF2B5EF4-FFF2-40B4-BE49-F238E27FC236}">
-                <a16:creationId xmlns:a16="http://schemas.microsoft.com/office/drawing/2014/main" id="{1682ABF7-7AD8-42DB-BD29-CD3C0770434E}"/>
+          <p:cNvPr id="5" name="Title 4">
+            <a:extLst>
+              <a:ext uri="{FF2B5EF4-FFF2-40B4-BE49-F238E27FC236}">
+                <a16:creationId xmlns:a16="http://schemas.microsoft.com/office/drawing/2014/main" id="{AEFD51C8-9C20-4E18-97DB-41075C0138AA}"/>
               </a:ext>
             </a:extLst>
           </p:cNvPr>
@@ -4469,53 +4467,84 @@
           <a:p>
             <a:r>
               <a:rPr lang="en-GB" dirty="0"/>
-              <a:t>I Shipped My Nodes</a:t>
+              <a:t>List Lacing</a:t>
             </a:r>
           </a:p>
         </p:txBody>
       </p:sp>
-      <p:pic>
-        <p:nvPicPr>
-          <p:cNvPr id="3" name="Graphic 2">
-            <a:extLst>
-              <a:ext uri="{FF2B5EF4-FFF2-40B4-BE49-F238E27FC236}">
-                <a16:creationId xmlns:a16="http://schemas.microsoft.com/office/drawing/2014/main" id="{5E5B4997-1E06-43A9-A0DF-E9A929D3A73C}"/>
-              </a:ext>
-            </a:extLst>
-          </p:cNvPr>
-          <p:cNvPicPr>
-            <a:picLocks noChangeAspect="1"/>
-          </p:cNvPicPr>
-          <p:nvPr/>
-        </p:nvPicPr>
-        <p:blipFill rotWithShape="1">
-          <a:blip r:embed="rId2">
-            <a:extLst>
-              <a:ext uri="{28A0092B-C50C-407E-A947-70E740481C1C}">
-                <a14:useLocalDpi xmlns:a14="http://schemas.microsoft.com/office/drawing/2010/main" val="0"/>
-              </a:ext>
-              <a:ext uri="{96DAC541-7B7A-43D3-8B79-37D633B846F1}">
-                <asvg:svgBlip xmlns:asvg="http://schemas.microsoft.com/office/drawing/2016/SVG/main" r:embed="rId3"/>
-              </a:ext>
-            </a:extLst>
-          </a:blip>
-          <a:srcRect b="17939"/>
-          <a:stretch/>
-        </p:blipFill>
-        <p:spPr>
-          <a:xfrm>
-            <a:off x="4630641" y="2149078"/>
-            <a:ext cx="2930717" cy="2559844"/>
-          </a:xfrm>
-          <a:prstGeom prst="rect">
-            <a:avLst/>
-          </a:prstGeom>
-        </p:spPr>
-      </p:pic>
+      <p:sp>
+        <p:nvSpPr>
+          <p:cNvPr id="7" name="Content Placeholder 6">
+            <a:extLst>
+              <a:ext uri="{FF2B5EF4-FFF2-40B4-BE49-F238E27FC236}">
+                <a16:creationId xmlns:a16="http://schemas.microsoft.com/office/drawing/2014/main" id="{3D95DBEF-88DF-4431-85F0-A4F7301082AD}"/>
+              </a:ext>
+            </a:extLst>
+          </p:cNvPr>
+          <p:cNvSpPr>
+            <a:spLocks noGrp="1"/>
+          </p:cNvSpPr>
+          <p:nvPr>
+            <p:ph idx="11"/>
+          </p:nvPr>
+        </p:nvSpPr>
+        <p:spPr/>
+        <p:txBody>
+          <a:bodyPr/>
+          <a:lstStyle/>
+          <a:p>
+            <a:pPr marL="342900" indent="-342900">
+              <a:buFont typeface="Arial" panose="020B0604020202020204" pitchFamily="34" charset="0"/>
+              <a:buChar char="•"/>
+            </a:pPr>
+            <a:r>
+              <a:rPr lang="en-US" dirty="0"/>
+              <a:t>Lacing determines how lists of different lengths match up with each other.</a:t>
+            </a:r>
+          </a:p>
+          <a:p>
+            <a:pPr marL="342900" indent="-342900">
+              <a:buFont typeface="Arial" panose="020B0604020202020204" pitchFamily="34" charset="0"/>
+              <a:buChar char="•"/>
+            </a:pPr>
+            <a:r>
+              <a:rPr lang="en-US" dirty="0"/>
+              <a:t>Three Methods:</a:t>
+            </a:r>
+          </a:p>
+          <a:p>
+            <a:pPr marL="1028700" lvl="1" indent="-342900"/>
+            <a:r>
+              <a:rPr lang="en-US" dirty="0"/>
+              <a:t>Shortest</a:t>
+            </a:r>
+          </a:p>
+          <a:p>
+            <a:pPr marL="1028700" lvl="1" indent="-342900"/>
+            <a:r>
+              <a:rPr lang="en-US" dirty="0"/>
+              <a:t>Longest </a:t>
+            </a:r>
+          </a:p>
+          <a:p>
+            <a:pPr marL="1028700" lvl="1" indent="-342900"/>
+            <a:r>
+              <a:rPr lang="en-US" dirty="0"/>
+              <a:t>Cross Product</a:t>
+            </a:r>
+          </a:p>
+          <a:p>
+            <a:pPr lvl="1" indent="0">
+              <a:buNone/>
+            </a:pPr>
+            <a:endParaRPr lang="en-US" dirty="0"/>
+          </a:p>
+        </p:txBody>
+      </p:sp>
     </p:spTree>
     <p:extLst>
       <p:ext uri="{BB962C8B-B14F-4D97-AF65-F5344CB8AC3E}">
-        <p14:creationId xmlns:p14="http://schemas.microsoft.com/office/powerpoint/2010/main" val="1430745673"/>
+        <p14:creationId xmlns:p14="http://schemas.microsoft.com/office/powerpoint/2010/main" val="3143915533"/>
       </p:ext>
     </p:extLst>
   </p:cSld>
@@ -4542,6 +4571,41 @@
           <a:chExt cx="0" cy="0"/>
         </a:xfrm>
       </p:grpSpPr>
+      <p:pic>
+        <p:nvPicPr>
+          <p:cNvPr id="3" name="Picture Placeholder 2">
+            <a:extLst>
+              <a:ext uri="{FF2B5EF4-FFF2-40B4-BE49-F238E27FC236}">
+                <a16:creationId xmlns:a16="http://schemas.microsoft.com/office/drawing/2014/main" id="{E01C2C07-766B-4CEB-9776-EE07A559F229}"/>
+              </a:ext>
+            </a:extLst>
+          </p:cNvPr>
+          <p:cNvPicPr>
+            <a:picLocks noGrp="1" noChangeAspect="1"/>
+          </p:cNvPicPr>
+          <p:nvPr>
+            <p:ph type="pic" idx="1"/>
+          </p:nvPr>
+        </p:nvPicPr>
+        <p:blipFill>
+          <a:blip r:embed="rId2">
+            <a:extLst>
+              <a:ext uri="{28A0092B-C50C-407E-A947-70E740481C1C}">
+                <a14:useLocalDpi xmlns:a14="http://schemas.microsoft.com/office/drawing/2010/main" val="0"/>
+              </a:ext>
+            </a:extLst>
+          </a:blip>
+          <a:stretch>
+            <a:fillRect/>
+          </a:stretch>
+        </p:blipFill>
+        <p:spPr>
+          <a:xfrm>
+            <a:off x="7123667" y="1268414"/>
+            <a:ext cx="4247595" cy="5040311"/>
+          </a:xfrm>
+        </p:spPr>
+      </p:pic>
       <p:sp>
         <p:nvSpPr>
           <p:cNvPr id="5" name="Title 4">
@@ -4564,9 +4628,10 @@
           <a:lstStyle/>
           <a:p>
             <a:r>
-              <a:rPr lang="en-GB" dirty="0"/>
-              <a:t>Deploying Dynamo Workflows</a:t>
-            </a:r>
+              <a:rPr lang="en-GB" dirty="0" err="1"/>
+              <a:t>List@Level</a:t>
+            </a:r>
+            <a:endParaRPr lang="en-GB" dirty="0"/>
           </a:p>
         </p:txBody>
       </p:sp>
@@ -4597,7 +4662,7 @@
             </a:pPr>
             <a:r>
               <a:rPr lang="en-US" dirty="0"/>
-              <a:t>Bundling OOTB nodes to form custom nodes.</a:t>
+              <a:t>Allows you to select the level on which you want your function to operate – and “replicates” over the rest</a:t>
             </a:r>
           </a:p>
           <a:p>
@@ -4607,7 +4672,7 @@
             </a:pPr>
             <a:r>
               <a:rPr lang="en-US" dirty="0"/>
-              <a:t>Python scripting with Python nodes.</a:t>
+              <a:t>“Keep List Structure” will keep results organized by the designated input’s data structure</a:t>
             </a:r>
           </a:p>
           <a:p>
@@ -4616,22 +4681,32 @@
               <a:buChar char="•"/>
             </a:pPr>
             <a:r>
+              <a:rPr lang="en-US" dirty="0"/>
+              <a:t>Eliminates </a:t>
+            </a:r>
+            <a:r>
+              <a:rPr lang="en-US" b="1" i="1" dirty="0"/>
+              <a:t>most</a:t>
+            </a:r>
+            <a:r>
+              <a:rPr lang="en-US" dirty="0"/>
+              <a:t> of the need for </a:t>
+            </a:r>
+            <a:r>
               <a:rPr lang="en-US" dirty="0" err="1"/>
-              <a:t>ZeroTouch</a:t>
+              <a:t>List.Map</a:t>
             </a:r>
             <a:r>
               <a:rPr lang="en-US" dirty="0"/>
-              <a:t> imports using .NET libraries (C#, VB.NET)</a:t>
-            </a:r>
-          </a:p>
-          <a:p>
-            <a:pPr marL="342900" indent="-342900">
-              <a:buFont typeface="Arial" panose="020B0604020202020204" pitchFamily="34" charset="0"/>
-              <a:buChar char="•"/>
-            </a:pPr>
+              <a:t>, </a:t>
+            </a:r>
+            <a:r>
+              <a:rPr lang="en-US" dirty="0" err="1"/>
+              <a:t>List.Combine</a:t>
+            </a:r>
             <a:r>
               <a:rPr lang="en-US" dirty="0"/>
-              <a:t>Full Blown C# Development for Custom UI and More, (Way out of the scope of this class).</a:t>
+              <a:t>, etc.</a:t>
             </a:r>
           </a:p>
           <a:p>
@@ -4639,358 +4714,13 @@
               <a:buNone/>
             </a:pPr>
             <a:endParaRPr lang="en-US" dirty="0"/>
-          </a:p>
-        </p:txBody>
-      </p:sp>
-      <p:pic>
-        <p:nvPicPr>
-          <p:cNvPr id="8" name="Picture 7">
-            <a:extLst>
-              <a:ext uri="{FF2B5EF4-FFF2-40B4-BE49-F238E27FC236}">
-                <a16:creationId xmlns:a16="http://schemas.microsoft.com/office/drawing/2014/main" id="{8E7E54B9-358E-4F7C-851F-25DDD6295968}"/>
-              </a:ext>
-            </a:extLst>
-          </p:cNvPr>
-          <p:cNvPicPr>
-            <a:picLocks noChangeAspect="1"/>
-          </p:cNvPicPr>
-          <p:nvPr/>
-        </p:nvPicPr>
-        <p:blipFill>
-          <a:blip r:embed="rId2">
-            <a:extLst>
-              <a:ext uri="{28A0092B-C50C-407E-A947-70E740481C1C}">
-                <a14:useLocalDpi xmlns:a14="http://schemas.microsoft.com/office/drawing/2010/main" val="0"/>
-              </a:ext>
-            </a:extLst>
-          </a:blip>
-          <a:stretch>
-            <a:fillRect/>
-          </a:stretch>
-        </p:blipFill>
-        <p:spPr>
-          <a:xfrm>
-            <a:off x="8400857" y="368301"/>
-            <a:ext cx="2762636" cy="1524213"/>
-          </a:xfrm>
-          <a:prstGeom prst="rect">
-            <a:avLst/>
-          </a:prstGeom>
-        </p:spPr>
-      </p:pic>
-      <p:pic>
-        <p:nvPicPr>
-          <p:cNvPr id="10" name="Picture 9">
-            <a:extLst>
-              <a:ext uri="{FF2B5EF4-FFF2-40B4-BE49-F238E27FC236}">
-                <a16:creationId xmlns:a16="http://schemas.microsoft.com/office/drawing/2014/main" id="{EB19EBA2-0356-4782-884B-B8A422671D61}"/>
-              </a:ext>
-            </a:extLst>
-          </p:cNvPr>
-          <p:cNvPicPr>
-            <a:picLocks noChangeAspect="1"/>
-          </p:cNvPicPr>
-          <p:nvPr/>
-        </p:nvPicPr>
-        <p:blipFill>
-          <a:blip r:embed="rId3">
-            <a:extLst>
-              <a:ext uri="{28A0092B-C50C-407E-A947-70E740481C1C}">
-                <a14:useLocalDpi xmlns:a14="http://schemas.microsoft.com/office/drawing/2010/main" val="0"/>
-              </a:ext>
-            </a:extLst>
-          </a:blip>
-          <a:stretch>
-            <a:fillRect/>
-          </a:stretch>
-        </p:blipFill>
-        <p:spPr>
-          <a:xfrm>
-            <a:off x="8400521" y="1762779"/>
-            <a:ext cx="1848108" cy="1086002"/>
-          </a:xfrm>
-          <a:prstGeom prst="rect">
-            <a:avLst/>
-          </a:prstGeom>
-        </p:spPr>
-      </p:pic>
-      <p:pic>
-        <p:nvPicPr>
-          <p:cNvPr id="12" name="Picture 11">
-            <a:extLst>
-              <a:ext uri="{FF2B5EF4-FFF2-40B4-BE49-F238E27FC236}">
-                <a16:creationId xmlns:a16="http://schemas.microsoft.com/office/drawing/2014/main" id="{ED8ECE5B-AE98-4C13-BADF-6D27837C988D}"/>
-              </a:ext>
-            </a:extLst>
-          </p:cNvPr>
-          <p:cNvPicPr>
-            <a:picLocks noChangeAspect="1"/>
-          </p:cNvPicPr>
-          <p:nvPr/>
-        </p:nvPicPr>
-        <p:blipFill>
-          <a:blip r:embed="rId4">
-            <a:extLst>
-              <a:ext uri="{28A0092B-C50C-407E-A947-70E740481C1C}">
-                <a14:useLocalDpi xmlns:a14="http://schemas.microsoft.com/office/drawing/2010/main" val="0"/>
-              </a:ext>
-            </a:extLst>
-          </a:blip>
-          <a:stretch>
-            <a:fillRect/>
-          </a:stretch>
-        </p:blipFill>
-        <p:spPr>
-          <a:xfrm>
-            <a:off x="8400521" y="2810484"/>
-            <a:ext cx="3791479" cy="2286319"/>
-          </a:xfrm>
-          <a:prstGeom prst="rect">
-            <a:avLst/>
-          </a:prstGeom>
-        </p:spPr>
-      </p:pic>
-      <p:pic>
-        <p:nvPicPr>
-          <p:cNvPr id="14" name="Picture 13">
-            <a:extLst>
-              <a:ext uri="{FF2B5EF4-FFF2-40B4-BE49-F238E27FC236}">
-                <a16:creationId xmlns:a16="http://schemas.microsoft.com/office/drawing/2014/main" id="{834E188C-A62E-4232-835E-BBEBE502562C}"/>
-              </a:ext>
-            </a:extLst>
-          </p:cNvPr>
-          <p:cNvPicPr>
-            <a:picLocks noChangeAspect="1"/>
-          </p:cNvPicPr>
-          <p:nvPr/>
-        </p:nvPicPr>
-        <p:blipFill>
-          <a:blip r:embed="rId5">
-            <a:extLst>
-              <a:ext uri="{28A0092B-C50C-407E-A947-70E740481C1C}">
-                <a14:useLocalDpi xmlns:a14="http://schemas.microsoft.com/office/drawing/2010/main" val="0"/>
-              </a:ext>
-            </a:extLst>
-          </a:blip>
-          <a:stretch>
-            <a:fillRect/>
-          </a:stretch>
-        </p:blipFill>
-        <p:spPr>
-          <a:xfrm>
-            <a:off x="8400521" y="5012787"/>
-            <a:ext cx="2229161" cy="1276528"/>
-          </a:xfrm>
-          <a:prstGeom prst="rect">
-            <a:avLst/>
-          </a:prstGeom>
-        </p:spPr>
-      </p:pic>
-      <p:sp>
-        <p:nvSpPr>
-          <p:cNvPr id="15" name="TextBox 14">
-            <a:extLst>
-              <a:ext uri="{FF2B5EF4-FFF2-40B4-BE49-F238E27FC236}">
-                <a16:creationId xmlns:a16="http://schemas.microsoft.com/office/drawing/2014/main" id="{DC87D598-8E39-4B4F-97ED-254CB3DDC927}"/>
-              </a:ext>
-            </a:extLst>
-          </p:cNvPr>
-          <p:cNvSpPr txBox="1"/>
-          <p:nvPr/>
-        </p:nvSpPr>
-        <p:spPr>
-          <a:xfrm>
-            <a:off x="8400857" y="1439747"/>
-            <a:ext cx="3379694" cy="307777"/>
-          </a:xfrm>
-          <a:prstGeom prst="rect">
-            <a:avLst/>
-          </a:prstGeom>
-          <a:noFill/>
-        </p:spPr>
-        <p:txBody>
-          <a:bodyPr wrap="square" rtlCol="0">
-            <a:spAutoFit/>
-          </a:bodyPr>
-          <a:lstStyle/>
-          <a:p>
-            <a:r>
-              <a:rPr lang="en-US" sz="1400" dirty="0">
-                <a:solidFill>
-                  <a:schemeClr val="accent3"/>
-                </a:solidFill>
-              </a:rPr>
-              <a:t>Custom Node - Clockwork</a:t>
-            </a:r>
-          </a:p>
-        </p:txBody>
-      </p:sp>
-      <p:sp>
-        <p:nvSpPr>
-          <p:cNvPr id="16" name="TextBox 15">
-            <a:extLst>
-              <a:ext uri="{FF2B5EF4-FFF2-40B4-BE49-F238E27FC236}">
-                <a16:creationId xmlns:a16="http://schemas.microsoft.com/office/drawing/2014/main" id="{F72ACD3E-859D-4554-B253-2AE4470F5E71}"/>
-              </a:ext>
-            </a:extLst>
-          </p:cNvPr>
-          <p:cNvSpPr txBox="1"/>
-          <p:nvPr/>
-        </p:nvSpPr>
-        <p:spPr>
-          <a:xfrm>
-            <a:off x="8400521" y="2632442"/>
-            <a:ext cx="3379694" cy="307777"/>
-          </a:xfrm>
-          <a:prstGeom prst="rect">
-            <a:avLst/>
-          </a:prstGeom>
-          <a:noFill/>
-        </p:spPr>
-        <p:txBody>
-          <a:bodyPr wrap="square" rtlCol="0">
-            <a:spAutoFit/>
-          </a:bodyPr>
-          <a:lstStyle/>
-          <a:p>
-            <a:r>
-              <a:rPr lang="en-US" sz="1400" dirty="0">
-                <a:solidFill>
-                  <a:schemeClr val="accent3"/>
-                </a:solidFill>
-              </a:rPr>
-              <a:t>Python Script</a:t>
-            </a:r>
-          </a:p>
-        </p:txBody>
-      </p:sp>
-      <p:sp>
-        <p:nvSpPr>
-          <p:cNvPr id="17" name="TextBox 16">
-            <a:extLst>
-              <a:ext uri="{FF2B5EF4-FFF2-40B4-BE49-F238E27FC236}">
-                <a16:creationId xmlns:a16="http://schemas.microsoft.com/office/drawing/2014/main" id="{F5B2C895-2EEB-4771-9128-03C36B3A864C}"/>
-              </a:ext>
-            </a:extLst>
-          </p:cNvPr>
-          <p:cNvSpPr txBox="1"/>
-          <p:nvPr/>
-        </p:nvSpPr>
-        <p:spPr>
-          <a:xfrm>
-            <a:off x="8400521" y="4705010"/>
-            <a:ext cx="3379694" cy="307777"/>
-          </a:xfrm>
-          <a:prstGeom prst="rect">
-            <a:avLst/>
-          </a:prstGeom>
-          <a:noFill/>
-        </p:spPr>
-        <p:txBody>
-          <a:bodyPr wrap="square" rtlCol="0">
-            <a:spAutoFit/>
-          </a:bodyPr>
-          <a:lstStyle/>
-          <a:p>
-            <a:r>
-              <a:rPr lang="en-US" sz="1400" dirty="0">
-                <a:solidFill>
-                  <a:schemeClr val="accent3"/>
-                </a:solidFill>
-              </a:rPr>
-              <a:t>“</a:t>
-            </a:r>
-            <a:r>
-              <a:rPr lang="en-US" sz="1400" dirty="0" err="1">
-                <a:solidFill>
-                  <a:schemeClr val="accent3"/>
-                </a:solidFill>
-              </a:rPr>
-              <a:t>ZeroTouch</a:t>
-            </a:r>
-            <a:r>
-              <a:rPr lang="en-US" sz="1400" dirty="0">
-                <a:solidFill>
-                  <a:schemeClr val="accent3"/>
-                </a:solidFill>
-              </a:rPr>
-              <a:t>” node made in C# - Rhythm</a:t>
-            </a:r>
-          </a:p>
-        </p:txBody>
-      </p:sp>
-      <p:sp>
-        <p:nvSpPr>
-          <p:cNvPr id="18" name="TextBox 17">
-            <a:extLst>
-              <a:ext uri="{FF2B5EF4-FFF2-40B4-BE49-F238E27FC236}">
-                <a16:creationId xmlns:a16="http://schemas.microsoft.com/office/drawing/2014/main" id="{4A60B32E-19B6-4E43-9D4D-FBE0B31AF96E}"/>
-              </a:ext>
-            </a:extLst>
-          </p:cNvPr>
-          <p:cNvSpPr txBox="1"/>
-          <p:nvPr/>
-        </p:nvSpPr>
-        <p:spPr>
-          <a:xfrm>
-            <a:off x="8400521" y="5981538"/>
-            <a:ext cx="3379694" cy="307777"/>
-          </a:xfrm>
-          <a:prstGeom prst="rect">
-            <a:avLst/>
-          </a:prstGeom>
-          <a:noFill/>
-        </p:spPr>
-        <p:txBody>
-          <a:bodyPr wrap="square" rtlCol="0">
-            <a:spAutoFit/>
-          </a:bodyPr>
-          <a:lstStyle/>
-          <a:p>
-            <a:r>
-              <a:rPr lang="en-US" sz="1400" dirty="0">
-                <a:solidFill>
-                  <a:schemeClr val="accent3"/>
-                </a:solidFill>
-              </a:rPr>
-              <a:t>UI </a:t>
-            </a:r>
-            <a:r>
-              <a:rPr lang="en-US" sz="1400" dirty="0" err="1">
-                <a:solidFill>
-                  <a:schemeClr val="accent3"/>
-                </a:solidFill>
-              </a:rPr>
-              <a:t>nodemade</a:t>
-            </a:r>
-            <a:r>
-              <a:rPr lang="en-US" sz="1400" dirty="0">
-                <a:solidFill>
-                  <a:schemeClr val="accent3"/>
-                </a:solidFill>
-              </a:rPr>
-              <a:t> in C# - </a:t>
-            </a:r>
-            <a:r>
-              <a:rPr lang="en-US" sz="1400" dirty="0" err="1">
-                <a:solidFill>
-                  <a:schemeClr val="accent3"/>
-                </a:solidFill>
-              </a:rPr>
-              <a:t>archilab</a:t>
-            </a:r>
-            <a:endParaRPr lang="en-US" sz="1400" dirty="0">
-              <a:solidFill>
-                <a:schemeClr val="accent3"/>
-              </a:solidFill>
-            </a:endParaRPr>
           </a:p>
         </p:txBody>
       </p:sp>
     </p:spTree>
     <p:extLst>
       <p:ext uri="{BB962C8B-B14F-4D97-AF65-F5344CB8AC3E}">
-        <p14:creationId xmlns:p14="http://schemas.microsoft.com/office/powerpoint/2010/main" val="3651231179"/>
+        <p14:creationId xmlns:p14="http://schemas.microsoft.com/office/powerpoint/2010/main" val="159087992"/>
       </p:ext>
     </p:extLst>
   </p:cSld>
@@ -5019,10 +4749,10 @@
       </p:grpSpPr>
       <p:sp>
         <p:nvSpPr>
-          <p:cNvPr id="5" name="Title 4">
-            <a:extLst>
-              <a:ext uri="{FF2B5EF4-FFF2-40B4-BE49-F238E27FC236}">
-                <a16:creationId xmlns:a16="http://schemas.microsoft.com/office/drawing/2014/main" id="{AEFD51C8-9C20-4E18-97DB-41075C0138AA}"/>
+          <p:cNvPr id="28" name="Title 27">
+            <a:extLst>
+              <a:ext uri="{FF2B5EF4-FFF2-40B4-BE49-F238E27FC236}">
+                <a16:creationId xmlns:a16="http://schemas.microsoft.com/office/drawing/2014/main" id="{1682ABF7-7AD8-42DB-BD29-CD3C0770434E}"/>
               </a:ext>
             </a:extLst>
           </p:cNvPr>
@@ -5040,497 +4770,17 @@
           <a:p>
             <a:r>
               <a:rPr lang="en-GB" dirty="0"/>
-              <a:t>Essential Dynamo Packages</a:t>
-            </a:r>
-          </a:p>
-        </p:txBody>
-      </p:sp>
-      <p:sp>
-        <p:nvSpPr>
-          <p:cNvPr id="7" name="Content Placeholder 6">
-            <a:extLst>
-              <a:ext uri="{FF2B5EF4-FFF2-40B4-BE49-F238E27FC236}">
-                <a16:creationId xmlns:a16="http://schemas.microsoft.com/office/drawing/2014/main" id="{3D95DBEF-88DF-4431-85F0-A4F7301082AD}"/>
-              </a:ext>
-            </a:extLst>
-          </p:cNvPr>
-          <p:cNvSpPr>
-            <a:spLocks noGrp="1"/>
-          </p:cNvSpPr>
-          <p:nvPr>
-            <p:ph idx="11"/>
-          </p:nvPr>
-        </p:nvSpPr>
-        <p:spPr>
-          <a:xfrm>
-            <a:off x="334964" y="1268414"/>
-            <a:ext cx="2856472" cy="5040311"/>
-          </a:xfrm>
-        </p:spPr>
-        <p:txBody>
-          <a:bodyPr/>
-          <a:lstStyle/>
-          <a:p>
-            <a:r>
-              <a:rPr lang="en-US" b="1" dirty="0"/>
-              <a:t>Revit Related</a:t>
-            </a:r>
-          </a:p>
-          <a:p>
-            <a:pPr marL="342900" indent="-342900">
-              <a:buFont typeface="Arial" panose="020B0604020202020204" pitchFamily="34" charset="0"/>
-              <a:buChar char="•"/>
-            </a:pPr>
-            <a:r>
-              <a:rPr lang="en-US" dirty="0"/>
-              <a:t>Lunchbox</a:t>
-            </a:r>
-          </a:p>
-          <a:p>
-            <a:pPr marL="342900" indent="-342900">
-              <a:buFont typeface="Arial" panose="020B0604020202020204" pitchFamily="34" charset="0"/>
-              <a:buChar char="•"/>
-            </a:pPr>
-            <a:r>
-              <a:rPr lang="en-US" dirty="0"/>
-              <a:t>Archi-lab.net</a:t>
-            </a:r>
-          </a:p>
-          <a:p>
-            <a:pPr marL="342900" indent="-342900">
-              <a:buFont typeface="Arial" panose="020B0604020202020204" pitchFamily="34" charset="0"/>
-              <a:buChar char="•"/>
-            </a:pPr>
-            <a:r>
-              <a:rPr lang="en-US" dirty="0"/>
-              <a:t>Clockwork</a:t>
-            </a:r>
-          </a:p>
-          <a:p>
-            <a:pPr marL="342900" indent="-342900">
-              <a:buFont typeface="Arial" panose="020B0604020202020204" pitchFamily="34" charset="0"/>
-              <a:buChar char="•"/>
-            </a:pPr>
-            <a:r>
-              <a:rPr lang="en-US" dirty="0" err="1"/>
-              <a:t>Springnodes</a:t>
-            </a:r>
-            <a:endParaRPr lang="en-US" dirty="0"/>
-          </a:p>
-          <a:p>
-            <a:pPr marL="342900" indent="-342900">
-              <a:buFont typeface="Arial" panose="020B0604020202020204" pitchFamily="34" charset="0"/>
-              <a:buChar char="•"/>
-            </a:pPr>
-            <a:r>
-              <a:rPr lang="en-US" dirty="0"/>
-              <a:t>Rhythm</a:t>
-            </a:r>
-          </a:p>
-          <a:p>
-            <a:pPr marL="342900" indent="-342900">
-              <a:buFont typeface="Arial" panose="020B0604020202020204" pitchFamily="34" charset="0"/>
-              <a:buChar char="•"/>
-            </a:pPr>
-            <a:r>
-              <a:rPr lang="en-US" dirty="0" err="1"/>
-              <a:t>Steamnodes</a:t>
-            </a:r>
-            <a:endParaRPr lang="en-US" dirty="0"/>
-          </a:p>
-          <a:p>
-            <a:pPr marL="342900" indent="-342900">
-              <a:buFont typeface="Arial" panose="020B0604020202020204" pitchFamily="34" charset="0"/>
-              <a:buChar char="•"/>
-            </a:pPr>
-            <a:r>
-              <a:rPr lang="en-US" dirty="0"/>
-              <a:t>Data-Shapes</a:t>
-            </a:r>
-          </a:p>
-          <a:p>
-            <a:pPr marL="342900" indent="-342900">
-              <a:buFont typeface="Arial" panose="020B0604020202020204" pitchFamily="34" charset="0"/>
-              <a:buChar char="•"/>
-            </a:pPr>
-            <a:r>
-              <a:rPr lang="en-US" dirty="0" err="1"/>
-              <a:t>Designtech</a:t>
-            </a:r>
-            <a:endParaRPr lang="en-US" dirty="0"/>
-          </a:p>
-          <a:p>
-            <a:pPr marL="342900" indent="-342900">
-              <a:buFont typeface="Arial" panose="020B0604020202020204" pitchFamily="34" charset="0"/>
-              <a:buChar char="•"/>
-            </a:pPr>
-            <a:r>
-              <a:rPr lang="en-US" dirty="0"/>
-              <a:t>Mandrill</a:t>
-            </a:r>
-          </a:p>
-          <a:p>
-            <a:pPr marL="342900" indent="-342900">
-              <a:buFont typeface="Arial" panose="020B0604020202020204" pitchFamily="34" charset="0"/>
-              <a:buChar char="•"/>
-            </a:pPr>
-            <a:r>
-              <a:rPr lang="en-US" dirty="0"/>
-              <a:t>Bumblebee</a:t>
-            </a:r>
-          </a:p>
-          <a:p>
-            <a:pPr lvl="1" indent="0">
-              <a:buNone/>
-            </a:pPr>
-            <a:endParaRPr lang="en-US" dirty="0"/>
-          </a:p>
-        </p:txBody>
-      </p:sp>
-      <p:sp>
-        <p:nvSpPr>
-          <p:cNvPr id="13" name="Content Placeholder 6">
-            <a:extLst>
-              <a:ext uri="{FF2B5EF4-FFF2-40B4-BE49-F238E27FC236}">
-                <a16:creationId xmlns:a16="http://schemas.microsoft.com/office/drawing/2014/main" id="{A60D5974-BDB6-413F-828B-07BD783BB38D}"/>
-              </a:ext>
-            </a:extLst>
-          </p:cNvPr>
-          <p:cNvSpPr txBox="1">
-            <a:spLocks/>
-          </p:cNvSpPr>
-          <p:nvPr/>
-        </p:nvSpPr>
-        <p:spPr>
-          <a:xfrm>
-            <a:off x="3445716" y="1268414"/>
-            <a:ext cx="3107483" cy="5040311"/>
-          </a:xfrm>
-          <a:prstGeom prst="rect">
-            <a:avLst/>
-          </a:prstGeom>
-        </p:spPr>
-        <p:txBody>
-          <a:bodyPr/>
-          <a:lstStyle>
-            <a:lvl1pPr marL="0" indent="0" algn="l" defTabSz="914400" rtl="0" eaLnBrk="1" latinLnBrk="0" hangingPunct="1">
-              <a:lnSpc>
-                <a:spcPct val="90000"/>
-              </a:lnSpc>
-              <a:spcBef>
-                <a:spcPts val="1000"/>
-              </a:spcBef>
-              <a:buFont typeface="Arial" panose="020B0604020202020204" pitchFamily="34" charset="0"/>
-              <a:buNone/>
-              <a:defRPr sz="2000" kern="1200">
-                <a:solidFill>
-                  <a:schemeClr val="tx1"/>
-                </a:solidFill>
-                <a:latin typeface="Segoe UI Light" panose="020B0502040204020203" pitchFamily="34" charset="0"/>
-                <a:ea typeface="+mn-ea"/>
-                <a:cs typeface="+mn-cs"/>
-              </a:defRPr>
-            </a:lvl1pPr>
-            <a:lvl2pPr marL="685800" indent="-228600" algn="l" defTabSz="914400" rtl="0" eaLnBrk="1" latinLnBrk="0" hangingPunct="1">
-              <a:lnSpc>
-                <a:spcPct val="90000"/>
-              </a:lnSpc>
-              <a:spcBef>
-                <a:spcPts val="500"/>
-              </a:spcBef>
-              <a:buFont typeface="Arial" panose="020B0604020202020204" pitchFamily="34" charset="0"/>
-              <a:buChar char="•"/>
-              <a:defRPr sz="1800" kern="1200">
-                <a:solidFill>
-                  <a:schemeClr val="tx1"/>
-                </a:solidFill>
-                <a:latin typeface="Segoe UI Light" panose="020B0502040204020203" pitchFamily="34" charset="0"/>
-                <a:ea typeface="+mn-ea"/>
-                <a:cs typeface="+mn-cs"/>
-              </a:defRPr>
-            </a:lvl2pPr>
-            <a:lvl3pPr marL="1143000" indent="-228600" algn="l" defTabSz="914400" rtl="0" eaLnBrk="1" latinLnBrk="0" hangingPunct="1">
-              <a:lnSpc>
-                <a:spcPct val="90000"/>
-              </a:lnSpc>
-              <a:spcBef>
-                <a:spcPts val="500"/>
-              </a:spcBef>
-              <a:buFont typeface="Arial" panose="020B0604020202020204" pitchFamily="34" charset="0"/>
-              <a:buChar char="•"/>
-              <a:defRPr sz="1600" kern="1200">
-                <a:solidFill>
-                  <a:schemeClr val="tx1"/>
-                </a:solidFill>
-                <a:latin typeface="Segoe UI Light" panose="020B0502040204020203" pitchFamily="34" charset="0"/>
-                <a:ea typeface="+mn-ea"/>
-                <a:cs typeface="+mn-cs"/>
-              </a:defRPr>
-            </a:lvl3pPr>
-            <a:lvl4pPr marL="1600200" indent="-228600" algn="l" defTabSz="914400" rtl="0" eaLnBrk="1" latinLnBrk="0" hangingPunct="1">
-              <a:lnSpc>
-                <a:spcPct val="90000"/>
-              </a:lnSpc>
-              <a:spcBef>
-                <a:spcPts val="500"/>
-              </a:spcBef>
-              <a:buFont typeface="Arial" panose="020B0604020202020204" pitchFamily="34" charset="0"/>
-              <a:buChar char="•"/>
-              <a:defRPr sz="1400" kern="1200">
-                <a:solidFill>
-                  <a:schemeClr val="tx1"/>
-                </a:solidFill>
-                <a:latin typeface="Segoe UI Light" panose="020B0502040204020203" pitchFamily="34" charset="0"/>
-                <a:ea typeface="+mn-ea"/>
-                <a:cs typeface="+mn-cs"/>
-              </a:defRPr>
-            </a:lvl4pPr>
-            <a:lvl5pPr marL="2057400" indent="-228600" algn="l" defTabSz="914400" rtl="0" eaLnBrk="1" latinLnBrk="0" hangingPunct="1">
-              <a:lnSpc>
-                <a:spcPct val="90000"/>
-              </a:lnSpc>
-              <a:spcBef>
-                <a:spcPts val="500"/>
-              </a:spcBef>
-              <a:buFont typeface="Arial" panose="020B0604020202020204" pitchFamily="34" charset="0"/>
-              <a:buChar char="•"/>
-              <a:defRPr sz="1400" kern="1200">
-                <a:solidFill>
-                  <a:schemeClr val="tx1"/>
-                </a:solidFill>
-                <a:latin typeface="Segoe UI Light" panose="020B0502040204020203" pitchFamily="34" charset="0"/>
-                <a:ea typeface="+mn-ea"/>
-                <a:cs typeface="+mn-cs"/>
-              </a:defRPr>
-            </a:lvl5pPr>
-            <a:lvl6pPr marL="2514600" indent="-228600" algn="l" defTabSz="914400" rtl="0" eaLnBrk="1" latinLnBrk="0" hangingPunct="1">
-              <a:lnSpc>
-                <a:spcPct val="90000"/>
-              </a:lnSpc>
-              <a:spcBef>
-                <a:spcPts val="500"/>
-              </a:spcBef>
-              <a:buFont typeface="Arial" panose="020B0604020202020204" pitchFamily="34" charset="0"/>
-              <a:buChar char="•"/>
-              <a:defRPr sz="1800" kern="1200">
-                <a:solidFill>
-                  <a:schemeClr val="tx1"/>
-                </a:solidFill>
-                <a:latin typeface="+mn-lt"/>
-                <a:ea typeface="+mn-ea"/>
-                <a:cs typeface="+mn-cs"/>
-              </a:defRPr>
-            </a:lvl6pPr>
-            <a:lvl7pPr marL="2971800" indent="-228600" algn="l" defTabSz="914400" rtl="0" eaLnBrk="1" latinLnBrk="0" hangingPunct="1">
-              <a:lnSpc>
-                <a:spcPct val="90000"/>
-              </a:lnSpc>
-              <a:spcBef>
-                <a:spcPts val="500"/>
-              </a:spcBef>
-              <a:buFont typeface="Arial" panose="020B0604020202020204" pitchFamily="34" charset="0"/>
-              <a:buChar char="•"/>
-              <a:defRPr sz="1800" kern="1200">
-                <a:solidFill>
-                  <a:schemeClr val="tx1"/>
-                </a:solidFill>
-                <a:latin typeface="+mn-lt"/>
-                <a:ea typeface="+mn-ea"/>
-                <a:cs typeface="+mn-cs"/>
-              </a:defRPr>
-            </a:lvl7pPr>
-            <a:lvl8pPr marL="3429000" indent="-228600" algn="l" defTabSz="914400" rtl="0" eaLnBrk="1" latinLnBrk="0" hangingPunct="1">
-              <a:lnSpc>
-                <a:spcPct val="90000"/>
-              </a:lnSpc>
-              <a:spcBef>
-                <a:spcPts val="500"/>
-              </a:spcBef>
-              <a:buFont typeface="Arial" panose="020B0604020202020204" pitchFamily="34" charset="0"/>
-              <a:buChar char="•"/>
-              <a:defRPr sz="1800" kern="1200">
-                <a:solidFill>
-                  <a:schemeClr val="tx1"/>
-                </a:solidFill>
-                <a:latin typeface="+mn-lt"/>
-                <a:ea typeface="+mn-ea"/>
-                <a:cs typeface="+mn-cs"/>
-              </a:defRPr>
-            </a:lvl8pPr>
-            <a:lvl9pPr marL="3886200" indent="-228600" algn="l" defTabSz="914400" rtl="0" eaLnBrk="1" latinLnBrk="0" hangingPunct="1">
-              <a:lnSpc>
-                <a:spcPct val="90000"/>
-              </a:lnSpc>
-              <a:spcBef>
-                <a:spcPts val="500"/>
-              </a:spcBef>
-              <a:buFont typeface="Arial" panose="020B0604020202020204" pitchFamily="34" charset="0"/>
-              <a:buChar char="•"/>
-              <a:defRPr sz="1800" kern="1200">
-                <a:solidFill>
-                  <a:schemeClr val="tx1"/>
-                </a:solidFill>
-                <a:latin typeface="+mn-lt"/>
-                <a:ea typeface="+mn-ea"/>
-                <a:cs typeface="+mn-cs"/>
-              </a:defRPr>
-            </a:lvl9pPr>
-          </a:lstStyle>
-          <a:p>
-            <a:r>
-              <a:rPr lang="en-US" b="1" dirty="0"/>
-              <a:t>Additional Awesomeness</a:t>
-            </a:r>
-          </a:p>
-          <a:p>
-            <a:pPr marL="342900" indent="-342900">
-              <a:buFont typeface="Arial" panose="020B0604020202020204" pitchFamily="34" charset="0"/>
-              <a:buChar char="•"/>
-            </a:pPr>
-            <a:r>
-              <a:rPr lang="en-US" dirty="0"/>
-              <a:t>Ladybug</a:t>
-            </a:r>
-          </a:p>
-          <a:p>
-            <a:pPr marL="342900" indent="-342900">
-              <a:buFont typeface="Arial" panose="020B0604020202020204" pitchFamily="34" charset="0"/>
-              <a:buChar char="•"/>
-            </a:pPr>
-            <a:r>
-              <a:rPr lang="en-US" dirty="0"/>
-              <a:t>Energy Analysis for Dynamo</a:t>
-            </a:r>
-          </a:p>
-          <a:p>
-            <a:pPr marL="342900" indent="-342900">
-              <a:buFont typeface="Arial" panose="020B0604020202020204" pitchFamily="34" charset="0"/>
-              <a:buChar char="•"/>
-            </a:pPr>
-            <a:r>
-              <a:rPr lang="en-US" dirty="0" err="1"/>
-              <a:t>Dynashape</a:t>
-            </a:r>
-            <a:endParaRPr lang="en-US" dirty="0"/>
-          </a:p>
-          <a:p>
-            <a:pPr marL="342900" indent="-342900">
-              <a:buFont typeface="Arial" panose="020B0604020202020204" pitchFamily="34" charset="0"/>
-              <a:buChar char="•"/>
-            </a:pPr>
-            <a:r>
-              <a:rPr lang="en-US" dirty="0"/>
-              <a:t>Firefly</a:t>
-            </a:r>
-          </a:p>
-          <a:p>
-            <a:pPr marL="342900" indent="-342900">
-              <a:buFont typeface="Arial" panose="020B0604020202020204" pitchFamily="34" charset="0"/>
-              <a:buChar char="•"/>
-            </a:pPr>
-            <a:r>
-              <a:rPr lang="en-US" dirty="0"/>
-              <a:t>Mantis Shrimp</a:t>
-            </a:r>
-          </a:p>
-          <a:p>
-            <a:pPr marL="342900" indent="-342900">
-              <a:buFont typeface="Arial" panose="020B0604020202020204" pitchFamily="34" charset="0"/>
-              <a:buChar char="•"/>
-            </a:pPr>
-            <a:r>
-              <a:rPr lang="en-US" dirty="0" err="1"/>
-              <a:t>Rhynamo</a:t>
-            </a:r>
-            <a:endParaRPr lang="en-US" dirty="0"/>
-          </a:p>
-          <a:p>
-            <a:pPr lvl="1" indent="0">
-              <a:buFont typeface="Arial" panose="020B0604020202020204" pitchFamily="34" charset="0"/>
-              <a:buNone/>
-            </a:pPr>
-            <a:endParaRPr lang="en-US" dirty="0"/>
+              <a:t>I Shipped My Nodes</a:t>
+            </a:r>
           </a:p>
         </p:txBody>
       </p:sp>
       <p:pic>
         <p:nvPicPr>
-          <p:cNvPr id="3" name="Picture 2">
-            <a:extLst>
-              <a:ext uri="{FF2B5EF4-FFF2-40B4-BE49-F238E27FC236}">
-                <a16:creationId xmlns:a16="http://schemas.microsoft.com/office/drawing/2014/main" id="{F33E0499-30BD-4574-8920-F0B57C841E1F}"/>
-              </a:ext>
-            </a:extLst>
-          </p:cNvPr>
-          <p:cNvPicPr>
-            <a:picLocks noChangeAspect="1"/>
-          </p:cNvPicPr>
-          <p:nvPr/>
-        </p:nvPicPr>
-        <p:blipFill>
-          <a:blip r:embed="rId2" cstate="print">
-            <a:extLst>
-              <a:ext uri="{28A0092B-C50C-407E-A947-70E740481C1C}">
-                <a14:useLocalDpi xmlns:a14="http://schemas.microsoft.com/office/drawing/2010/main" val="0"/>
-              </a:ext>
-            </a:extLst>
-          </a:blip>
-          <a:stretch>
-            <a:fillRect/>
-          </a:stretch>
-        </p:blipFill>
-        <p:spPr>
-          <a:xfrm>
-            <a:off x="6910966" y="1509486"/>
-            <a:ext cx="2178424" cy="937296"/>
-          </a:xfrm>
-          <a:prstGeom prst="rect">
-            <a:avLst/>
-          </a:prstGeom>
-        </p:spPr>
-      </p:pic>
-      <p:pic>
-        <p:nvPicPr>
-          <p:cNvPr id="6" name="Picture 5">
-            <a:extLst>
-              <a:ext uri="{FF2B5EF4-FFF2-40B4-BE49-F238E27FC236}">
-                <a16:creationId xmlns:a16="http://schemas.microsoft.com/office/drawing/2014/main" id="{DB4D057A-DB2B-495A-9312-7FF56A2F9EE4}"/>
-              </a:ext>
-            </a:extLst>
-          </p:cNvPr>
-          <p:cNvPicPr>
-            <a:picLocks noChangeAspect="1"/>
-          </p:cNvPicPr>
-          <p:nvPr/>
-        </p:nvPicPr>
-        <p:blipFill>
-          <a:blip r:embed="rId3" cstate="print">
-            <a:extLst>
-              <a:ext uri="{28A0092B-C50C-407E-A947-70E740481C1C}">
-                <a14:useLocalDpi xmlns:a14="http://schemas.microsoft.com/office/drawing/2010/main" val="0"/>
-              </a:ext>
-            </a:extLst>
-          </a:blip>
-          <a:stretch>
-            <a:fillRect/>
-          </a:stretch>
-        </p:blipFill>
-        <p:spPr>
-          <a:xfrm>
-            <a:off x="6504286" y="2595282"/>
-            <a:ext cx="1810871" cy="976173"/>
-          </a:xfrm>
-          <a:prstGeom prst="rect">
-            <a:avLst/>
-          </a:prstGeom>
-        </p:spPr>
-      </p:pic>
-      <p:pic>
-        <p:nvPicPr>
-          <p:cNvPr id="11" name="Picture 10">
-            <a:extLst>
-              <a:ext uri="{FF2B5EF4-FFF2-40B4-BE49-F238E27FC236}">
-                <a16:creationId xmlns:a16="http://schemas.microsoft.com/office/drawing/2014/main" id="{99EF968B-7180-42C3-8F3B-73924CAE831D}"/>
+          <p:cNvPr id="3" name="Graphic 2">
+            <a:extLst>
+              <a:ext uri="{FF2B5EF4-FFF2-40B4-BE49-F238E27FC236}">
+                <a16:creationId xmlns:a16="http://schemas.microsoft.com/office/drawing/2014/main" id="{5E5B4997-1E06-43A9-A0DF-E9A929D3A73C}"/>
               </a:ext>
             </a:extLst>
           </p:cNvPr>
@@ -5540,342 +4790,23 @@
           <p:nvPr/>
         </p:nvPicPr>
         <p:blipFill rotWithShape="1">
-          <a:blip r:embed="rId4" cstate="print">
+          <a:blip r:embed="rId2">
             <a:extLst>
               <a:ext uri="{28A0092B-C50C-407E-A947-70E740481C1C}">
                 <a14:useLocalDpi xmlns:a14="http://schemas.microsoft.com/office/drawing/2010/main" val="0"/>
               </a:ext>
+              <a:ext uri="{96DAC541-7B7A-43D3-8B79-37D633B846F1}">
+                <asvg:svgBlip xmlns:asvg="http://schemas.microsoft.com/office/drawing/2016/SVG/main" r:embed="rId3"/>
+              </a:ext>
             </a:extLst>
           </a:blip>
-          <a:srcRect l="15057" t="37405" r="18337" b="37158"/>
+          <a:srcRect b="17939"/>
           <a:stretch/>
         </p:blipFill>
         <p:spPr>
           <a:xfrm>
-            <a:off x="8709605" y="1337508"/>
-            <a:ext cx="2259106" cy="485290"/>
-          </a:xfrm>
-          <a:prstGeom prst="rect">
-            <a:avLst/>
-          </a:prstGeom>
-        </p:spPr>
-      </p:pic>
-      <p:pic>
-        <p:nvPicPr>
-          <p:cNvPr id="20" name="Picture 19">
-            <a:extLst>
-              <a:ext uri="{FF2B5EF4-FFF2-40B4-BE49-F238E27FC236}">
-                <a16:creationId xmlns:a16="http://schemas.microsoft.com/office/drawing/2014/main" id="{81D20754-3E8A-4DC6-979F-BD0D1AB9DA5A}"/>
-              </a:ext>
-            </a:extLst>
-          </p:cNvPr>
-          <p:cNvPicPr>
-            <a:picLocks noChangeAspect="1"/>
-          </p:cNvPicPr>
-          <p:nvPr/>
-        </p:nvPicPr>
-        <p:blipFill rotWithShape="1">
-          <a:blip r:embed="rId5">
-            <a:extLst>
-              <a:ext uri="{28A0092B-C50C-407E-A947-70E740481C1C}">
-                <a14:useLocalDpi xmlns:a14="http://schemas.microsoft.com/office/drawing/2010/main" val="0"/>
-              </a:ext>
-            </a:extLst>
-          </a:blip>
-          <a:srcRect l="5681" t="12315" r="12151" b="14792"/>
-          <a:stretch/>
-        </p:blipFill>
-        <p:spPr>
-          <a:xfrm>
-            <a:off x="6985950" y="3759412"/>
-            <a:ext cx="2512548" cy="806721"/>
-          </a:xfrm>
-          <a:prstGeom prst="rect">
-            <a:avLst/>
-          </a:prstGeom>
-        </p:spPr>
-      </p:pic>
-      <p:pic>
-        <p:nvPicPr>
-          <p:cNvPr id="22" name="Picture 21">
-            <a:extLst>
-              <a:ext uri="{FF2B5EF4-FFF2-40B4-BE49-F238E27FC236}">
-                <a16:creationId xmlns:a16="http://schemas.microsoft.com/office/drawing/2014/main" id="{4DC7432F-451C-41EF-9D52-E17EF2CEF3F7}"/>
-              </a:ext>
-            </a:extLst>
-          </p:cNvPr>
-          <p:cNvPicPr>
-            <a:picLocks noChangeAspect="1"/>
-          </p:cNvPicPr>
-          <p:nvPr/>
-        </p:nvPicPr>
-        <p:blipFill rotWithShape="1">
-          <a:blip r:embed="rId6" cstate="print">
-            <a:extLst>
-              <a:ext uri="{28A0092B-C50C-407E-A947-70E740481C1C}">
-                <a14:useLocalDpi xmlns:a14="http://schemas.microsoft.com/office/drawing/2010/main" val="0"/>
-              </a:ext>
-            </a:extLst>
-          </a:blip>
-          <a:srcRect l="16176" t="46962" r="3750" b="12503"/>
-          <a:stretch/>
-        </p:blipFill>
-        <p:spPr>
-          <a:xfrm>
-            <a:off x="8610990" y="2754231"/>
-            <a:ext cx="2659250" cy="539823"/>
-          </a:xfrm>
-          <a:prstGeom prst="rect">
-            <a:avLst/>
-          </a:prstGeom>
-        </p:spPr>
-      </p:pic>
-      <p:pic>
-        <p:nvPicPr>
-          <p:cNvPr id="24" name="Picture 23">
-            <a:extLst>
-              <a:ext uri="{FF2B5EF4-FFF2-40B4-BE49-F238E27FC236}">
-                <a16:creationId xmlns:a16="http://schemas.microsoft.com/office/drawing/2014/main" id="{D7BEC183-9FE7-4854-AFEE-16CCFA379EEB}"/>
-              </a:ext>
-            </a:extLst>
-          </p:cNvPr>
-          <p:cNvPicPr>
-            <a:picLocks noChangeAspect="1"/>
-          </p:cNvPicPr>
-          <p:nvPr/>
-        </p:nvPicPr>
-        <p:blipFill>
-          <a:blip r:embed="rId7" cstate="print">
-            <a:extLst>
-              <a:ext uri="{28A0092B-C50C-407E-A947-70E740481C1C}">
-                <a14:useLocalDpi xmlns:a14="http://schemas.microsoft.com/office/drawing/2010/main" val="0"/>
-              </a:ext>
-            </a:extLst>
-          </a:blip>
-          <a:stretch>
-            <a:fillRect/>
-          </a:stretch>
-        </p:blipFill>
-        <p:spPr>
-          <a:xfrm>
-            <a:off x="5791199" y="4525814"/>
-            <a:ext cx="2659251" cy="650039"/>
-          </a:xfrm>
-          <a:prstGeom prst="rect">
-            <a:avLst/>
-          </a:prstGeom>
-        </p:spPr>
-      </p:pic>
-      <p:pic>
-        <p:nvPicPr>
-          <p:cNvPr id="26" name="Picture 25">
-            <a:extLst>
-              <a:ext uri="{FF2B5EF4-FFF2-40B4-BE49-F238E27FC236}">
-                <a16:creationId xmlns:a16="http://schemas.microsoft.com/office/drawing/2014/main" id="{04AF52AA-4ACF-4ACF-B86B-EEB82B8CB119}"/>
-              </a:ext>
-            </a:extLst>
-          </p:cNvPr>
-          <p:cNvPicPr>
-            <a:picLocks noChangeAspect="1"/>
-          </p:cNvPicPr>
-          <p:nvPr/>
-        </p:nvPicPr>
-        <p:blipFill>
-          <a:blip r:embed="rId8" cstate="print">
-            <a:extLst>
-              <a:ext uri="{28A0092B-C50C-407E-A947-70E740481C1C}">
-                <a14:useLocalDpi xmlns:a14="http://schemas.microsoft.com/office/drawing/2010/main" val="0"/>
-              </a:ext>
-            </a:extLst>
-          </a:blip>
-          <a:stretch>
-            <a:fillRect/>
-          </a:stretch>
-        </p:blipFill>
-        <p:spPr>
-          <a:xfrm>
-            <a:off x="9660682" y="4313092"/>
-            <a:ext cx="2202872" cy="1995633"/>
-          </a:xfrm>
-          <a:prstGeom prst="rect">
-            <a:avLst/>
-          </a:prstGeom>
-        </p:spPr>
-      </p:pic>
-      <p:pic>
-        <p:nvPicPr>
-          <p:cNvPr id="28" name="Picture 27">
-            <a:extLst>
-              <a:ext uri="{FF2B5EF4-FFF2-40B4-BE49-F238E27FC236}">
-                <a16:creationId xmlns:a16="http://schemas.microsoft.com/office/drawing/2014/main" id="{BCC3DCB4-CC32-4927-8491-708B5AF978E4}"/>
-              </a:ext>
-            </a:extLst>
-          </p:cNvPr>
-          <p:cNvPicPr>
-            <a:picLocks noChangeAspect="1"/>
-          </p:cNvPicPr>
-          <p:nvPr/>
-        </p:nvPicPr>
-        <p:blipFill>
-          <a:blip r:embed="rId9" cstate="print">
-            <a:extLst>
-              <a:ext uri="{28A0092B-C50C-407E-A947-70E740481C1C}">
-                <a14:useLocalDpi xmlns:a14="http://schemas.microsoft.com/office/drawing/2010/main" val="0"/>
-              </a:ext>
-            </a:extLst>
-          </a:blip>
-          <a:stretch>
-            <a:fillRect/>
-          </a:stretch>
-        </p:blipFill>
-        <p:spPr>
-          <a:xfrm>
-            <a:off x="6584968" y="802278"/>
-            <a:ext cx="2178425" cy="466136"/>
-          </a:xfrm>
-          <a:prstGeom prst="rect">
-            <a:avLst/>
-          </a:prstGeom>
-        </p:spPr>
-      </p:pic>
-      <p:pic>
-        <p:nvPicPr>
-          <p:cNvPr id="30" name="Picture 29">
-            <a:extLst>
-              <a:ext uri="{FF2B5EF4-FFF2-40B4-BE49-F238E27FC236}">
-                <a16:creationId xmlns:a16="http://schemas.microsoft.com/office/drawing/2014/main" id="{F66C0B23-5956-4428-A6AE-DB168F8F0FD0}"/>
-              </a:ext>
-            </a:extLst>
-          </p:cNvPr>
-          <p:cNvPicPr>
-            <a:picLocks noChangeAspect="1"/>
-          </p:cNvPicPr>
-          <p:nvPr/>
-        </p:nvPicPr>
-        <p:blipFill>
-          <a:blip r:embed="rId10" cstate="print">
-            <a:extLst>
-              <a:ext uri="{28A0092B-C50C-407E-A947-70E740481C1C}">
-                <a14:useLocalDpi xmlns:a14="http://schemas.microsoft.com/office/drawing/2010/main" val="0"/>
-              </a:ext>
-            </a:extLst>
-          </a:blip>
-          <a:stretch>
-            <a:fillRect/>
-          </a:stretch>
-        </p:blipFill>
-        <p:spPr>
-          <a:xfrm>
-            <a:off x="10649350" y="1522789"/>
-            <a:ext cx="1560579" cy="1560579"/>
-          </a:xfrm>
-          <a:prstGeom prst="rect">
-            <a:avLst/>
-          </a:prstGeom>
-        </p:spPr>
-      </p:pic>
-      <p:pic>
-        <p:nvPicPr>
-          <p:cNvPr id="32" name="Picture 31">
-            <a:extLst>
-              <a:ext uri="{FF2B5EF4-FFF2-40B4-BE49-F238E27FC236}">
-                <a16:creationId xmlns:a16="http://schemas.microsoft.com/office/drawing/2014/main" id="{EC69EA82-4325-4C6A-B615-16B3DF15554C}"/>
-              </a:ext>
-            </a:extLst>
-          </p:cNvPr>
-          <p:cNvPicPr>
-            <a:picLocks noChangeAspect="1"/>
-          </p:cNvPicPr>
-          <p:nvPr/>
-        </p:nvPicPr>
-        <p:blipFill>
-          <a:blip r:embed="rId11" cstate="print">
-            <a:extLst>
-              <a:ext uri="{28A0092B-C50C-407E-A947-70E740481C1C}">
-                <a14:useLocalDpi xmlns:a14="http://schemas.microsoft.com/office/drawing/2010/main" val="0"/>
-              </a:ext>
-            </a:extLst>
-          </a:blip>
-          <a:stretch>
-            <a:fillRect/>
-          </a:stretch>
-        </p:blipFill>
-        <p:spPr>
-          <a:xfrm>
-            <a:off x="9498498" y="3429000"/>
-            <a:ext cx="2061199" cy="1225297"/>
-          </a:xfrm>
-          <a:prstGeom prst="rect">
-            <a:avLst/>
-          </a:prstGeom>
-        </p:spPr>
-      </p:pic>
-      <p:pic>
-        <p:nvPicPr>
-          <p:cNvPr id="34" name="Picture 33">
-            <a:extLst>
-              <a:ext uri="{FF2B5EF4-FFF2-40B4-BE49-F238E27FC236}">
-                <a16:creationId xmlns:a16="http://schemas.microsoft.com/office/drawing/2014/main" id="{2F033CD8-E58D-45B2-9B16-40F41FB57D0C}"/>
-              </a:ext>
-            </a:extLst>
-          </p:cNvPr>
-          <p:cNvPicPr>
-            <a:picLocks noChangeAspect="1"/>
-          </p:cNvPicPr>
-          <p:nvPr/>
-        </p:nvPicPr>
-        <p:blipFill>
-          <a:blip r:embed="rId12" cstate="print">
-            <a:extLst>
-              <a:ext uri="{28A0092B-C50C-407E-A947-70E740481C1C}">
-                <a14:useLocalDpi xmlns:a14="http://schemas.microsoft.com/office/drawing/2010/main" val="0"/>
-              </a:ext>
-            </a:extLst>
-          </a:blip>
-          <a:stretch>
-            <a:fillRect/>
-          </a:stretch>
-        </p:blipFill>
-        <p:spPr>
-          <a:xfrm>
-            <a:off x="9304522" y="392581"/>
-            <a:ext cx="2559032" cy="728045"/>
-          </a:xfrm>
-          <a:prstGeom prst="rect">
-            <a:avLst/>
-          </a:prstGeom>
-        </p:spPr>
-      </p:pic>
-      <p:pic>
-        <p:nvPicPr>
-          <p:cNvPr id="36" name="Picture 35">
-            <a:extLst>
-              <a:ext uri="{FF2B5EF4-FFF2-40B4-BE49-F238E27FC236}">
-                <a16:creationId xmlns:a16="http://schemas.microsoft.com/office/drawing/2014/main" id="{D041C8CA-6E30-46E0-9EF6-02995A6DDD05}"/>
-              </a:ext>
-            </a:extLst>
-          </p:cNvPr>
-          <p:cNvPicPr>
-            <a:picLocks noChangeAspect="1"/>
-          </p:cNvPicPr>
-          <p:nvPr/>
-        </p:nvPicPr>
-        <p:blipFill>
-          <a:blip r:embed="rId13">
-            <a:extLst>
-              <a:ext uri="{28A0092B-C50C-407E-A947-70E740481C1C}">
-                <a14:useLocalDpi xmlns:a14="http://schemas.microsoft.com/office/drawing/2010/main" val="0"/>
-              </a:ext>
-            </a:extLst>
-          </a:blip>
-          <a:stretch>
-            <a:fillRect/>
-          </a:stretch>
-        </p:blipFill>
-        <p:spPr>
-          <a:xfrm>
-            <a:off x="7433569" y="5227565"/>
-            <a:ext cx="2146021" cy="507892"/>
+            <a:off x="4630641" y="2149078"/>
+            <a:ext cx="2930717" cy="2559844"/>
           </a:xfrm>
           <a:prstGeom prst="rect">
             <a:avLst/>
@@ -5885,7 +4816,7 @@
     </p:spTree>
     <p:extLst>
       <p:ext uri="{BB962C8B-B14F-4D97-AF65-F5344CB8AC3E}">
-        <p14:creationId xmlns:p14="http://schemas.microsoft.com/office/powerpoint/2010/main" val="3890404603"/>
+        <p14:creationId xmlns:p14="http://schemas.microsoft.com/office/powerpoint/2010/main" val="1430745673"/>
       </p:ext>
     </p:extLst>
   </p:cSld>
@@ -5912,41 +4843,6 @@
           <a:chExt cx="0" cy="0"/>
         </a:xfrm>
       </p:grpSpPr>
-      <p:pic>
-        <p:nvPicPr>
-          <p:cNvPr id="3" name="Picture Placeholder 2">
-            <a:extLst>
-              <a:ext uri="{FF2B5EF4-FFF2-40B4-BE49-F238E27FC236}">
-                <a16:creationId xmlns:a16="http://schemas.microsoft.com/office/drawing/2014/main" id="{E01C2C07-766B-4CEB-9776-EE07A559F229}"/>
-              </a:ext>
-            </a:extLst>
-          </p:cNvPr>
-          <p:cNvPicPr>
-            <a:picLocks noGrp="1" noChangeAspect="1"/>
-          </p:cNvPicPr>
-          <p:nvPr>
-            <p:ph type="pic" idx="1"/>
-          </p:nvPr>
-        </p:nvPicPr>
-        <p:blipFill>
-          <a:blip r:embed="rId2">
-            <a:extLst>
-              <a:ext uri="{28A0092B-C50C-407E-A947-70E740481C1C}">
-                <a14:useLocalDpi xmlns:a14="http://schemas.microsoft.com/office/drawing/2010/main" val="0"/>
-              </a:ext>
-            </a:extLst>
-          </a:blip>
-          <a:stretch>
-            <a:fillRect/>
-          </a:stretch>
-        </p:blipFill>
-        <p:spPr>
-          <a:xfrm>
-            <a:off x="5374266" y="1089025"/>
-            <a:ext cx="6482771" cy="4873625"/>
-          </a:xfrm>
-        </p:spPr>
-      </p:pic>
       <p:sp>
         <p:nvSpPr>
           <p:cNvPr id="5" name="Title 4">
@@ -5970,7 +4866,7 @@
           <a:p>
             <a:r>
               <a:rPr lang="en-GB" dirty="0"/>
-              <a:t>Building a Custom Lookup Node</a:t>
+              <a:t>Deploying Dynamo Workflows</a:t>
             </a:r>
           </a:p>
         </p:txBody>
@@ -6002,7 +4898,7 @@
             </a:pPr>
             <a:r>
               <a:rPr lang="en-US" dirty="0"/>
-              <a:t>Retrieve rooms by number</a:t>
+              <a:t>Bundling OOTB nodes to form custom nodes.</a:t>
             </a:r>
           </a:p>
           <a:p>
@@ -6012,7 +4908,7 @@
             </a:pPr>
             <a:r>
               <a:rPr lang="en-US" dirty="0"/>
-              <a:t>Bundle as a custom node</a:t>
+              <a:t>Python scripting with Python nodes.</a:t>
             </a:r>
           </a:p>
           <a:p>
@@ -6021,8 +4917,12 @@
               <a:buChar char="•"/>
             </a:pPr>
             <a:r>
+              <a:rPr lang="en-US" dirty="0" err="1"/>
+              <a:t>ZeroTouch</a:t>
+            </a:r>
+            <a:r>
               <a:rPr lang="en-US" dirty="0"/>
-              <a:t>Distribute for reuse</a:t>
+              <a:t> imports using .NET libraries (C#, VB.NET)</a:t>
             </a:r>
           </a:p>
           <a:p>
@@ -6032,7 +4932,7 @@
             </a:pPr>
             <a:r>
               <a:rPr lang="en-US" dirty="0"/>
-              <a:t>Using a tool called a dictionary</a:t>
+              <a:t>Full Blown C# Development for Custom UI and More, (Way out of the scope of this class).</a:t>
             </a:r>
           </a:p>
           <a:p>
@@ -6040,13 +4940,358 @@
               <a:buNone/>
             </a:pPr>
             <a:endParaRPr lang="en-US" dirty="0"/>
+          </a:p>
+        </p:txBody>
+      </p:sp>
+      <p:pic>
+        <p:nvPicPr>
+          <p:cNvPr id="8" name="Picture 7">
+            <a:extLst>
+              <a:ext uri="{FF2B5EF4-FFF2-40B4-BE49-F238E27FC236}">
+                <a16:creationId xmlns:a16="http://schemas.microsoft.com/office/drawing/2014/main" id="{8E7E54B9-358E-4F7C-851F-25DDD6295968}"/>
+              </a:ext>
+            </a:extLst>
+          </p:cNvPr>
+          <p:cNvPicPr>
+            <a:picLocks noChangeAspect="1"/>
+          </p:cNvPicPr>
+          <p:nvPr/>
+        </p:nvPicPr>
+        <p:blipFill>
+          <a:blip r:embed="rId2">
+            <a:extLst>
+              <a:ext uri="{28A0092B-C50C-407E-A947-70E740481C1C}">
+                <a14:useLocalDpi xmlns:a14="http://schemas.microsoft.com/office/drawing/2010/main" val="0"/>
+              </a:ext>
+            </a:extLst>
+          </a:blip>
+          <a:stretch>
+            <a:fillRect/>
+          </a:stretch>
+        </p:blipFill>
+        <p:spPr>
+          <a:xfrm>
+            <a:off x="8400857" y="368301"/>
+            <a:ext cx="2762636" cy="1524213"/>
+          </a:xfrm>
+          <a:prstGeom prst="rect">
+            <a:avLst/>
+          </a:prstGeom>
+        </p:spPr>
+      </p:pic>
+      <p:pic>
+        <p:nvPicPr>
+          <p:cNvPr id="10" name="Picture 9">
+            <a:extLst>
+              <a:ext uri="{FF2B5EF4-FFF2-40B4-BE49-F238E27FC236}">
+                <a16:creationId xmlns:a16="http://schemas.microsoft.com/office/drawing/2014/main" id="{EB19EBA2-0356-4782-884B-B8A422671D61}"/>
+              </a:ext>
+            </a:extLst>
+          </p:cNvPr>
+          <p:cNvPicPr>
+            <a:picLocks noChangeAspect="1"/>
+          </p:cNvPicPr>
+          <p:nvPr/>
+        </p:nvPicPr>
+        <p:blipFill>
+          <a:blip r:embed="rId3">
+            <a:extLst>
+              <a:ext uri="{28A0092B-C50C-407E-A947-70E740481C1C}">
+                <a14:useLocalDpi xmlns:a14="http://schemas.microsoft.com/office/drawing/2010/main" val="0"/>
+              </a:ext>
+            </a:extLst>
+          </a:blip>
+          <a:stretch>
+            <a:fillRect/>
+          </a:stretch>
+        </p:blipFill>
+        <p:spPr>
+          <a:xfrm>
+            <a:off x="8400521" y="1762779"/>
+            <a:ext cx="1848108" cy="1086002"/>
+          </a:xfrm>
+          <a:prstGeom prst="rect">
+            <a:avLst/>
+          </a:prstGeom>
+        </p:spPr>
+      </p:pic>
+      <p:pic>
+        <p:nvPicPr>
+          <p:cNvPr id="12" name="Picture 11">
+            <a:extLst>
+              <a:ext uri="{FF2B5EF4-FFF2-40B4-BE49-F238E27FC236}">
+                <a16:creationId xmlns:a16="http://schemas.microsoft.com/office/drawing/2014/main" id="{ED8ECE5B-AE98-4C13-BADF-6D27837C988D}"/>
+              </a:ext>
+            </a:extLst>
+          </p:cNvPr>
+          <p:cNvPicPr>
+            <a:picLocks noChangeAspect="1"/>
+          </p:cNvPicPr>
+          <p:nvPr/>
+        </p:nvPicPr>
+        <p:blipFill>
+          <a:blip r:embed="rId4">
+            <a:extLst>
+              <a:ext uri="{28A0092B-C50C-407E-A947-70E740481C1C}">
+                <a14:useLocalDpi xmlns:a14="http://schemas.microsoft.com/office/drawing/2010/main" val="0"/>
+              </a:ext>
+            </a:extLst>
+          </a:blip>
+          <a:stretch>
+            <a:fillRect/>
+          </a:stretch>
+        </p:blipFill>
+        <p:spPr>
+          <a:xfrm>
+            <a:off x="8400521" y="2810484"/>
+            <a:ext cx="3791479" cy="2286319"/>
+          </a:xfrm>
+          <a:prstGeom prst="rect">
+            <a:avLst/>
+          </a:prstGeom>
+        </p:spPr>
+      </p:pic>
+      <p:pic>
+        <p:nvPicPr>
+          <p:cNvPr id="14" name="Picture 13">
+            <a:extLst>
+              <a:ext uri="{FF2B5EF4-FFF2-40B4-BE49-F238E27FC236}">
+                <a16:creationId xmlns:a16="http://schemas.microsoft.com/office/drawing/2014/main" id="{834E188C-A62E-4232-835E-BBEBE502562C}"/>
+              </a:ext>
+            </a:extLst>
+          </p:cNvPr>
+          <p:cNvPicPr>
+            <a:picLocks noChangeAspect="1"/>
+          </p:cNvPicPr>
+          <p:nvPr/>
+        </p:nvPicPr>
+        <p:blipFill>
+          <a:blip r:embed="rId5">
+            <a:extLst>
+              <a:ext uri="{28A0092B-C50C-407E-A947-70E740481C1C}">
+                <a14:useLocalDpi xmlns:a14="http://schemas.microsoft.com/office/drawing/2010/main" val="0"/>
+              </a:ext>
+            </a:extLst>
+          </a:blip>
+          <a:stretch>
+            <a:fillRect/>
+          </a:stretch>
+        </p:blipFill>
+        <p:spPr>
+          <a:xfrm>
+            <a:off x="8400521" y="5012787"/>
+            <a:ext cx="2229161" cy="1276528"/>
+          </a:xfrm>
+          <a:prstGeom prst="rect">
+            <a:avLst/>
+          </a:prstGeom>
+        </p:spPr>
+      </p:pic>
+      <p:sp>
+        <p:nvSpPr>
+          <p:cNvPr id="15" name="TextBox 14">
+            <a:extLst>
+              <a:ext uri="{FF2B5EF4-FFF2-40B4-BE49-F238E27FC236}">
+                <a16:creationId xmlns:a16="http://schemas.microsoft.com/office/drawing/2014/main" id="{DC87D598-8E39-4B4F-97ED-254CB3DDC927}"/>
+              </a:ext>
+            </a:extLst>
+          </p:cNvPr>
+          <p:cNvSpPr txBox="1"/>
+          <p:nvPr/>
+        </p:nvSpPr>
+        <p:spPr>
+          <a:xfrm>
+            <a:off x="8400857" y="1439747"/>
+            <a:ext cx="3379694" cy="307777"/>
+          </a:xfrm>
+          <a:prstGeom prst="rect">
+            <a:avLst/>
+          </a:prstGeom>
+          <a:noFill/>
+        </p:spPr>
+        <p:txBody>
+          <a:bodyPr wrap="square" rtlCol="0">
+            <a:spAutoFit/>
+          </a:bodyPr>
+          <a:lstStyle/>
+          <a:p>
+            <a:r>
+              <a:rPr lang="en-US" sz="1400" dirty="0">
+                <a:solidFill>
+                  <a:schemeClr val="accent3"/>
+                </a:solidFill>
+              </a:rPr>
+              <a:t>Custom Node - Clockwork</a:t>
+            </a:r>
+          </a:p>
+        </p:txBody>
+      </p:sp>
+      <p:sp>
+        <p:nvSpPr>
+          <p:cNvPr id="16" name="TextBox 15">
+            <a:extLst>
+              <a:ext uri="{FF2B5EF4-FFF2-40B4-BE49-F238E27FC236}">
+                <a16:creationId xmlns:a16="http://schemas.microsoft.com/office/drawing/2014/main" id="{F72ACD3E-859D-4554-B253-2AE4470F5E71}"/>
+              </a:ext>
+            </a:extLst>
+          </p:cNvPr>
+          <p:cNvSpPr txBox="1"/>
+          <p:nvPr/>
+        </p:nvSpPr>
+        <p:spPr>
+          <a:xfrm>
+            <a:off x="8400521" y="2632442"/>
+            <a:ext cx="3379694" cy="307777"/>
+          </a:xfrm>
+          <a:prstGeom prst="rect">
+            <a:avLst/>
+          </a:prstGeom>
+          <a:noFill/>
+        </p:spPr>
+        <p:txBody>
+          <a:bodyPr wrap="square" rtlCol="0">
+            <a:spAutoFit/>
+          </a:bodyPr>
+          <a:lstStyle/>
+          <a:p>
+            <a:r>
+              <a:rPr lang="en-US" sz="1400" dirty="0">
+                <a:solidFill>
+                  <a:schemeClr val="accent3"/>
+                </a:solidFill>
+              </a:rPr>
+              <a:t>Python Script</a:t>
+            </a:r>
+          </a:p>
+        </p:txBody>
+      </p:sp>
+      <p:sp>
+        <p:nvSpPr>
+          <p:cNvPr id="17" name="TextBox 16">
+            <a:extLst>
+              <a:ext uri="{FF2B5EF4-FFF2-40B4-BE49-F238E27FC236}">
+                <a16:creationId xmlns:a16="http://schemas.microsoft.com/office/drawing/2014/main" id="{F5B2C895-2EEB-4771-9128-03C36B3A864C}"/>
+              </a:ext>
+            </a:extLst>
+          </p:cNvPr>
+          <p:cNvSpPr txBox="1"/>
+          <p:nvPr/>
+        </p:nvSpPr>
+        <p:spPr>
+          <a:xfrm>
+            <a:off x="8400521" y="4705010"/>
+            <a:ext cx="3379694" cy="307777"/>
+          </a:xfrm>
+          <a:prstGeom prst="rect">
+            <a:avLst/>
+          </a:prstGeom>
+          <a:noFill/>
+        </p:spPr>
+        <p:txBody>
+          <a:bodyPr wrap="square" rtlCol="0">
+            <a:spAutoFit/>
+          </a:bodyPr>
+          <a:lstStyle/>
+          <a:p>
+            <a:r>
+              <a:rPr lang="en-US" sz="1400" dirty="0">
+                <a:solidFill>
+                  <a:schemeClr val="accent3"/>
+                </a:solidFill>
+              </a:rPr>
+              <a:t>“</a:t>
+            </a:r>
+            <a:r>
+              <a:rPr lang="en-US" sz="1400" dirty="0" err="1">
+                <a:solidFill>
+                  <a:schemeClr val="accent3"/>
+                </a:solidFill>
+              </a:rPr>
+              <a:t>ZeroTouch</a:t>
+            </a:r>
+            <a:r>
+              <a:rPr lang="en-US" sz="1400" dirty="0">
+                <a:solidFill>
+                  <a:schemeClr val="accent3"/>
+                </a:solidFill>
+              </a:rPr>
+              <a:t>” node made in C# - Rhythm</a:t>
+            </a:r>
+          </a:p>
+        </p:txBody>
+      </p:sp>
+      <p:sp>
+        <p:nvSpPr>
+          <p:cNvPr id="18" name="TextBox 17">
+            <a:extLst>
+              <a:ext uri="{FF2B5EF4-FFF2-40B4-BE49-F238E27FC236}">
+                <a16:creationId xmlns:a16="http://schemas.microsoft.com/office/drawing/2014/main" id="{4A60B32E-19B6-4E43-9D4D-FBE0B31AF96E}"/>
+              </a:ext>
+            </a:extLst>
+          </p:cNvPr>
+          <p:cNvSpPr txBox="1"/>
+          <p:nvPr/>
+        </p:nvSpPr>
+        <p:spPr>
+          <a:xfrm>
+            <a:off x="8400521" y="5981538"/>
+            <a:ext cx="3379694" cy="307777"/>
+          </a:xfrm>
+          <a:prstGeom prst="rect">
+            <a:avLst/>
+          </a:prstGeom>
+          <a:noFill/>
+        </p:spPr>
+        <p:txBody>
+          <a:bodyPr wrap="square" rtlCol="0">
+            <a:spAutoFit/>
+          </a:bodyPr>
+          <a:lstStyle/>
+          <a:p>
+            <a:r>
+              <a:rPr lang="en-US" sz="1400" dirty="0">
+                <a:solidFill>
+                  <a:schemeClr val="accent3"/>
+                </a:solidFill>
+              </a:rPr>
+              <a:t>UI </a:t>
+            </a:r>
+            <a:r>
+              <a:rPr lang="en-US" sz="1400" dirty="0" err="1">
+                <a:solidFill>
+                  <a:schemeClr val="accent3"/>
+                </a:solidFill>
+              </a:rPr>
+              <a:t>nodemade</a:t>
+            </a:r>
+            <a:r>
+              <a:rPr lang="en-US" sz="1400" dirty="0">
+                <a:solidFill>
+                  <a:schemeClr val="accent3"/>
+                </a:solidFill>
+              </a:rPr>
+              <a:t> in C# - </a:t>
+            </a:r>
+            <a:r>
+              <a:rPr lang="en-US" sz="1400" dirty="0" err="1">
+                <a:solidFill>
+                  <a:schemeClr val="accent3"/>
+                </a:solidFill>
+              </a:rPr>
+              <a:t>archilab</a:t>
+            </a:r>
+            <a:endParaRPr lang="en-US" sz="1400" dirty="0">
+              <a:solidFill>
+                <a:schemeClr val="accent3"/>
+              </a:solidFill>
+            </a:endParaRPr>
           </a:p>
         </p:txBody>
       </p:sp>
     </p:spTree>
     <p:extLst>
       <p:ext uri="{BB962C8B-B14F-4D97-AF65-F5344CB8AC3E}">
-        <p14:creationId xmlns:p14="http://schemas.microsoft.com/office/powerpoint/2010/main" val="3115326222"/>
+        <p14:creationId xmlns:p14="http://schemas.microsoft.com/office/powerpoint/2010/main" val="3651231179"/>
       </p:ext>
     </p:extLst>
   </p:cSld>
@@ -6075,10 +5320,10 @@
       </p:grpSpPr>
       <p:sp>
         <p:nvSpPr>
-          <p:cNvPr id="28" name="Title 27">
-            <a:extLst>
-              <a:ext uri="{FF2B5EF4-FFF2-40B4-BE49-F238E27FC236}">
-                <a16:creationId xmlns:a16="http://schemas.microsoft.com/office/drawing/2014/main" id="{1682ABF7-7AD8-42DB-BD29-CD3C0770434E}"/>
+          <p:cNvPr id="5" name="Title 4">
+            <a:extLst>
+              <a:ext uri="{FF2B5EF4-FFF2-40B4-BE49-F238E27FC236}">
+                <a16:creationId xmlns:a16="http://schemas.microsoft.com/office/drawing/2014/main" id="{AEFD51C8-9C20-4E18-97DB-41075C0138AA}"/>
               </a:ext>
             </a:extLst>
           </p:cNvPr>
@@ -6096,17 +5341,497 @@
           <a:p>
             <a:r>
               <a:rPr lang="en-GB" dirty="0"/>
-              <a:t>Data Visualization</a:t>
-            </a:r>
+              <a:t>Essential Dynamo Packages</a:t>
+            </a:r>
+          </a:p>
+        </p:txBody>
+      </p:sp>
+      <p:sp>
+        <p:nvSpPr>
+          <p:cNvPr id="7" name="Content Placeholder 6">
+            <a:extLst>
+              <a:ext uri="{FF2B5EF4-FFF2-40B4-BE49-F238E27FC236}">
+                <a16:creationId xmlns:a16="http://schemas.microsoft.com/office/drawing/2014/main" id="{3D95DBEF-88DF-4431-85F0-A4F7301082AD}"/>
+              </a:ext>
+            </a:extLst>
+          </p:cNvPr>
+          <p:cNvSpPr>
+            <a:spLocks noGrp="1"/>
+          </p:cNvSpPr>
+          <p:nvPr>
+            <p:ph idx="11"/>
+          </p:nvPr>
+        </p:nvSpPr>
+        <p:spPr>
+          <a:xfrm>
+            <a:off x="334964" y="1268414"/>
+            <a:ext cx="2856472" cy="5040311"/>
+          </a:xfrm>
+        </p:spPr>
+        <p:txBody>
+          <a:bodyPr/>
+          <a:lstStyle/>
+          <a:p>
+            <a:r>
+              <a:rPr lang="en-US" b="1" dirty="0"/>
+              <a:t>Revit Related</a:t>
+            </a:r>
+          </a:p>
+          <a:p>
+            <a:pPr marL="342900" indent="-342900">
+              <a:buFont typeface="Arial" panose="020B0604020202020204" pitchFamily="34" charset="0"/>
+              <a:buChar char="•"/>
+            </a:pPr>
+            <a:r>
+              <a:rPr lang="en-US" dirty="0"/>
+              <a:t>Lunchbox</a:t>
+            </a:r>
+          </a:p>
+          <a:p>
+            <a:pPr marL="342900" indent="-342900">
+              <a:buFont typeface="Arial" panose="020B0604020202020204" pitchFamily="34" charset="0"/>
+              <a:buChar char="•"/>
+            </a:pPr>
+            <a:r>
+              <a:rPr lang="en-US" dirty="0"/>
+              <a:t>Archi-lab.net</a:t>
+            </a:r>
+          </a:p>
+          <a:p>
+            <a:pPr marL="342900" indent="-342900">
+              <a:buFont typeface="Arial" panose="020B0604020202020204" pitchFamily="34" charset="0"/>
+              <a:buChar char="•"/>
+            </a:pPr>
+            <a:r>
+              <a:rPr lang="en-US" dirty="0"/>
+              <a:t>Clockwork</a:t>
+            </a:r>
+          </a:p>
+          <a:p>
+            <a:pPr marL="342900" indent="-342900">
+              <a:buFont typeface="Arial" panose="020B0604020202020204" pitchFamily="34" charset="0"/>
+              <a:buChar char="•"/>
+            </a:pPr>
+            <a:r>
+              <a:rPr lang="en-US" dirty="0" err="1"/>
+              <a:t>Springnodes</a:t>
+            </a:r>
+            <a:endParaRPr lang="en-US" dirty="0"/>
+          </a:p>
+          <a:p>
+            <a:pPr marL="342900" indent="-342900">
+              <a:buFont typeface="Arial" panose="020B0604020202020204" pitchFamily="34" charset="0"/>
+              <a:buChar char="•"/>
+            </a:pPr>
+            <a:r>
+              <a:rPr lang="en-US" dirty="0"/>
+              <a:t>Rhythm</a:t>
+            </a:r>
+          </a:p>
+          <a:p>
+            <a:pPr marL="342900" indent="-342900">
+              <a:buFont typeface="Arial" panose="020B0604020202020204" pitchFamily="34" charset="0"/>
+              <a:buChar char="•"/>
+            </a:pPr>
+            <a:r>
+              <a:rPr lang="en-US" dirty="0" err="1"/>
+              <a:t>Steamnodes</a:t>
+            </a:r>
+            <a:endParaRPr lang="en-US" dirty="0"/>
+          </a:p>
+          <a:p>
+            <a:pPr marL="342900" indent="-342900">
+              <a:buFont typeface="Arial" panose="020B0604020202020204" pitchFamily="34" charset="0"/>
+              <a:buChar char="•"/>
+            </a:pPr>
+            <a:r>
+              <a:rPr lang="en-US" dirty="0"/>
+              <a:t>Data-Shapes</a:t>
+            </a:r>
+          </a:p>
+          <a:p>
+            <a:pPr marL="342900" indent="-342900">
+              <a:buFont typeface="Arial" panose="020B0604020202020204" pitchFamily="34" charset="0"/>
+              <a:buChar char="•"/>
+            </a:pPr>
+            <a:r>
+              <a:rPr lang="en-US" dirty="0" err="1"/>
+              <a:t>Designtech</a:t>
+            </a:r>
+            <a:endParaRPr lang="en-US" dirty="0"/>
+          </a:p>
+          <a:p>
+            <a:pPr marL="342900" indent="-342900">
+              <a:buFont typeface="Arial" panose="020B0604020202020204" pitchFamily="34" charset="0"/>
+              <a:buChar char="•"/>
+            </a:pPr>
+            <a:r>
+              <a:rPr lang="en-US" dirty="0"/>
+              <a:t>Mandrill</a:t>
+            </a:r>
+          </a:p>
+          <a:p>
+            <a:pPr marL="342900" indent="-342900">
+              <a:buFont typeface="Arial" panose="020B0604020202020204" pitchFamily="34" charset="0"/>
+              <a:buChar char="•"/>
+            </a:pPr>
+            <a:r>
+              <a:rPr lang="en-US" dirty="0"/>
+              <a:t>Bumblebee</a:t>
+            </a:r>
+          </a:p>
+          <a:p>
+            <a:pPr lvl="1" indent="0">
+              <a:buNone/>
+            </a:pPr>
+            <a:endParaRPr lang="en-US" dirty="0"/>
+          </a:p>
+        </p:txBody>
+      </p:sp>
+      <p:sp>
+        <p:nvSpPr>
+          <p:cNvPr id="13" name="Content Placeholder 6">
+            <a:extLst>
+              <a:ext uri="{FF2B5EF4-FFF2-40B4-BE49-F238E27FC236}">
+                <a16:creationId xmlns:a16="http://schemas.microsoft.com/office/drawing/2014/main" id="{A60D5974-BDB6-413F-828B-07BD783BB38D}"/>
+              </a:ext>
+            </a:extLst>
+          </p:cNvPr>
+          <p:cNvSpPr txBox="1">
+            <a:spLocks/>
+          </p:cNvSpPr>
+          <p:nvPr/>
+        </p:nvSpPr>
+        <p:spPr>
+          <a:xfrm>
+            <a:off x="3445716" y="1268414"/>
+            <a:ext cx="3107483" cy="5040311"/>
+          </a:xfrm>
+          <a:prstGeom prst="rect">
+            <a:avLst/>
+          </a:prstGeom>
+        </p:spPr>
+        <p:txBody>
+          <a:bodyPr/>
+          <a:lstStyle>
+            <a:lvl1pPr marL="0" indent="0" algn="l" defTabSz="914400" rtl="0" eaLnBrk="1" latinLnBrk="0" hangingPunct="1">
+              <a:lnSpc>
+                <a:spcPct val="90000"/>
+              </a:lnSpc>
+              <a:spcBef>
+                <a:spcPts val="1000"/>
+              </a:spcBef>
+              <a:buFont typeface="Arial" panose="020B0604020202020204" pitchFamily="34" charset="0"/>
+              <a:buNone/>
+              <a:defRPr sz="2000" kern="1200">
+                <a:solidFill>
+                  <a:schemeClr val="tx1"/>
+                </a:solidFill>
+                <a:latin typeface="Segoe UI Light" panose="020B0502040204020203" pitchFamily="34" charset="0"/>
+                <a:ea typeface="+mn-ea"/>
+                <a:cs typeface="+mn-cs"/>
+              </a:defRPr>
+            </a:lvl1pPr>
+            <a:lvl2pPr marL="685800" indent="-228600" algn="l" defTabSz="914400" rtl="0" eaLnBrk="1" latinLnBrk="0" hangingPunct="1">
+              <a:lnSpc>
+                <a:spcPct val="90000"/>
+              </a:lnSpc>
+              <a:spcBef>
+                <a:spcPts val="500"/>
+              </a:spcBef>
+              <a:buFont typeface="Arial" panose="020B0604020202020204" pitchFamily="34" charset="0"/>
+              <a:buChar char="•"/>
+              <a:defRPr sz="1800" kern="1200">
+                <a:solidFill>
+                  <a:schemeClr val="tx1"/>
+                </a:solidFill>
+                <a:latin typeface="Segoe UI Light" panose="020B0502040204020203" pitchFamily="34" charset="0"/>
+                <a:ea typeface="+mn-ea"/>
+                <a:cs typeface="+mn-cs"/>
+              </a:defRPr>
+            </a:lvl2pPr>
+            <a:lvl3pPr marL="1143000" indent="-228600" algn="l" defTabSz="914400" rtl="0" eaLnBrk="1" latinLnBrk="0" hangingPunct="1">
+              <a:lnSpc>
+                <a:spcPct val="90000"/>
+              </a:lnSpc>
+              <a:spcBef>
+                <a:spcPts val="500"/>
+              </a:spcBef>
+              <a:buFont typeface="Arial" panose="020B0604020202020204" pitchFamily="34" charset="0"/>
+              <a:buChar char="•"/>
+              <a:defRPr sz="1600" kern="1200">
+                <a:solidFill>
+                  <a:schemeClr val="tx1"/>
+                </a:solidFill>
+                <a:latin typeface="Segoe UI Light" panose="020B0502040204020203" pitchFamily="34" charset="0"/>
+                <a:ea typeface="+mn-ea"/>
+                <a:cs typeface="+mn-cs"/>
+              </a:defRPr>
+            </a:lvl3pPr>
+            <a:lvl4pPr marL="1600200" indent="-228600" algn="l" defTabSz="914400" rtl="0" eaLnBrk="1" latinLnBrk="0" hangingPunct="1">
+              <a:lnSpc>
+                <a:spcPct val="90000"/>
+              </a:lnSpc>
+              <a:spcBef>
+                <a:spcPts val="500"/>
+              </a:spcBef>
+              <a:buFont typeface="Arial" panose="020B0604020202020204" pitchFamily="34" charset="0"/>
+              <a:buChar char="•"/>
+              <a:defRPr sz="1400" kern="1200">
+                <a:solidFill>
+                  <a:schemeClr val="tx1"/>
+                </a:solidFill>
+                <a:latin typeface="Segoe UI Light" panose="020B0502040204020203" pitchFamily="34" charset="0"/>
+                <a:ea typeface="+mn-ea"/>
+                <a:cs typeface="+mn-cs"/>
+              </a:defRPr>
+            </a:lvl4pPr>
+            <a:lvl5pPr marL="2057400" indent="-228600" algn="l" defTabSz="914400" rtl="0" eaLnBrk="1" latinLnBrk="0" hangingPunct="1">
+              <a:lnSpc>
+                <a:spcPct val="90000"/>
+              </a:lnSpc>
+              <a:spcBef>
+                <a:spcPts val="500"/>
+              </a:spcBef>
+              <a:buFont typeface="Arial" panose="020B0604020202020204" pitchFamily="34" charset="0"/>
+              <a:buChar char="•"/>
+              <a:defRPr sz="1400" kern="1200">
+                <a:solidFill>
+                  <a:schemeClr val="tx1"/>
+                </a:solidFill>
+                <a:latin typeface="Segoe UI Light" panose="020B0502040204020203" pitchFamily="34" charset="0"/>
+                <a:ea typeface="+mn-ea"/>
+                <a:cs typeface="+mn-cs"/>
+              </a:defRPr>
+            </a:lvl5pPr>
+            <a:lvl6pPr marL="2514600" indent="-228600" algn="l" defTabSz="914400" rtl="0" eaLnBrk="1" latinLnBrk="0" hangingPunct="1">
+              <a:lnSpc>
+                <a:spcPct val="90000"/>
+              </a:lnSpc>
+              <a:spcBef>
+                <a:spcPts val="500"/>
+              </a:spcBef>
+              <a:buFont typeface="Arial" panose="020B0604020202020204" pitchFamily="34" charset="0"/>
+              <a:buChar char="•"/>
+              <a:defRPr sz="1800" kern="1200">
+                <a:solidFill>
+                  <a:schemeClr val="tx1"/>
+                </a:solidFill>
+                <a:latin typeface="+mn-lt"/>
+                <a:ea typeface="+mn-ea"/>
+                <a:cs typeface="+mn-cs"/>
+              </a:defRPr>
+            </a:lvl6pPr>
+            <a:lvl7pPr marL="2971800" indent="-228600" algn="l" defTabSz="914400" rtl="0" eaLnBrk="1" latinLnBrk="0" hangingPunct="1">
+              <a:lnSpc>
+                <a:spcPct val="90000"/>
+              </a:lnSpc>
+              <a:spcBef>
+                <a:spcPts val="500"/>
+              </a:spcBef>
+              <a:buFont typeface="Arial" panose="020B0604020202020204" pitchFamily="34" charset="0"/>
+              <a:buChar char="•"/>
+              <a:defRPr sz="1800" kern="1200">
+                <a:solidFill>
+                  <a:schemeClr val="tx1"/>
+                </a:solidFill>
+                <a:latin typeface="+mn-lt"/>
+                <a:ea typeface="+mn-ea"/>
+                <a:cs typeface="+mn-cs"/>
+              </a:defRPr>
+            </a:lvl7pPr>
+            <a:lvl8pPr marL="3429000" indent="-228600" algn="l" defTabSz="914400" rtl="0" eaLnBrk="1" latinLnBrk="0" hangingPunct="1">
+              <a:lnSpc>
+                <a:spcPct val="90000"/>
+              </a:lnSpc>
+              <a:spcBef>
+                <a:spcPts val="500"/>
+              </a:spcBef>
+              <a:buFont typeface="Arial" panose="020B0604020202020204" pitchFamily="34" charset="0"/>
+              <a:buChar char="•"/>
+              <a:defRPr sz="1800" kern="1200">
+                <a:solidFill>
+                  <a:schemeClr val="tx1"/>
+                </a:solidFill>
+                <a:latin typeface="+mn-lt"/>
+                <a:ea typeface="+mn-ea"/>
+                <a:cs typeface="+mn-cs"/>
+              </a:defRPr>
+            </a:lvl8pPr>
+            <a:lvl9pPr marL="3886200" indent="-228600" algn="l" defTabSz="914400" rtl="0" eaLnBrk="1" latinLnBrk="0" hangingPunct="1">
+              <a:lnSpc>
+                <a:spcPct val="90000"/>
+              </a:lnSpc>
+              <a:spcBef>
+                <a:spcPts val="500"/>
+              </a:spcBef>
+              <a:buFont typeface="Arial" panose="020B0604020202020204" pitchFamily="34" charset="0"/>
+              <a:buChar char="•"/>
+              <a:defRPr sz="1800" kern="1200">
+                <a:solidFill>
+                  <a:schemeClr val="tx1"/>
+                </a:solidFill>
+                <a:latin typeface="+mn-lt"/>
+                <a:ea typeface="+mn-ea"/>
+                <a:cs typeface="+mn-cs"/>
+              </a:defRPr>
+            </a:lvl9pPr>
+          </a:lstStyle>
+          <a:p>
+            <a:r>
+              <a:rPr lang="en-US" b="1" dirty="0"/>
+              <a:t>Additional Awesomeness</a:t>
+            </a:r>
+          </a:p>
+          <a:p>
+            <a:pPr marL="342900" indent="-342900">
+              <a:buFont typeface="Arial" panose="020B0604020202020204" pitchFamily="34" charset="0"/>
+              <a:buChar char="•"/>
+            </a:pPr>
+            <a:r>
+              <a:rPr lang="en-US" dirty="0"/>
+              <a:t>Ladybug</a:t>
+            </a:r>
+          </a:p>
+          <a:p>
+            <a:pPr marL="342900" indent="-342900">
+              <a:buFont typeface="Arial" panose="020B0604020202020204" pitchFamily="34" charset="0"/>
+              <a:buChar char="•"/>
+            </a:pPr>
+            <a:r>
+              <a:rPr lang="en-US" dirty="0"/>
+              <a:t>Energy Analysis for Dynamo</a:t>
+            </a:r>
+          </a:p>
+          <a:p>
+            <a:pPr marL="342900" indent="-342900">
+              <a:buFont typeface="Arial" panose="020B0604020202020204" pitchFamily="34" charset="0"/>
+              <a:buChar char="•"/>
+            </a:pPr>
+            <a:r>
+              <a:rPr lang="en-US" dirty="0" err="1"/>
+              <a:t>Dynashape</a:t>
+            </a:r>
+            <a:endParaRPr lang="en-US" dirty="0"/>
+          </a:p>
+          <a:p>
+            <a:pPr marL="342900" indent="-342900">
+              <a:buFont typeface="Arial" panose="020B0604020202020204" pitchFamily="34" charset="0"/>
+              <a:buChar char="•"/>
+            </a:pPr>
+            <a:r>
+              <a:rPr lang="en-US" dirty="0"/>
+              <a:t>Firefly</a:t>
+            </a:r>
+          </a:p>
+          <a:p>
+            <a:pPr marL="342900" indent="-342900">
+              <a:buFont typeface="Arial" panose="020B0604020202020204" pitchFamily="34" charset="0"/>
+              <a:buChar char="•"/>
+            </a:pPr>
+            <a:r>
+              <a:rPr lang="en-US" dirty="0"/>
+              <a:t>Mantis Shrimp</a:t>
+            </a:r>
+          </a:p>
+          <a:p>
+            <a:pPr marL="342900" indent="-342900">
+              <a:buFont typeface="Arial" panose="020B0604020202020204" pitchFamily="34" charset="0"/>
+              <a:buChar char="•"/>
+            </a:pPr>
+            <a:r>
+              <a:rPr lang="en-US" dirty="0" err="1"/>
+              <a:t>Rhynamo</a:t>
+            </a:r>
+            <a:endParaRPr lang="en-US" dirty="0"/>
+          </a:p>
+          <a:p>
+            <a:pPr lvl="1" indent="0">
+              <a:buFont typeface="Arial" panose="020B0604020202020204" pitchFamily="34" charset="0"/>
+              <a:buNone/>
+            </a:pPr>
+            <a:endParaRPr lang="en-US" dirty="0"/>
           </a:p>
         </p:txBody>
       </p:sp>
       <p:pic>
         <p:nvPicPr>
-          <p:cNvPr id="3" name="Graphic 2">
-            <a:extLst>
-              <a:ext uri="{FF2B5EF4-FFF2-40B4-BE49-F238E27FC236}">
-                <a16:creationId xmlns:a16="http://schemas.microsoft.com/office/drawing/2014/main" id="{5E5B4997-1E06-43A9-A0DF-E9A929D3A73C}"/>
+          <p:cNvPr id="3" name="Picture 2">
+            <a:extLst>
+              <a:ext uri="{FF2B5EF4-FFF2-40B4-BE49-F238E27FC236}">
+                <a16:creationId xmlns:a16="http://schemas.microsoft.com/office/drawing/2014/main" id="{F33E0499-30BD-4574-8920-F0B57C841E1F}"/>
+              </a:ext>
+            </a:extLst>
+          </p:cNvPr>
+          <p:cNvPicPr>
+            <a:picLocks noChangeAspect="1"/>
+          </p:cNvPicPr>
+          <p:nvPr/>
+        </p:nvPicPr>
+        <p:blipFill>
+          <a:blip r:embed="rId2" cstate="print">
+            <a:extLst>
+              <a:ext uri="{28A0092B-C50C-407E-A947-70E740481C1C}">
+                <a14:useLocalDpi xmlns:a14="http://schemas.microsoft.com/office/drawing/2010/main" val="0"/>
+              </a:ext>
+            </a:extLst>
+          </a:blip>
+          <a:stretch>
+            <a:fillRect/>
+          </a:stretch>
+        </p:blipFill>
+        <p:spPr>
+          <a:xfrm>
+            <a:off x="6910966" y="1509486"/>
+            <a:ext cx="2178424" cy="937296"/>
+          </a:xfrm>
+          <a:prstGeom prst="rect">
+            <a:avLst/>
+          </a:prstGeom>
+        </p:spPr>
+      </p:pic>
+      <p:pic>
+        <p:nvPicPr>
+          <p:cNvPr id="6" name="Picture 5">
+            <a:extLst>
+              <a:ext uri="{FF2B5EF4-FFF2-40B4-BE49-F238E27FC236}">
+                <a16:creationId xmlns:a16="http://schemas.microsoft.com/office/drawing/2014/main" id="{DB4D057A-DB2B-495A-9312-7FF56A2F9EE4}"/>
+              </a:ext>
+            </a:extLst>
+          </p:cNvPr>
+          <p:cNvPicPr>
+            <a:picLocks noChangeAspect="1"/>
+          </p:cNvPicPr>
+          <p:nvPr/>
+        </p:nvPicPr>
+        <p:blipFill>
+          <a:blip r:embed="rId3" cstate="print">
+            <a:extLst>
+              <a:ext uri="{28A0092B-C50C-407E-A947-70E740481C1C}">
+                <a14:useLocalDpi xmlns:a14="http://schemas.microsoft.com/office/drawing/2010/main" val="0"/>
+              </a:ext>
+            </a:extLst>
+          </a:blip>
+          <a:stretch>
+            <a:fillRect/>
+          </a:stretch>
+        </p:blipFill>
+        <p:spPr>
+          <a:xfrm>
+            <a:off x="6504286" y="2595282"/>
+            <a:ext cx="1810871" cy="976173"/>
+          </a:xfrm>
+          <a:prstGeom prst="rect">
+            <a:avLst/>
+          </a:prstGeom>
+        </p:spPr>
+      </p:pic>
+      <p:pic>
+        <p:nvPicPr>
+          <p:cNvPr id="11" name="Picture 10">
+            <a:extLst>
+              <a:ext uri="{FF2B5EF4-FFF2-40B4-BE49-F238E27FC236}">
+                <a16:creationId xmlns:a16="http://schemas.microsoft.com/office/drawing/2014/main" id="{99EF968B-7180-42C3-8F3B-73924CAE831D}"/>
               </a:ext>
             </a:extLst>
           </p:cNvPr>
@@ -6116,23 +5841,342 @@
           <p:nvPr/>
         </p:nvPicPr>
         <p:blipFill rotWithShape="1">
-          <a:blip r:embed="rId2">
+          <a:blip r:embed="rId4" cstate="print">
             <a:extLst>
               <a:ext uri="{28A0092B-C50C-407E-A947-70E740481C1C}">
                 <a14:useLocalDpi xmlns:a14="http://schemas.microsoft.com/office/drawing/2010/main" val="0"/>
               </a:ext>
-              <a:ext uri="{96DAC541-7B7A-43D3-8B79-37D633B846F1}">
-                <asvg:svgBlip xmlns:asvg="http://schemas.microsoft.com/office/drawing/2016/SVG/main" r:embed="rId3"/>
-              </a:ext>
             </a:extLst>
           </a:blip>
-          <a:srcRect b="17095"/>
+          <a:srcRect l="15057" t="37405" r="18337" b="37158"/>
           <a:stretch/>
         </p:blipFill>
         <p:spPr>
           <a:xfrm>
-            <a:off x="4541130" y="1817664"/>
-            <a:ext cx="3109739" cy="3222672"/>
+            <a:off x="8709605" y="1337508"/>
+            <a:ext cx="2259106" cy="485290"/>
+          </a:xfrm>
+          <a:prstGeom prst="rect">
+            <a:avLst/>
+          </a:prstGeom>
+        </p:spPr>
+      </p:pic>
+      <p:pic>
+        <p:nvPicPr>
+          <p:cNvPr id="20" name="Picture 19">
+            <a:extLst>
+              <a:ext uri="{FF2B5EF4-FFF2-40B4-BE49-F238E27FC236}">
+                <a16:creationId xmlns:a16="http://schemas.microsoft.com/office/drawing/2014/main" id="{81D20754-3E8A-4DC6-979F-BD0D1AB9DA5A}"/>
+              </a:ext>
+            </a:extLst>
+          </p:cNvPr>
+          <p:cNvPicPr>
+            <a:picLocks noChangeAspect="1"/>
+          </p:cNvPicPr>
+          <p:nvPr/>
+        </p:nvPicPr>
+        <p:blipFill rotWithShape="1">
+          <a:blip r:embed="rId5">
+            <a:extLst>
+              <a:ext uri="{28A0092B-C50C-407E-A947-70E740481C1C}">
+                <a14:useLocalDpi xmlns:a14="http://schemas.microsoft.com/office/drawing/2010/main" val="0"/>
+              </a:ext>
+            </a:extLst>
+          </a:blip>
+          <a:srcRect l="5681" t="12315" r="12151" b="14792"/>
+          <a:stretch/>
+        </p:blipFill>
+        <p:spPr>
+          <a:xfrm>
+            <a:off x="6985950" y="3759412"/>
+            <a:ext cx="2512548" cy="806721"/>
+          </a:xfrm>
+          <a:prstGeom prst="rect">
+            <a:avLst/>
+          </a:prstGeom>
+        </p:spPr>
+      </p:pic>
+      <p:pic>
+        <p:nvPicPr>
+          <p:cNvPr id="22" name="Picture 21">
+            <a:extLst>
+              <a:ext uri="{FF2B5EF4-FFF2-40B4-BE49-F238E27FC236}">
+                <a16:creationId xmlns:a16="http://schemas.microsoft.com/office/drawing/2014/main" id="{4DC7432F-451C-41EF-9D52-E17EF2CEF3F7}"/>
+              </a:ext>
+            </a:extLst>
+          </p:cNvPr>
+          <p:cNvPicPr>
+            <a:picLocks noChangeAspect="1"/>
+          </p:cNvPicPr>
+          <p:nvPr/>
+        </p:nvPicPr>
+        <p:blipFill rotWithShape="1">
+          <a:blip r:embed="rId6" cstate="print">
+            <a:extLst>
+              <a:ext uri="{28A0092B-C50C-407E-A947-70E740481C1C}">
+                <a14:useLocalDpi xmlns:a14="http://schemas.microsoft.com/office/drawing/2010/main" val="0"/>
+              </a:ext>
+            </a:extLst>
+          </a:blip>
+          <a:srcRect l="16176" t="46962" r="3750" b="12503"/>
+          <a:stretch/>
+        </p:blipFill>
+        <p:spPr>
+          <a:xfrm>
+            <a:off x="8610990" y="2754231"/>
+            <a:ext cx="2659250" cy="539823"/>
+          </a:xfrm>
+          <a:prstGeom prst="rect">
+            <a:avLst/>
+          </a:prstGeom>
+        </p:spPr>
+      </p:pic>
+      <p:pic>
+        <p:nvPicPr>
+          <p:cNvPr id="24" name="Picture 23">
+            <a:extLst>
+              <a:ext uri="{FF2B5EF4-FFF2-40B4-BE49-F238E27FC236}">
+                <a16:creationId xmlns:a16="http://schemas.microsoft.com/office/drawing/2014/main" id="{D7BEC183-9FE7-4854-AFEE-16CCFA379EEB}"/>
+              </a:ext>
+            </a:extLst>
+          </p:cNvPr>
+          <p:cNvPicPr>
+            <a:picLocks noChangeAspect="1"/>
+          </p:cNvPicPr>
+          <p:nvPr/>
+        </p:nvPicPr>
+        <p:blipFill>
+          <a:blip r:embed="rId7" cstate="print">
+            <a:extLst>
+              <a:ext uri="{28A0092B-C50C-407E-A947-70E740481C1C}">
+                <a14:useLocalDpi xmlns:a14="http://schemas.microsoft.com/office/drawing/2010/main" val="0"/>
+              </a:ext>
+            </a:extLst>
+          </a:blip>
+          <a:stretch>
+            <a:fillRect/>
+          </a:stretch>
+        </p:blipFill>
+        <p:spPr>
+          <a:xfrm>
+            <a:off x="5791199" y="4525814"/>
+            <a:ext cx="2659251" cy="650039"/>
+          </a:xfrm>
+          <a:prstGeom prst="rect">
+            <a:avLst/>
+          </a:prstGeom>
+        </p:spPr>
+      </p:pic>
+      <p:pic>
+        <p:nvPicPr>
+          <p:cNvPr id="26" name="Picture 25">
+            <a:extLst>
+              <a:ext uri="{FF2B5EF4-FFF2-40B4-BE49-F238E27FC236}">
+                <a16:creationId xmlns:a16="http://schemas.microsoft.com/office/drawing/2014/main" id="{04AF52AA-4ACF-4ACF-B86B-EEB82B8CB119}"/>
+              </a:ext>
+            </a:extLst>
+          </p:cNvPr>
+          <p:cNvPicPr>
+            <a:picLocks noChangeAspect="1"/>
+          </p:cNvPicPr>
+          <p:nvPr/>
+        </p:nvPicPr>
+        <p:blipFill>
+          <a:blip r:embed="rId8" cstate="print">
+            <a:extLst>
+              <a:ext uri="{28A0092B-C50C-407E-A947-70E740481C1C}">
+                <a14:useLocalDpi xmlns:a14="http://schemas.microsoft.com/office/drawing/2010/main" val="0"/>
+              </a:ext>
+            </a:extLst>
+          </a:blip>
+          <a:stretch>
+            <a:fillRect/>
+          </a:stretch>
+        </p:blipFill>
+        <p:spPr>
+          <a:xfrm>
+            <a:off x="9660682" y="4313092"/>
+            <a:ext cx="2202872" cy="1995633"/>
+          </a:xfrm>
+          <a:prstGeom prst="rect">
+            <a:avLst/>
+          </a:prstGeom>
+        </p:spPr>
+      </p:pic>
+      <p:pic>
+        <p:nvPicPr>
+          <p:cNvPr id="28" name="Picture 27">
+            <a:extLst>
+              <a:ext uri="{FF2B5EF4-FFF2-40B4-BE49-F238E27FC236}">
+                <a16:creationId xmlns:a16="http://schemas.microsoft.com/office/drawing/2014/main" id="{BCC3DCB4-CC32-4927-8491-708B5AF978E4}"/>
+              </a:ext>
+            </a:extLst>
+          </p:cNvPr>
+          <p:cNvPicPr>
+            <a:picLocks noChangeAspect="1"/>
+          </p:cNvPicPr>
+          <p:nvPr/>
+        </p:nvPicPr>
+        <p:blipFill>
+          <a:blip r:embed="rId9" cstate="print">
+            <a:extLst>
+              <a:ext uri="{28A0092B-C50C-407E-A947-70E740481C1C}">
+                <a14:useLocalDpi xmlns:a14="http://schemas.microsoft.com/office/drawing/2010/main" val="0"/>
+              </a:ext>
+            </a:extLst>
+          </a:blip>
+          <a:stretch>
+            <a:fillRect/>
+          </a:stretch>
+        </p:blipFill>
+        <p:spPr>
+          <a:xfrm>
+            <a:off x="6584968" y="802278"/>
+            <a:ext cx="2178425" cy="466136"/>
+          </a:xfrm>
+          <a:prstGeom prst="rect">
+            <a:avLst/>
+          </a:prstGeom>
+        </p:spPr>
+      </p:pic>
+      <p:pic>
+        <p:nvPicPr>
+          <p:cNvPr id="30" name="Picture 29">
+            <a:extLst>
+              <a:ext uri="{FF2B5EF4-FFF2-40B4-BE49-F238E27FC236}">
+                <a16:creationId xmlns:a16="http://schemas.microsoft.com/office/drawing/2014/main" id="{F66C0B23-5956-4428-A6AE-DB168F8F0FD0}"/>
+              </a:ext>
+            </a:extLst>
+          </p:cNvPr>
+          <p:cNvPicPr>
+            <a:picLocks noChangeAspect="1"/>
+          </p:cNvPicPr>
+          <p:nvPr/>
+        </p:nvPicPr>
+        <p:blipFill>
+          <a:blip r:embed="rId10" cstate="print">
+            <a:extLst>
+              <a:ext uri="{28A0092B-C50C-407E-A947-70E740481C1C}">
+                <a14:useLocalDpi xmlns:a14="http://schemas.microsoft.com/office/drawing/2010/main" val="0"/>
+              </a:ext>
+            </a:extLst>
+          </a:blip>
+          <a:stretch>
+            <a:fillRect/>
+          </a:stretch>
+        </p:blipFill>
+        <p:spPr>
+          <a:xfrm>
+            <a:off x="10649350" y="1522789"/>
+            <a:ext cx="1560579" cy="1560579"/>
+          </a:xfrm>
+          <a:prstGeom prst="rect">
+            <a:avLst/>
+          </a:prstGeom>
+        </p:spPr>
+      </p:pic>
+      <p:pic>
+        <p:nvPicPr>
+          <p:cNvPr id="32" name="Picture 31">
+            <a:extLst>
+              <a:ext uri="{FF2B5EF4-FFF2-40B4-BE49-F238E27FC236}">
+                <a16:creationId xmlns:a16="http://schemas.microsoft.com/office/drawing/2014/main" id="{EC69EA82-4325-4C6A-B615-16B3DF15554C}"/>
+              </a:ext>
+            </a:extLst>
+          </p:cNvPr>
+          <p:cNvPicPr>
+            <a:picLocks noChangeAspect="1"/>
+          </p:cNvPicPr>
+          <p:nvPr/>
+        </p:nvPicPr>
+        <p:blipFill>
+          <a:blip r:embed="rId11" cstate="print">
+            <a:extLst>
+              <a:ext uri="{28A0092B-C50C-407E-A947-70E740481C1C}">
+                <a14:useLocalDpi xmlns:a14="http://schemas.microsoft.com/office/drawing/2010/main" val="0"/>
+              </a:ext>
+            </a:extLst>
+          </a:blip>
+          <a:stretch>
+            <a:fillRect/>
+          </a:stretch>
+        </p:blipFill>
+        <p:spPr>
+          <a:xfrm>
+            <a:off x="9498498" y="3429000"/>
+            <a:ext cx="2061199" cy="1225297"/>
+          </a:xfrm>
+          <a:prstGeom prst="rect">
+            <a:avLst/>
+          </a:prstGeom>
+        </p:spPr>
+      </p:pic>
+      <p:pic>
+        <p:nvPicPr>
+          <p:cNvPr id="34" name="Picture 33">
+            <a:extLst>
+              <a:ext uri="{FF2B5EF4-FFF2-40B4-BE49-F238E27FC236}">
+                <a16:creationId xmlns:a16="http://schemas.microsoft.com/office/drawing/2014/main" id="{2F033CD8-E58D-45B2-9B16-40F41FB57D0C}"/>
+              </a:ext>
+            </a:extLst>
+          </p:cNvPr>
+          <p:cNvPicPr>
+            <a:picLocks noChangeAspect="1"/>
+          </p:cNvPicPr>
+          <p:nvPr/>
+        </p:nvPicPr>
+        <p:blipFill>
+          <a:blip r:embed="rId12" cstate="print">
+            <a:extLst>
+              <a:ext uri="{28A0092B-C50C-407E-A947-70E740481C1C}">
+                <a14:useLocalDpi xmlns:a14="http://schemas.microsoft.com/office/drawing/2010/main" val="0"/>
+              </a:ext>
+            </a:extLst>
+          </a:blip>
+          <a:stretch>
+            <a:fillRect/>
+          </a:stretch>
+        </p:blipFill>
+        <p:spPr>
+          <a:xfrm>
+            <a:off x="9304522" y="392581"/>
+            <a:ext cx="2559032" cy="728045"/>
+          </a:xfrm>
+          <a:prstGeom prst="rect">
+            <a:avLst/>
+          </a:prstGeom>
+        </p:spPr>
+      </p:pic>
+      <p:pic>
+        <p:nvPicPr>
+          <p:cNvPr id="36" name="Picture 35">
+            <a:extLst>
+              <a:ext uri="{FF2B5EF4-FFF2-40B4-BE49-F238E27FC236}">
+                <a16:creationId xmlns:a16="http://schemas.microsoft.com/office/drawing/2014/main" id="{D041C8CA-6E30-46E0-9EF6-02995A6DDD05}"/>
+              </a:ext>
+            </a:extLst>
+          </p:cNvPr>
+          <p:cNvPicPr>
+            <a:picLocks noChangeAspect="1"/>
+          </p:cNvPicPr>
+          <p:nvPr/>
+        </p:nvPicPr>
+        <p:blipFill>
+          <a:blip r:embed="rId13">
+            <a:extLst>
+              <a:ext uri="{28A0092B-C50C-407E-A947-70E740481C1C}">
+                <a14:useLocalDpi xmlns:a14="http://schemas.microsoft.com/office/drawing/2010/main" val="0"/>
+              </a:ext>
+            </a:extLst>
+          </a:blip>
+          <a:stretch>
+            <a:fillRect/>
+          </a:stretch>
+        </p:blipFill>
+        <p:spPr>
+          <a:xfrm>
+            <a:off x="7433569" y="5227565"/>
+            <a:ext cx="2146021" cy="507892"/>
           </a:xfrm>
           <a:prstGeom prst="rect">
             <a:avLst/>
@@ -6142,7 +6186,7 @@
     </p:spTree>
     <p:extLst>
       <p:ext uri="{BB962C8B-B14F-4D97-AF65-F5344CB8AC3E}">
-        <p14:creationId xmlns:p14="http://schemas.microsoft.com/office/powerpoint/2010/main" val="3280868407"/>
+        <p14:creationId xmlns:p14="http://schemas.microsoft.com/office/powerpoint/2010/main" val="3890404603"/>
       </p:ext>
     </p:extLst>
   </p:cSld>
@@ -6259,12 +6303,47 @@
           <a:chExt cx="0" cy="0"/>
         </a:xfrm>
       </p:grpSpPr>
+      <p:pic>
+        <p:nvPicPr>
+          <p:cNvPr id="3" name="Picture Placeholder 2">
+            <a:extLst>
+              <a:ext uri="{FF2B5EF4-FFF2-40B4-BE49-F238E27FC236}">
+                <a16:creationId xmlns:a16="http://schemas.microsoft.com/office/drawing/2014/main" id="{E01C2C07-766B-4CEB-9776-EE07A559F229}"/>
+              </a:ext>
+            </a:extLst>
+          </p:cNvPr>
+          <p:cNvPicPr>
+            <a:picLocks noGrp="1" noChangeAspect="1"/>
+          </p:cNvPicPr>
+          <p:nvPr>
+            <p:ph type="pic" idx="1"/>
+          </p:nvPr>
+        </p:nvPicPr>
+        <p:blipFill>
+          <a:blip r:embed="rId2">
+            <a:extLst>
+              <a:ext uri="{28A0092B-C50C-407E-A947-70E740481C1C}">
+                <a14:useLocalDpi xmlns:a14="http://schemas.microsoft.com/office/drawing/2010/main" val="0"/>
+              </a:ext>
+            </a:extLst>
+          </a:blip>
+          <a:stretch>
+            <a:fillRect/>
+          </a:stretch>
+        </p:blipFill>
+        <p:spPr>
+          <a:xfrm>
+            <a:off x="5374266" y="1089025"/>
+            <a:ext cx="6482771" cy="4873625"/>
+          </a:xfrm>
+        </p:spPr>
+      </p:pic>
       <p:sp>
         <p:nvSpPr>
-          <p:cNvPr id="28" name="Title 27">
-            <a:extLst>
-              <a:ext uri="{FF2B5EF4-FFF2-40B4-BE49-F238E27FC236}">
-                <a16:creationId xmlns:a16="http://schemas.microsoft.com/office/drawing/2014/main" id="{1682ABF7-7AD8-42DB-BD29-CD3C0770434E}"/>
+          <p:cNvPr id="5" name="Title 4">
+            <a:extLst>
+              <a:ext uri="{FF2B5EF4-FFF2-40B4-BE49-F238E27FC236}">
+                <a16:creationId xmlns:a16="http://schemas.microsoft.com/office/drawing/2014/main" id="{AEFD51C8-9C20-4E18-97DB-41075C0138AA}"/>
               </a:ext>
             </a:extLst>
           </p:cNvPr>
@@ -6282,53 +6361,83 @@
           <a:p>
             <a:r>
               <a:rPr lang="en-GB" dirty="0"/>
-              <a:t>Animation Strategies in Dynamo</a:t>
+              <a:t>Building a Custom Lookup Node</a:t>
             </a:r>
           </a:p>
         </p:txBody>
       </p:sp>
-      <p:pic>
-        <p:nvPicPr>
-          <p:cNvPr id="3" name="Graphic 2">
-            <a:extLst>
-              <a:ext uri="{FF2B5EF4-FFF2-40B4-BE49-F238E27FC236}">
-                <a16:creationId xmlns:a16="http://schemas.microsoft.com/office/drawing/2014/main" id="{5E5B4997-1E06-43A9-A0DF-E9A929D3A73C}"/>
-              </a:ext>
-            </a:extLst>
-          </p:cNvPr>
-          <p:cNvPicPr>
-            <a:picLocks noChangeAspect="1"/>
-          </p:cNvPicPr>
-          <p:nvPr/>
-        </p:nvPicPr>
-        <p:blipFill rotWithShape="1">
-          <a:blip r:embed="rId2">
-            <a:extLst>
-              <a:ext uri="{28A0092B-C50C-407E-A947-70E740481C1C}">
-                <a14:useLocalDpi xmlns:a14="http://schemas.microsoft.com/office/drawing/2010/main" val="0"/>
-              </a:ext>
-              <a:ext uri="{96DAC541-7B7A-43D3-8B79-37D633B846F1}">
-                <asvg:svgBlip xmlns:asvg="http://schemas.microsoft.com/office/drawing/2016/SVG/main" r:embed="rId3"/>
-              </a:ext>
-            </a:extLst>
-          </a:blip>
-          <a:srcRect b="24712"/>
-          <a:stretch/>
-        </p:blipFill>
-        <p:spPr>
-          <a:xfrm>
-            <a:off x="4438650" y="1869281"/>
-            <a:ext cx="3314700" cy="3119438"/>
-          </a:xfrm>
-          <a:prstGeom prst="rect">
-            <a:avLst/>
-          </a:prstGeom>
-        </p:spPr>
-      </p:pic>
+      <p:sp>
+        <p:nvSpPr>
+          <p:cNvPr id="7" name="Content Placeholder 6">
+            <a:extLst>
+              <a:ext uri="{FF2B5EF4-FFF2-40B4-BE49-F238E27FC236}">
+                <a16:creationId xmlns:a16="http://schemas.microsoft.com/office/drawing/2014/main" id="{3D95DBEF-88DF-4431-85F0-A4F7301082AD}"/>
+              </a:ext>
+            </a:extLst>
+          </p:cNvPr>
+          <p:cNvSpPr>
+            <a:spLocks noGrp="1"/>
+          </p:cNvSpPr>
+          <p:nvPr>
+            <p:ph idx="11"/>
+          </p:nvPr>
+        </p:nvSpPr>
+        <p:spPr/>
+        <p:txBody>
+          <a:bodyPr/>
+          <a:lstStyle/>
+          <a:p>
+            <a:pPr marL="342900" indent="-342900">
+              <a:buFont typeface="Arial" panose="020B0604020202020204" pitchFamily="34" charset="0"/>
+              <a:buChar char="•"/>
+            </a:pPr>
+            <a:r>
+              <a:rPr lang="en-US" dirty="0"/>
+              <a:t>Retrieve rooms by number</a:t>
+            </a:r>
+          </a:p>
+          <a:p>
+            <a:pPr marL="342900" indent="-342900">
+              <a:buFont typeface="Arial" panose="020B0604020202020204" pitchFamily="34" charset="0"/>
+              <a:buChar char="•"/>
+            </a:pPr>
+            <a:r>
+              <a:rPr lang="en-US" dirty="0"/>
+              <a:t>Bundle as a custom node</a:t>
+            </a:r>
+          </a:p>
+          <a:p>
+            <a:pPr marL="342900" indent="-342900">
+              <a:buFont typeface="Arial" panose="020B0604020202020204" pitchFamily="34" charset="0"/>
+              <a:buChar char="•"/>
+            </a:pPr>
+            <a:r>
+              <a:rPr lang="en-US" dirty="0"/>
+              <a:t>Distribute for reuse</a:t>
+            </a:r>
+          </a:p>
+          <a:p>
+            <a:pPr marL="342900" indent="-342900">
+              <a:buFont typeface="Arial" panose="020B0604020202020204" pitchFamily="34" charset="0"/>
+              <a:buChar char="•"/>
+            </a:pPr>
+            <a:r>
+              <a:rPr lang="en-US" dirty="0"/>
+              <a:t>Using a tool called a dictionary</a:t>
+            </a:r>
+          </a:p>
+          <a:p>
+            <a:pPr lvl="1" indent="0">
+              <a:buNone/>
+            </a:pPr>
+            <a:endParaRPr lang="en-US" dirty="0"/>
+          </a:p>
+        </p:txBody>
+      </p:sp>
     </p:spTree>
     <p:extLst>
       <p:ext uri="{BB962C8B-B14F-4D97-AF65-F5344CB8AC3E}">
-        <p14:creationId xmlns:p14="http://schemas.microsoft.com/office/powerpoint/2010/main" val="3284157429"/>
+        <p14:creationId xmlns:p14="http://schemas.microsoft.com/office/powerpoint/2010/main" val="3115326222"/>
       </p:ext>
     </p:extLst>
   </p:cSld>
@@ -6355,48 +6464,12 @@
           <a:chExt cx="0" cy="0"/>
         </a:xfrm>
       </p:grpSpPr>
-      <p:pic>
-        <p:nvPicPr>
-          <p:cNvPr id="4" name="Picture 3">
-            <a:extLst>
-              <a:ext uri="{FF2B5EF4-FFF2-40B4-BE49-F238E27FC236}">
-                <a16:creationId xmlns:a16="http://schemas.microsoft.com/office/drawing/2014/main" id="{30AB0AC6-DB65-4416-9F92-A43B24019616}"/>
-              </a:ext>
-            </a:extLst>
-          </p:cNvPr>
-          <p:cNvPicPr>
-            <a:picLocks noChangeAspect="1"/>
-          </p:cNvPicPr>
-          <p:nvPr/>
-        </p:nvPicPr>
-        <p:blipFill>
-          <a:blip r:embed="rId2">
-            <a:extLst>
-              <a:ext uri="{28A0092B-C50C-407E-A947-70E740481C1C}">
-                <a14:useLocalDpi xmlns:a14="http://schemas.microsoft.com/office/drawing/2010/main" val="0"/>
-              </a:ext>
-            </a:extLst>
-          </a:blip>
-          <a:stretch>
-            <a:fillRect/>
-          </a:stretch>
-        </p:blipFill>
-        <p:spPr>
-          <a:xfrm>
-            <a:off x="1952158" y="3022655"/>
-            <a:ext cx="9904879" cy="3119098"/>
-          </a:xfrm>
-          <a:prstGeom prst="rect">
-            <a:avLst/>
-          </a:prstGeom>
-        </p:spPr>
-      </p:pic>
       <p:sp>
         <p:nvSpPr>
-          <p:cNvPr id="5" name="Title 4">
-            <a:extLst>
-              <a:ext uri="{FF2B5EF4-FFF2-40B4-BE49-F238E27FC236}">
-                <a16:creationId xmlns:a16="http://schemas.microsoft.com/office/drawing/2014/main" id="{AEFD51C8-9C20-4E18-97DB-41075C0138AA}"/>
+          <p:cNvPr id="28" name="Title 27">
+            <a:extLst>
+              <a:ext uri="{FF2B5EF4-FFF2-40B4-BE49-F238E27FC236}">
+                <a16:creationId xmlns:a16="http://schemas.microsoft.com/office/drawing/2014/main" id="{1682ABF7-7AD8-42DB-BD29-CD3C0770434E}"/>
               </a:ext>
             </a:extLst>
           </p:cNvPr>
@@ -6414,103 +6487,53 @@
           <a:p>
             <a:r>
               <a:rPr lang="en-GB" dirty="0"/>
-              <a:t>Animation Strategies in Dynamo</a:t>
+              <a:t>Data Visualization</a:t>
             </a:r>
           </a:p>
         </p:txBody>
       </p:sp>
-      <p:sp>
-        <p:nvSpPr>
-          <p:cNvPr id="7" name="Content Placeholder 6">
-            <a:extLst>
-              <a:ext uri="{FF2B5EF4-FFF2-40B4-BE49-F238E27FC236}">
-                <a16:creationId xmlns:a16="http://schemas.microsoft.com/office/drawing/2014/main" id="{3D95DBEF-88DF-4431-85F0-A4F7301082AD}"/>
-              </a:ext>
-            </a:extLst>
-          </p:cNvPr>
-          <p:cNvSpPr>
-            <a:spLocks noGrp="1"/>
-          </p:cNvSpPr>
-          <p:nvPr>
-            <p:ph idx="11"/>
-          </p:nvPr>
-        </p:nvSpPr>
+      <p:pic>
+        <p:nvPicPr>
+          <p:cNvPr id="3" name="Graphic 2">
+            <a:extLst>
+              <a:ext uri="{FF2B5EF4-FFF2-40B4-BE49-F238E27FC236}">
+                <a16:creationId xmlns:a16="http://schemas.microsoft.com/office/drawing/2014/main" id="{5E5B4997-1E06-43A9-A0DF-E9A929D3A73C}"/>
+              </a:ext>
+            </a:extLst>
+          </p:cNvPr>
+          <p:cNvPicPr>
+            <a:picLocks noChangeAspect="1"/>
+          </p:cNvPicPr>
+          <p:nvPr/>
+        </p:nvPicPr>
+        <p:blipFill rotWithShape="1">
+          <a:blip r:embed="rId2">
+            <a:extLst>
+              <a:ext uri="{28A0092B-C50C-407E-A947-70E740481C1C}">
+                <a14:useLocalDpi xmlns:a14="http://schemas.microsoft.com/office/drawing/2010/main" val="0"/>
+              </a:ext>
+              <a:ext uri="{96DAC541-7B7A-43D3-8B79-37D633B846F1}">
+                <asvg:svgBlip xmlns:asvg="http://schemas.microsoft.com/office/drawing/2016/SVG/main" r:embed="rId3"/>
+              </a:ext>
+            </a:extLst>
+          </a:blip>
+          <a:srcRect b="17095"/>
+          <a:stretch/>
+        </p:blipFill>
         <p:spPr>
           <a:xfrm>
-            <a:off x="334963" y="1268414"/>
-            <a:ext cx="8692496" cy="5040311"/>
+            <a:off x="4541130" y="1817664"/>
+            <a:ext cx="3109739" cy="3222672"/>
           </a:xfrm>
-          <a:noFill/>
+          <a:prstGeom prst="rect">
+            <a:avLst/>
+          </a:prstGeom>
         </p:spPr>
-        <p:txBody>
-          <a:bodyPr/>
-          <a:lstStyle/>
-          <a:p>
-            <a:pPr marL="342900" indent="-342900">
-              <a:buFont typeface="Arial" panose="020B0604020202020204" pitchFamily="34" charset="0"/>
-              <a:buChar char="•"/>
-            </a:pPr>
-            <a:r>
-              <a:rPr lang="en-GB" dirty="0"/>
-              <a:t>Using </a:t>
-            </a:r>
-            <a:r>
-              <a:rPr lang="en-GB" dirty="0" err="1"/>
-              <a:t>Dynanimator</a:t>
-            </a:r>
-            <a:r>
-              <a:rPr lang="en-GB" dirty="0"/>
-              <a:t> from the Bad Monkeys.</a:t>
-            </a:r>
-          </a:p>
-          <a:p>
-            <a:pPr marL="342900" indent="-342900">
-              <a:buFont typeface="Arial" panose="020B0604020202020204" pitchFamily="34" charset="0"/>
-              <a:buChar char="•"/>
-            </a:pPr>
-            <a:r>
-              <a:rPr lang="en-US" dirty="0"/>
-              <a:t>Using Rhythm, (with inspiration from the Bad Monkeys).</a:t>
-            </a:r>
-            <a:endParaRPr lang="en-GB" dirty="0"/>
-          </a:p>
-          <a:p>
-            <a:pPr marL="342900" indent="-342900">
-              <a:buFont typeface="Arial" panose="020B0604020202020204" pitchFamily="34" charset="0"/>
-              <a:buChar char="•"/>
-            </a:pPr>
-            <a:r>
-              <a:rPr lang="en-US" dirty="0"/>
-              <a:t>Using Firefly for rapid iteration.</a:t>
-            </a:r>
-          </a:p>
-          <a:p>
-            <a:pPr marL="342900" indent="-342900">
-              <a:buFont typeface="Arial" panose="020B0604020202020204" pitchFamily="34" charset="0"/>
-              <a:buChar char="•"/>
-            </a:pPr>
-            <a:r>
-              <a:rPr lang="en-US" dirty="0"/>
-              <a:t>Using current system time to iterate.</a:t>
-            </a:r>
-          </a:p>
-          <a:p>
-            <a:pPr marL="342900" indent="-342900">
-              <a:buFont typeface="Arial" panose="020B0604020202020204" pitchFamily="34" charset="0"/>
-              <a:buChar char="•"/>
-            </a:pPr>
-            <a:r>
-              <a:rPr lang="en-US" dirty="0"/>
-              <a:t>Sliders with filename replacement.</a:t>
-            </a:r>
-            <a:endParaRPr lang="en-GB" dirty="0"/>
-          </a:p>
-        </p:txBody>
-      </p:sp>
+      </p:pic>
     </p:spTree>
     <p:extLst>
       <p:ext uri="{BB962C8B-B14F-4D97-AF65-F5344CB8AC3E}">
-        <p14:creationId xmlns:p14="http://schemas.microsoft.com/office/powerpoint/2010/main" val="1385843327"/>
+        <p14:creationId xmlns:p14="http://schemas.microsoft.com/office/powerpoint/2010/main" val="3280868407"/>
       </p:ext>
     </p:extLst>
   </p:cSld>
@@ -6539,39 +6562,10 @@
       </p:grpSpPr>
       <p:sp>
         <p:nvSpPr>
-          <p:cNvPr id="2" name="Text Placeholder 1">
-            <a:extLst>
-              <a:ext uri="{FF2B5EF4-FFF2-40B4-BE49-F238E27FC236}">
-                <a16:creationId xmlns:a16="http://schemas.microsoft.com/office/drawing/2014/main" id="{28EC5DE0-8646-47FB-AD4E-77F0FF2BD168}"/>
-              </a:ext>
-            </a:extLst>
-          </p:cNvPr>
-          <p:cNvSpPr>
-            <a:spLocks noGrp="1"/>
-          </p:cNvSpPr>
-          <p:nvPr>
-            <p:ph type="body" idx="1"/>
-          </p:nvPr>
-        </p:nvSpPr>
-        <p:spPr/>
-        <p:txBody>
-          <a:bodyPr/>
-          <a:lstStyle/>
-          <a:p>
-            <a:r>
-              <a:rPr lang="en-GB"/>
-              <a:t>Option 1</a:t>
-            </a:r>
-            <a:endParaRPr lang="en-GB" dirty="0"/>
-          </a:p>
-        </p:txBody>
-      </p:sp>
-      <p:sp>
-        <p:nvSpPr>
-          <p:cNvPr id="3" name="Title 2">
-            <a:extLst>
-              <a:ext uri="{FF2B5EF4-FFF2-40B4-BE49-F238E27FC236}">
-                <a16:creationId xmlns:a16="http://schemas.microsoft.com/office/drawing/2014/main" id="{7C21DD62-5C43-447A-9B5F-A83DC095A9A6}"/>
+          <p:cNvPr id="28" name="Title 27">
+            <a:extLst>
+              <a:ext uri="{FF2B5EF4-FFF2-40B4-BE49-F238E27FC236}">
+                <a16:creationId xmlns:a16="http://schemas.microsoft.com/office/drawing/2014/main" id="{1682ABF7-7AD8-42DB-BD29-CD3C0770434E}"/>
               </a:ext>
             </a:extLst>
           </p:cNvPr>
@@ -6588,19 +6582,122 @@
           <a:lstStyle/>
           <a:p>
             <a:r>
-              <a:rPr lang="en-GB"/>
-              <a:t>Chapter 1</a:t>
-            </a:r>
-            <a:endParaRPr lang="en-GB" dirty="0"/>
+              <a:rPr lang="en-GB" dirty="0"/>
+              <a:t>Animation Strategies in Dynamo</a:t>
+            </a:r>
           </a:p>
         </p:txBody>
       </p:sp>
+      <p:pic>
+        <p:nvPicPr>
+          <p:cNvPr id="3" name="Graphic 2">
+            <a:extLst>
+              <a:ext uri="{FF2B5EF4-FFF2-40B4-BE49-F238E27FC236}">
+                <a16:creationId xmlns:a16="http://schemas.microsoft.com/office/drawing/2014/main" id="{5E5B4997-1E06-43A9-A0DF-E9A929D3A73C}"/>
+              </a:ext>
+            </a:extLst>
+          </p:cNvPr>
+          <p:cNvPicPr>
+            <a:picLocks noChangeAspect="1"/>
+          </p:cNvPicPr>
+          <p:nvPr/>
+        </p:nvPicPr>
+        <p:blipFill rotWithShape="1">
+          <a:blip r:embed="rId2">
+            <a:extLst>
+              <a:ext uri="{28A0092B-C50C-407E-A947-70E740481C1C}">
+                <a14:useLocalDpi xmlns:a14="http://schemas.microsoft.com/office/drawing/2010/main" val="0"/>
+              </a:ext>
+              <a:ext uri="{96DAC541-7B7A-43D3-8B79-37D633B846F1}">
+                <asvg:svgBlip xmlns:asvg="http://schemas.microsoft.com/office/drawing/2016/SVG/main" r:embed="rId3"/>
+              </a:ext>
+            </a:extLst>
+          </a:blip>
+          <a:srcRect b="24712"/>
+          <a:stretch/>
+        </p:blipFill>
+        <p:spPr>
+          <a:xfrm>
+            <a:off x="4438650" y="1869281"/>
+            <a:ext cx="3314700" cy="3119438"/>
+          </a:xfrm>
+          <a:prstGeom prst="rect">
+            <a:avLst/>
+          </a:prstGeom>
+        </p:spPr>
+      </p:pic>
+    </p:spTree>
+    <p:extLst>
+      <p:ext uri="{BB962C8B-B14F-4D97-AF65-F5344CB8AC3E}">
+        <p14:creationId xmlns:p14="http://schemas.microsoft.com/office/powerpoint/2010/main" val="3284157429"/>
+      </p:ext>
+    </p:extLst>
+  </p:cSld>
+  <p:clrMapOvr>
+    <a:masterClrMapping/>
+  </p:clrMapOvr>
+</p:sld>
+</file>
+
+<file path=ppt/slides/slide23.xml><?xml version="1.0" encoding="utf-8"?>
+<p:sld xmlns:a="http://schemas.openxmlformats.org/drawingml/2006/main" xmlns:r="http://schemas.openxmlformats.org/officeDocument/2006/relationships" xmlns:p="http://schemas.openxmlformats.org/presentationml/2006/main">
+  <p:cSld>
+    <p:spTree>
+      <p:nvGrpSpPr>
+        <p:cNvPr id="1" name=""/>
+        <p:cNvGrpSpPr/>
+        <p:nvPr/>
+      </p:nvGrpSpPr>
+      <p:grpSpPr>
+        <a:xfrm>
+          <a:off x="0" y="0"/>
+          <a:ext cx="0" cy="0"/>
+          <a:chOff x="0" y="0"/>
+          <a:chExt cx="0" cy="0"/>
+        </a:xfrm>
+      </p:grpSpPr>
+      <p:pic>
+        <p:nvPicPr>
+          <p:cNvPr id="4" name="Picture 3">
+            <a:extLst>
+              <a:ext uri="{FF2B5EF4-FFF2-40B4-BE49-F238E27FC236}">
+                <a16:creationId xmlns:a16="http://schemas.microsoft.com/office/drawing/2014/main" id="{30AB0AC6-DB65-4416-9F92-A43B24019616}"/>
+              </a:ext>
+            </a:extLst>
+          </p:cNvPr>
+          <p:cNvPicPr>
+            <a:picLocks noChangeAspect="1"/>
+          </p:cNvPicPr>
+          <p:nvPr/>
+        </p:nvPicPr>
+        <p:blipFill>
+          <a:blip r:embed="rId2">
+            <a:extLst>
+              <a:ext uri="{28A0092B-C50C-407E-A947-70E740481C1C}">
+                <a14:useLocalDpi xmlns:a14="http://schemas.microsoft.com/office/drawing/2010/main" val="0"/>
+              </a:ext>
+            </a:extLst>
+          </a:blip>
+          <a:stretch>
+            <a:fillRect/>
+          </a:stretch>
+        </p:blipFill>
+        <p:spPr>
+          <a:xfrm>
+            <a:off x="1952158" y="3022655"/>
+            <a:ext cx="9904879" cy="3119098"/>
+          </a:xfrm>
+          <a:prstGeom prst="rect">
+            <a:avLst/>
+          </a:prstGeom>
+        </p:spPr>
+      </p:pic>
       <p:sp>
         <p:nvSpPr>
-          <p:cNvPr id="4" name="Content Placeholder 3">
-            <a:extLst>
-              <a:ext uri="{FF2B5EF4-FFF2-40B4-BE49-F238E27FC236}">
-                <a16:creationId xmlns:a16="http://schemas.microsoft.com/office/drawing/2014/main" id="{7B477E48-7802-4DB7-92B5-12627BAF2EFA}"/>
+          <p:cNvPr id="5" name="Title 4">
+            <a:extLst>
+              <a:ext uri="{FF2B5EF4-FFF2-40B4-BE49-F238E27FC236}">
+                <a16:creationId xmlns:a16="http://schemas.microsoft.com/office/drawing/2014/main" id="{AEFD51C8-9C20-4E18-97DB-41075C0138AA}"/>
               </a:ext>
             </a:extLst>
           </p:cNvPr>
@@ -6608,7 +6705,7 @@
             <a:spLocks noGrp="1"/>
           </p:cNvSpPr>
           <p:nvPr>
-            <p:ph idx="13"/>
+            <p:ph type="title"/>
           </p:nvPr>
         </p:nvSpPr>
         <p:spPr/>
@@ -6617,19 +6714,18 @@
           <a:lstStyle/>
           <a:p>
             <a:r>
-              <a:rPr lang="en-GB"/>
-              <a:t>Opt 1 text goes here</a:t>
-            </a:r>
-            <a:endParaRPr lang="en-GB" dirty="0"/>
+              <a:rPr lang="en-GB" dirty="0"/>
+              <a:t>Animation Strategies in Dynamo</a:t>
+            </a:r>
           </a:p>
         </p:txBody>
       </p:sp>
       <p:sp>
         <p:nvSpPr>
-          <p:cNvPr id="5" name="Content Placeholder 4">
-            <a:extLst>
-              <a:ext uri="{FF2B5EF4-FFF2-40B4-BE49-F238E27FC236}">
-                <a16:creationId xmlns:a16="http://schemas.microsoft.com/office/drawing/2014/main" id="{44621852-B653-4FD0-967B-F084B6CA450B}"/>
+          <p:cNvPr id="7" name="Content Placeholder 6">
+            <a:extLst>
+              <a:ext uri="{FF2B5EF4-FFF2-40B4-BE49-F238E27FC236}">
+                <a16:creationId xmlns:a16="http://schemas.microsoft.com/office/drawing/2014/main" id="{3D95DBEF-88DF-4431-85F0-A4F7301082AD}"/>
               </a:ext>
             </a:extLst>
           </p:cNvPr>
@@ -6637,46 +6733,76 @@
             <a:spLocks noGrp="1"/>
           </p:cNvSpPr>
           <p:nvPr>
-            <p:ph idx="14"/>
+            <p:ph idx="11"/>
           </p:nvPr>
         </p:nvSpPr>
-        <p:spPr/>
+        <p:spPr>
+          <a:xfrm>
+            <a:off x="334963" y="1268414"/>
+            <a:ext cx="8692496" cy="5040311"/>
+          </a:xfrm>
+          <a:noFill/>
+        </p:spPr>
         <p:txBody>
           <a:bodyPr/>
           <a:lstStyle/>
           <a:p>
-            <a:r>
-              <a:rPr lang="en-GB"/>
-              <a:t>Opt 2 text goes here – use this layout for comparisons.</a:t>
+            <a:pPr marL="342900" indent="-342900">
+              <a:buFont typeface="Arial" panose="020B0604020202020204" pitchFamily="34" charset="0"/>
+              <a:buChar char="•"/>
+            </a:pPr>
+            <a:r>
+              <a:rPr lang="en-GB" dirty="0"/>
+              <a:t>Using </a:t>
+            </a:r>
+            <a:r>
+              <a:rPr lang="en-GB" dirty="0" err="1"/>
+              <a:t>Dynanimator</a:t>
+            </a:r>
+            <a:r>
+              <a:rPr lang="en-GB" dirty="0"/>
+              <a:t> from the Bad Monkeys.</a:t>
+            </a:r>
+          </a:p>
+          <a:p>
+            <a:pPr marL="342900" indent="-342900">
+              <a:buFont typeface="Arial" panose="020B0604020202020204" pitchFamily="34" charset="0"/>
+              <a:buChar char="•"/>
+            </a:pPr>
+            <a:r>
+              <a:rPr lang="en-US" dirty="0"/>
+              <a:t>Using Rhythm, (with inspiration from the Bad Monkeys).</a:t>
             </a:r>
             <a:endParaRPr lang="en-GB" dirty="0"/>
           </a:p>
-        </p:txBody>
-      </p:sp>
-      <p:sp>
-        <p:nvSpPr>
-          <p:cNvPr id="6" name="Text Placeholder 5">
-            <a:extLst>
-              <a:ext uri="{FF2B5EF4-FFF2-40B4-BE49-F238E27FC236}">
-                <a16:creationId xmlns:a16="http://schemas.microsoft.com/office/drawing/2014/main" id="{DF6C0B3B-01A2-45A4-92D9-302E22317D6C}"/>
-              </a:ext>
-            </a:extLst>
-          </p:cNvPr>
-          <p:cNvSpPr>
-            <a:spLocks noGrp="1"/>
-          </p:cNvSpPr>
-          <p:nvPr>
-            <p:ph type="body" idx="15"/>
-          </p:nvPr>
-        </p:nvSpPr>
-        <p:spPr/>
-        <p:txBody>
-          <a:bodyPr/>
-          <a:lstStyle/>
-          <a:p>
-            <a:r>
-              <a:rPr lang="en-GB"/>
-              <a:t>Option 2</a:t>
+          <a:p>
+            <a:pPr marL="342900" indent="-342900">
+              <a:buFont typeface="Arial" panose="020B0604020202020204" pitchFamily="34" charset="0"/>
+              <a:buChar char="•"/>
+            </a:pPr>
+            <a:r>
+              <a:rPr lang="en-US" dirty="0"/>
+              <a:t>Using Firefly for rapid iteration.</a:t>
+            </a:r>
+          </a:p>
+          <a:p>
+            <a:pPr marL="342900" indent="-342900">
+              <a:buFont typeface="Arial" panose="020B0604020202020204" pitchFamily="34" charset="0"/>
+              <a:buChar char="•"/>
+            </a:pPr>
+            <a:r>
+              <a:rPr lang="en-US" dirty="0"/>
+              <a:t>Using current system time to iterate.</a:t>
+            </a:r>
+          </a:p>
+          <a:p>
+            <a:pPr marL="342900" indent="-342900">
+              <a:buFont typeface="Arial" panose="020B0604020202020204" pitchFamily="34" charset="0"/>
+              <a:buChar char="•"/>
+            </a:pPr>
+            <a:r>
+              <a:rPr lang="en-US" dirty="0"/>
+              <a:t>Sliders with filename replacement.</a:t>
             </a:r>
             <a:endParaRPr lang="en-GB" dirty="0"/>
           </a:p>
@@ -6685,7 +6811,7 @@
     </p:spTree>
     <p:extLst>
       <p:ext uri="{BB962C8B-B14F-4D97-AF65-F5344CB8AC3E}">
-        <p14:creationId xmlns:p14="http://schemas.microsoft.com/office/powerpoint/2010/main" val="976964816"/>
+        <p14:creationId xmlns:p14="http://schemas.microsoft.com/office/powerpoint/2010/main" val="1385843327"/>
       </p:ext>
     </p:extLst>
   </p:cSld>
@@ -7098,10 +7224,38 @@
       </p:grpSpPr>
       <p:sp>
         <p:nvSpPr>
-          <p:cNvPr id="28" name="Title 27">
-            <a:extLst>
-              <a:ext uri="{FF2B5EF4-FFF2-40B4-BE49-F238E27FC236}">
-                <a16:creationId xmlns:a16="http://schemas.microsoft.com/office/drawing/2014/main" id="{1682ABF7-7AD8-42DB-BD29-CD3C0770434E}"/>
+          <p:cNvPr id="2" name="Text Placeholder 1">
+            <a:extLst>
+              <a:ext uri="{FF2B5EF4-FFF2-40B4-BE49-F238E27FC236}">
+                <a16:creationId xmlns:a16="http://schemas.microsoft.com/office/drawing/2014/main" id="{28EC5DE0-8646-47FB-AD4E-77F0FF2BD168}"/>
+              </a:ext>
+            </a:extLst>
+          </p:cNvPr>
+          <p:cNvSpPr>
+            <a:spLocks noGrp="1"/>
+          </p:cNvSpPr>
+          <p:nvPr>
+            <p:ph type="body" idx="1"/>
+          </p:nvPr>
+        </p:nvSpPr>
+        <p:spPr/>
+        <p:txBody>
+          <a:bodyPr/>
+          <a:lstStyle/>
+          <a:p>
+            <a:r>
+              <a:rPr lang="en-GB" dirty="0"/>
+              <a:t>John Pierson </a:t>
+            </a:r>
+          </a:p>
+        </p:txBody>
+      </p:sp>
+      <p:sp>
+        <p:nvSpPr>
+          <p:cNvPr id="3" name="Title 2">
+            <a:extLst>
+              <a:ext uri="{FF2B5EF4-FFF2-40B4-BE49-F238E27FC236}">
+                <a16:creationId xmlns:a16="http://schemas.microsoft.com/office/drawing/2014/main" id="{7C21DD62-5C43-447A-9B5F-A83DC095A9A6}"/>
               </a:ext>
             </a:extLst>
           </p:cNvPr>
@@ -7119,17 +7273,124 @@
           <a:p>
             <a:r>
               <a:rPr lang="en-GB" dirty="0"/>
-              <a:t>What is an intermediate/advanced Dynamo user?</a:t>
+              <a:t>Your Presenters for Today</a:t>
+            </a:r>
+          </a:p>
+        </p:txBody>
+      </p:sp>
+      <p:sp>
+        <p:nvSpPr>
+          <p:cNvPr id="4" name="Content Placeholder 3">
+            <a:extLst>
+              <a:ext uri="{FF2B5EF4-FFF2-40B4-BE49-F238E27FC236}">
+                <a16:creationId xmlns:a16="http://schemas.microsoft.com/office/drawing/2014/main" id="{7B477E48-7802-4DB7-92B5-12627BAF2EFA}"/>
+              </a:ext>
+            </a:extLst>
+          </p:cNvPr>
+          <p:cNvSpPr>
+            <a:spLocks noGrp="1"/>
+          </p:cNvSpPr>
+          <p:nvPr>
+            <p:ph idx="13"/>
+          </p:nvPr>
+        </p:nvSpPr>
+        <p:spPr/>
+        <p:txBody>
+          <a:bodyPr/>
+          <a:lstStyle/>
+          <a:p>
+            <a:r>
+              <a:rPr lang="en-GB" dirty="0"/>
+              <a:t>@60secondrevit</a:t>
+            </a:r>
+          </a:p>
+          <a:p>
+            <a:r>
+              <a:rPr lang="en-GB" dirty="0"/>
+              <a:t>sixtysecondrevit.com</a:t>
+            </a:r>
+          </a:p>
+          <a:p>
+            <a:r>
+              <a:rPr lang="en-GB" dirty="0"/>
+              <a:t>parallaxteam.com</a:t>
+            </a:r>
+          </a:p>
+        </p:txBody>
+      </p:sp>
+      <p:sp>
+        <p:nvSpPr>
+          <p:cNvPr id="5" name="Content Placeholder 4">
+            <a:extLst>
+              <a:ext uri="{FF2B5EF4-FFF2-40B4-BE49-F238E27FC236}">
+                <a16:creationId xmlns:a16="http://schemas.microsoft.com/office/drawing/2014/main" id="{44621852-B653-4FD0-967B-F084B6CA450B}"/>
+              </a:ext>
+            </a:extLst>
+          </p:cNvPr>
+          <p:cNvSpPr>
+            <a:spLocks noGrp="1"/>
+          </p:cNvSpPr>
+          <p:nvPr>
+            <p:ph idx="14"/>
+          </p:nvPr>
+        </p:nvSpPr>
+        <p:spPr/>
+        <p:txBody>
+          <a:bodyPr/>
+          <a:lstStyle/>
+          <a:p>
+            <a:r>
+              <a:rPr lang="en-GB" dirty="0"/>
+              <a:t>@</a:t>
+            </a:r>
+            <a:r>
+              <a:rPr lang="en-GB" dirty="0" err="1"/>
+              <a:t>ThatBIMthing</a:t>
+            </a:r>
+            <a:endParaRPr lang="en-GB" dirty="0"/>
+          </a:p>
+          <a:p>
+            <a:r>
+              <a:rPr lang="en-GB" dirty="0"/>
+              <a:t>http://www.southbim.com/</a:t>
+            </a:r>
+          </a:p>
+        </p:txBody>
+      </p:sp>
+      <p:sp>
+        <p:nvSpPr>
+          <p:cNvPr id="6" name="Text Placeholder 5">
+            <a:extLst>
+              <a:ext uri="{FF2B5EF4-FFF2-40B4-BE49-F238E27FC236}">
+                <a16:creationId xmlns:a16="http://schemas.microsoft.com/office/drawing/2014/main" id="{DF6C0B3B-01A2-45A4-92D9-302E22317D6C}"/>
+              </a:ext>
+            </a:extLst>
+          </p:cNvPr>
+          <p:cNvSpPr>
+            <a:spLocks noGrp="1"/>
+          </p:cNvSpPr>
+          <p:nvPr>
+            <p:ph type="body" idx="15"/>
+          </p:nvPr>
+        </p:nvSpPr>
+        <p:spPr/>
+        <p:txBody>
+          <a:bodyPr/>
+          <a:lstStyle/>
+          <a:p>
+            <a:r>
+              <a:rPr lang="en-GB" dirty="0"/>
+              <a:t>Mike Turpin</a:t>
             </a:r>
           </a:p>
         </p:txBody>
       </p:sp>
       <p:pic>
         <p:nvPicPr>
-          <p:cNvPr id="7" name="Graphic 6">
-            <a:extLst>
-              <a:ext uri="{FF2B5EF4-FFF2-40B4-BE49-F238E27FC236}">
-                <a16:creationId xmlns:a16="http://schemas.microsoft.com/office/drawing/2014/main" id="{28A64C83-396E-4111-8AE0-4448E9BB2718}"/>
+          <p:cNvPr id="8" name="Picture 7">
+            <a:extLst>
+              <a:ext uri="{FF2B5EF4-FFF2-40B4-BE49-F238E27FC236}">
+                <a16:creationId xmlns:a16="http://schemas.microsoft.com/office/drawing/2014/main" id="{431884DF-1451-4813-964B-7917F5B8DF9E}"/>
               </a:ext>
             </a:extLst>
           </p:cNvPr>
@@ -7152,18 +7413,85 @@
         </p:blipFill>
         <p:spPr>
           <a:xfrm>
-            <a:off x="2998629" y="1787394"/>
-            <a:ext cx="6194742" cy="3283212"/>
+            <a:off x="6244356" y="3370449"/>
+            <a:ext cx="1648946" cy="1648946"/>
           </a:xfrm>
-          <a:prstGeom prst="rect">
+          <a:prstGeom prst="ellipse">
             <a:avLst/>
           </a:prstGeom>
+          <a:ln w="63500" cap="rnd">
+            <a:noFill/>
+          </a:ln>
+          <a:effectLst/>
+          <a:scene3d>
+            <a:camera prst="orthographicFront"/>
+            <a:lightRig rig="contrasting" dir="t">
+              <a:rot lat="0" lon="0" rev="3000000"/>
+            </a:lightRig>
+          </a:scene3d>
+          <a:sp3d contourW="7620">
+            <a:bevelT w="95250" h="31750"/>
+            <a:contourClr>
+              <a:srgbClr val="333333"/>
+            </a:contourClr>
+          </a:sp3d>
+        </p:spPr>
+      </p:pic>
+      <p:pic>
+        <p:nvPicPr>
+          <p:cNvPr id="10" name="Picture 9">
+            <a:extLst>
+              <a:ext uri="{FF2B5EF4-FFF2-40B4-BE49-F238E27FC236}">
+                <a16:creationId xmlns:a16="http://schemas.microsoft.com/office/drawing/2014/main" id="{7D278D7F-7234-46C7-8E2F-3C151CE8D70E}"/>
+              </a:ext>
+            </a:extLst>
+          </p:cNvPr>
+          <p:cNvPicPr>
+            <a:picLocks noChangeAspect="1"/>
+          </p:cNvPicPr>
+          <p:nvPr/>
+        </p:nvPicPr>
+        <p:blipFill rotWithShape="1">
+          <a:blip r:embed="rId3">
+            <a:extLst>
+              <a:ext uri="{28A0092B-C50C-407E-A947-70E740481C1C}">
+                <a14:useLocalDpi xmlns:a14="http://schemas.microsoft.com/office/drawing/2010/main" val="0"/>
+              </a:ext>
+            </a:extLst>
+          </a:blip>
+          <a:srcRect l="27551" t="31539" r="6802"/>
+          <a:stretch/>
+        </p:blipFill>
+        <p:spPr>
+          <a:xfrm>
+            <a:off x="334961" y="3370449"/>
+            <a:ext cx="1581161" cy="1648946"/>
+          </a:xfrm>
+          <a:prstGeom prst="ellipse">
+            <a:avLst/>
+          </a:prstGeom>
+          <a:ln w="63500" cap="rnd">
+            <a:noFill/>
+          </a:ln>
+          <a:effectLst/>
+          <a:scene3d>
+            <a:camera prst="orthographicFront"/>
+            <a:lightRig rig="contrasting" dir="t">
+              <a:rot lat="0" lon="0" rev="3000000"/>
+            </a:lightRig>
+          </a:scene3d>
+          <a:sp3d contourW="7620">
+            <a:bevelT w="95250" h="31750"/>
+            <a:contourClr>
+              <a:srgbClr val="333333"/>
+            </a:contourClr>
+          </a:sp3d>
         </p:spPr>
       </p:pic>
     </p:spTree>
     <p:extLst>
       <p:ext uri="{BB962C8B-B14F-4D97-AF65-F5344CB8AC3E}">
-        <p14:creationId xmlns:p14="http://schemas.microsoft.com/office/powerpoint/2010/main" val="1112322478"/>
+        <p14:creationId xmlns:p14="http://schemas.microsoft.com/office/powerpoint/2010/main" val="976964816"/>
       </p:ext>
     </p:extLst>
   </p:cSld>
@@ -7192,38 +7520,10 @@
       </p:grpSpPr>
       <p:sp>
         <p:nvSpPr>
-          <p:cNvPr id="2" name="Text Placeholder 1">
-            <a:extLst>
-              <a:ext uri="{FF2B5EF4-FFF2-40B4-BE49-F238E27FC236}">
-                <a16:creationId xmlns:a16="http://schemas.microsoft.com/office/drawing/2014/main" id="{28EC5DE0-8646-47FB-AD4E-77F0FF2BD168}"/>
-              </a:ext>
-            </a:extLst>
-          </p:cNvPr>
-          <p:cNvSpPr>
-            <a:spLocks noGrp="1"/>
-          </p:cNvSpPr>
-          <p:nvPr>
-            <p:ph type="body" idx="1"/>
-          </p:nvPr>
-        </p:nvSpPr>
-        <p:spPr/>
-        <p:txBody>
-          <a:bodyPr/>
-          <a:lstStyle/>
-          <a:p>
-            <a:r>
-              <a:rPr lang="en-GB" dirty="0"/>
-              <a:t>Intermediate</a:t>
-            </a:r>
-          </a:p>
-        </p:txBody>
-      </p:sp>
-      <p:sp>
-        <p:nvSpPr>
-          <p:cNvPr id="3" name="Title 2">
-            <a:extLst>
-              <a:ext uri="{FF2B5EF4-FFF2-40B4-BE49-F238E27FC236}">
-                <a16:creationId xmlns:a16="http://schemas.microsoft.com/office/drawing/2014/main" id="{7C21DD62-5C43-447A-9B5F-A83DC095A9A6}"/>
+          <p:cNvPr id="28" name="Title 27">
+            <a:extLst>
+              <a:ext uri="{FF2B5EF4-FFF2-40B4-BE49-F238E27FC236}">
+                <a16:creationId xmlns:a16="http://schemas.microsoft.com/office/drawing/2014/main" id="{1682ABF7-7AD8-42DB-BD29-CD3C0770434E}"/>
               </a:ext>
             </a:extLst>
           </p:cNvPr>
@@ -7246,209 +7546,46 @@
           </a:p>
         </p:txBody>
       </p:sp>
-      <p:sp>
-        <p:nvSpPr>
-          <p:cNvPr id="4" name="Content Placeholder 3">
-            <a:extLst>
-              <a:ext uri="{FF2B5EF4-FFF2-40B4-BE49-F238E27FC236}">
-                <a16:creationId xmlns:a16="http://schemas.microsoft.com/office/drawing/2014/main" id="{7B477E48-7802-4DB7-92B5-12627BAF2EFA}"/>
-              </a:ext>
-            </a:extLst>
-          </p:cNvPr>
-          <p:cNvSpPr>
-            <a:spLocks noGrp="1"/>
-          </p:cNvSpPr>
-          <p:nvPr>
-            <p:ph idx="13"/>
-          </p:nvPr>
-        </p:nvSpPr>
-        <p:spPr/>
-        <p:txBody>
-          <a:bodyPr/>
-          <a:lstStyle/>
-          <a:p>
-            <a:pPr marL="342900" indent="-342900">
-              <a:buFont typeface="Arial" panose="020B0604020202020204" pitchFamily="34" charset="0"/>
-              <a:buChar char="•"/>
-            </a:pPr>
-            <a:r>
-              <a:rPr lang="en-GB" dirty="0"/>
-              <a:t>Have built a few working graphs and used on more than one project.</a:t>
-            </a:r>
-          </a:p>
-          <a:p>
-            <a:pPr marL="342900" indent="-342900">
-              <a:buFont typeface="Arial" panose="020B0604020202020204" pitchFamily="34" charset="0"/>
-              <a:buChar char="•"/>
-            </a:pPr>
-            <a:r>
-              <a:rPr lang="en-GB" dirty="0"/>
-              <a:t>Awareness of custom packages available.</a:t>
-            </a:r>
-          </a:p>
-          <a:p>
-            <a:pPr marL="342900" indent="-342900">
-              <a:buFont typeface="Arial" panose="020B0604020202020204" pitchFamily="34" charset="0"/>
-              <a:buChar char="•"/>
-            </a:pPr>
-            <a:r>
-              <a:rPr lang="en-GB" dirty="0"/>
-              <a:t>Conscious of annotating their graphs.</a:t>
-            </a:r>
-          </a:p>
-          <a:p>
-            <a:pPr marL="342900" indent="-342900">
-              <a:buFont typeface="Arial" panose="020B0604020202020204" pitchFamily="34" charset="0"/>
-              <a:buChar char="•"/>
-            </a:pPr>
-            <a:r>
-              <a:rPr lang="en-GB" dirty="0"/>
-              <a:t>Starting to get over the “I don’t do geometry in Dynamo” phase.</a:t>
-            </a:r>
-          </a:p>
-          <a:p>
-            <a:pPr marL="342900" indent="-342900">
-              <a:buFont typeface="Arial" panose="020B0604020202020204" pitchFamily="34" charset="0"/>
-              <a:buChar char="•"/>
-            </a:pPr>
-            <a:r>
-              <a:rPr lang="en-GB" dirty="0"/>
-              <a:t>Annotates their code!</a:t>
-            </a:r>
-          </a:p>
-          <a:p>
-            <a:pPr marL="342900" indent="-342900">
-              <a:buFont typeface="Arial" panose="020B0604020202020204" pitchFamily="34" charset="0"/>
-              <a:buChar char="•"/>
-            </a:pPr>
-            <a:r>
-              <a:rPr lang="en-GB" dirty="0"/>
-              <a:t>Other thoughts?</a:t>
-            </a:r>
-          </a:p>
-          <a:p>
-            <a:pPr marL="342900" indent="-342900">
-              <a:buFont typeface="Arial" panose="020B0604020202020204" pitchFamily="34" charset="0"/>
-              <a:buChar char="•"/>
-            </a:pPr>
-            <a:endParaRPr lang="en-GB" dirty="0"/>
-          </a:p>
-        </p:txBody>
-      </p:sp>
-      <p:sp>
-        <p:nvSpPr>
-          <p:cNvPr id="5" name="Content Placeholder 4">
-            <a:extLst>
-              <a:ext uri="{FF2B5EF4-FFF2-40B4-BE49-F238E27FC236}">
-                <a16:creationId xmlns:a16="http://schemas.microsoft.com/office/drawing/2014/main" id="{44621852-B653-4FD0-967B-F084B6CA450B}"/>
-              </a:ext>
-            </a:extLst>
-          </p:cNvPr>
-          <p:cNvSpPr>
-            <a:spLocks noGrp="1"/>
-          </p:cNvSpPr>
-          <p:nvPr>
-            <p:ph idx="14"/>
-          </p:nvPr>
-        </p:nvSpPr>
-        <p:spPr/>
-        <p:txBody>
-          <a:bodyPr/>
-          <a:lstStyle/>
-          <a:p>
-            <a:pPr marL="342900" indent="-342900">
-              <a:buFont typeface="Arial" panose="020B0604020202020204" pitchFamily="34" charset="0"/>
-              <a:buChar char="•"/>
-            </a:pPr>
-            <a:r>
-              <a:rPr lang="en-GB" dirty="0"/>
-              <a:t>Have made many working graphs .</a:t>
-            </a:r>
-          </a:p>
-          <a:p>
-            <a:pPr marL="342900" indent="-342900">
-              <a:buFont typeface="Arial" panose="020B0604020202020204" pitchFamily="34" charset="0"/>
-              <a:buChar char="•"/>
-            </a:pPr>
-            <a:r>
-              <a:rPr lang="en-GB" dirty="0"/>
-              <a:t>May have dabbled in Python, (or at least aware that it exists).</a:t>
-            </a:r>
-          </a:p>
-          <a:p>
-            <a:pPr marL="342900" indent="-342900">
-              <a:buFont typeface="Arial" panose="020B0604020202020204" pitchFamily="34" charset="0"/>
-              <a:buChar char="•"/>
-            </a:pPr>
-            <a:r>
-              <a:rPr lang="en-GB" dirty="0"/>
-              <a:t>Successfully deployed graphs firmwide.</a:t>
-            </a:r>
-          </a:p>
-          <a:p>
-            <a:pPr marL="342900" indent="-342900">
-              <a:buFont typeface="Arial" panose="020B0604020202020204" pitchFamily="34" charset="0"/>
-              <a:buChar char="•"/>
-            </a:pPr>
-            <a:r>
-              <a:rPr lang="en-GB" dirty="0"/>
-              <a:t>Considered the “Dynamo Champion” of an office.</a:t>
-            </a:r>
-          </a:p>
-          <a:p>
-            <a:pPr marL="342900" indent="-342900">
-              <a:buFont typeface="Arial" panose="020B0604020202020204" pitchFamily="34" charset="0"/>
-              <a:buChar char="•"/>
-            </a:pPr>
-            <a:r>
-              <a:rPr lang="en-GB" dirty="0"/>
-              <a:t>Annotating code is second nature.</a:t>
-            </a:r>
-          </a:p>
-          <a:p>
-            <a:pPr marL="342900" indent="-342900">
-              <a:buFont typeface="Arial" panose="020B0604020202020204" pitchFamily="34" charset="0"/>
-              <a:buChar char="•"/>
-            </a:pPr>
-            <a:r>
-              <a:rPr lang="en-GB" dirty="0"/>
-              <a:t>Other thoughts?</a:t>
-            </a:r>
-          </a:p>
-        </p:txBody>
-      </p:sp>
-      <p:sp>
-        <p:nvSpPr>
-          <p:cNvPr id="6" name="Text Placeholder 5">
-            <a:extLst>
-              <a:ext uri="{FF2B5EF4-FFF2-40B4-BE49-F238E27FC236}">
-                <a16:creationId xmlns:a16="http://schemas.microsoft.com/office/drawing/2014/main" id="{DF6C0B3B-01A2-45A4-92D9-302E22317D6C}"/>
-              </a:ext>
-            </a:extLst>
-          </p:cNvPr>
-          <p:cNvSpPr>
-            <a:spLocks noGrp="1"/>
-          </p:cNvSpPr>
-          <p:nvPr>
-            <p:ph type="body" idx="15"/>
-          </p:nvPr>
-        </p:nvSpPr>
-        <p:spPr/>
-        <p:txBody>
-          <a:bodyPr/>
-          <a:lstStyle/>
-          <a:p>
-            <a:r>
-              <a:rPr lang="en-GB" dirty="0"/>
-              <a:t>Advanced</a:t>
-            </a:r>
-          </a:p>
-        </p:txBody>
-      </p:sp>
+      <p:pic>
+        <p:nvPicPr>
+          <p:cNvPr id="7" name="Graphic 6">
+            <a:extLst>
+              <a:ext uri="{FF2B5EF4-FFF2-40B4-BE49-F238E27FC236}">
+                <a16:creationId xmlns:a16="http://schemas.microsoft.com/office/drawing/2014/main" id="{28A64C83-396E-4111-8AE0-4448E9BB2718}"/>
+              </a:ext>
+            </a:extLst>
+          </p:cNvPr>
+          <p:cNvPicPr>
+            <a:picLocks noChangeAspect="1"/>
+          </p:cNvPicPr>
+          <p:nvPr/>
+        </p:nvPicPr>
+        <p:blipFill>
+          <a:blip r:embed="rId2">
+            <a:extLst>
+              <a:ext uri="{28A0092B-C50C-407E-A947-70E740481C1C}">
+                <a14:useLocalDpi xmlns:a14="http://schemas.microsoft.com/office/drawing/2010/main" val="0"/>
+              </a:ext>
+            </a:extLst>
+          </a:blip>
+          <a:stretch>
+            <a:fillRect/>
+          </a:stretch>
+        </p:blipFill>
+        <p:spPr>
+          <a:xfrm>
+            <a:off x="2998629" y="1787394"/>
+            <a:ext cx="6194742" cy="3283212"/>
+          </a:xfrm>
+          <a:prstGeom prst="rect">
+            <a:avLst/>
+          </a:prstGeom>
+        </p:spPr>
+      </p:pic>
     </p:spTree>
     <p:extLst>
       <p:ext uri="{BB962C8B-B14F-4D97-AF65-F5344CB8AC3E}">
-        <p14:creationId xmlns:p14="http://schemas.microsoft.com/office/powerpoint/2010/main" val="3875293154"/>
+        <p14:creationId xmlns:p14="http://schemas.microsoft.com/office/powerpoint/2010/main" val="1112322478"/>
       </p:ext>
     </p:extLst>
   </p:cSld>
@@ -7491,24 +7628,37 @@
             <p:ph type="title"/>
           </p:nvPr>
         </p:nvSpPr>
-        <p:spPr/>
+        <p:spPr>
+          <a:xfrm>
+            <a:off x="334963" y="368301"/>
+            <a:ext cx="11522075" cy="1594970"/>
+          </a:xfrm>
+        </p:spPr>
         <p:txBody>
           <a:bodyPr/>
           <a:lstStyle/>
           <a:p>
             <a:r>
               <a:rPr lang="en-GB" dirty="0"/>
-              <a:t>Getting Crazy with Dynamo Player</a:t>
+              <a:t>Can Dynamo do [</a:t>
+            </a:r>
+            <a:r>
+              <a:rPr lang="en-GB" u="sng" dirty="0"/>
+              <a:t>fill in the blank</a:t>
+            </a:r>
+            <a:r>
+              <a:rPr lang="en-GB" dirty="0"/>
+              <a:t>]?</a:t>
             </a:r>
           </a:p>
         </p:txBody>
       </p:sp>
       <p:pic>
         <p:nvPicPr>
-          <p:cNvPr id="7" name="Graphic 6">
-            <a:extLst>
-              <a:ext uri="{FF2B5EF4-FFF2-40B4-BE49-F238E27FC236}">
-                <a16:creationId xmlns:a16="http://schemas.microsoft.com/office/drawing/2014/main" id="{28A64C83-396E-4111-8AE0-4448E9BB2718}"/>
+          <p:cNvPr id="3" name="Graphic 2">
+            <a:extLst>
+              <a:ext uri="{FF2B5EF4-FFF2-40B4-BE49-F238E27FC236}">
+                <a16:creationId xmlns:a16="http://schemas.microsoft.com/office/drawing/2014/main" id="{5E5B4997-1E06-43A9-A0DF-E9A929D3A73C}"/>
               </a:ext>
             </a:extLst>
           </p:cNvPr>
@@ -7528,13 +7678,13 @@
               </a:ext>
             </a:extLst>
           </a:blip>
-          <a:srcRect b="26591"/>
+          <a:srcRect b="26922"/>
           <a:stretch/>
         </p:blipFill>
         <p:spPr>
           <a:xfrm>
-            <a:off x="3664743" y="1198051"/>
-            <a:ext cx="4862513" cy="4461898"/>
+            <a:off x="4102403" y="1607891"/>
+            <a:ext cx="3987193" cy="3642218"/>
           </a:xfrm>
           <a:prstGeom prst="rect">
             <a:avLst/>
@@ -7544,7 +7694,7 @@
     </p:spTree>
     <p:extLst>
       <p:ext uri="{BB962C8B-B14F-4D97-AF65-F5344CB8AC3E}">
-        <p14:creationId xmlns:p14="http://schemas.microsoft.com/office/powerpoint/2010/main" val="2999679450"/>
+        <p14:creationId xmlns:p14="http://schemas.microsoft.com/office/powerpoint/2010/main" val="2062848142"/>
       </p:ext>
     </p:extLst>
   </p:cSld>
@@ -7571,47 +7721,40 @@
           <a:chExt cx="0" cy="0"/>
         </a:xfrm>
       </p:grpSpPr>
-      <p:pic>
-        <p:nvPicPr>
-          <p:cNvPr id="3" name="Picture Placeholder 2">
-            <a:extLst>
-              <a:ext uri="{FF2B5EF4-FFF2-40B4-BE49-F238E27FC236}">
-                <a16:creationId xmlns:a16="http://schemas.microsoft.com/office/drawing/2014/main" id="{E01C2C07-766B-4CEB-9776-EE07A559F229}"/>
-              </a:ext>
-            </a:extLst>
-          </p:cNvPr>
-          <p:cNvPicPr>
-            <a:picLocks noGrp="1" noChangeAspect="1"/>
-          </p:cNvPicPr>
-          <p:nvPr>
-            <p:ph type="pic" idx="1"/>
-          </p:nvPr>
-        </p:nvPicPr>
-        <p:blipFill>
-          <a:blip r:embed="rId2">
-            <a:extLst>
-              <a:ext uri="{28A0092B-C50C-407E-A947-70E740481C1C}">
-                <a14:useLocalDpi xmlns:a14="http://schemas.microsoft.com/office/drawing/2010/main" val="0"/>
-              </a:ext>
-            </a:extLst>
-          </a:blip>
-          <a:stretch>
-            <a:fillRect/>
-          </a:stretch>
-        </p:blipFill>
-        <p:spPr>
-          <a:xfrm>
-            <a:off x="6492391" y="368301"/>
-            <a:ext cx="5364646" cy="5327649"/>
-          </a:xfrm>
-        </p:spPr>
-      </p:pic>
       <p:sp>
         <p:nvSpPr>
-          <p:cNvPr id="5" name="Title 4">
-            <a:extLst>
-              <a:ext uri="{FF2B5EF4-FFF2-40B4-BE49-F238E27FC236}">
-                <a16:creationId xmlns:a16="http://schemas.microsoft.com/office/drawing/2014/main" id="{AEFD51C8-9C20-4E18-97DB-41075C0138AA}"/>
+          <p:cNvPr id="2" name="Text Placeholder 1">
+            <a:extLst>
+              <a:ext uri="{FF2B5EF4-FFF2-40B4-BE49-F238E27FC236}">
+                <a16:creationId xmlns:a16="http://schemas.microsoft.com/office/drawing/2014/main" id="{28EC5DE0-8646-47FB-AD4E-77F0FF2BD168}"/>
+              </a:ext>
+            </a:extLst>
+          </p:cNvPr>
+          <p:cNvSpPr>
+            <a:spLocks noGrp="1"/>
+          </p:cNvSpPr>
+          <p:nvPr>
+            <p:ph type="body" idx="1"/>
+          </p:nvPr>
+        </p:nvSpPr>
+        <p:spPr/>
+        <p:txBody>
+          <a:bodyPr/>
+          <a:lstStyle/>
+          <a:p>
+            <a:r>
+              <a:rPr lang="en-GB" dirty="0"/>
+              <a:t>Intermediate</a:t>
+            </a:r>
+          </a:p>
+        </p:txBody>
+      </p:sp>
+      <p:sp>
+        <p:nvSpPr>
+          <p:cNvPr id="3" name="Title 2">
+            <a:extLst>
+              <a:ext uri="{FF2B5EF4-FFF2-40B4-BE49-F238E27FC236}">
+                <a16:creationId xmlns:a16="http://schemas.microsoft.com/office/drawing/2014/main" id="{7C21DD62-5C43-447A-9B5F-A83DC095A9A6}"/>
               </a:ext>
             </a:extLst>
           </p:cNvPr>
@@ -7629,17 +7772,17 @@
           <a:p>
             <a:r>
               <a:rPr lang="en-GB" dirty="0"/>
-              <a:t>Dynamo Player Allows Us To..</a:t>
+              <a:t>What is an intermediate/advanced Dynamo user?</a:t>
             </a:r>
           </a:p>
         </p:txBody>
       </p:sp>
       <p:sp>
         <p:nvSpPr>
-          <p:cNvPr id="7" name="Content Placeholder 6">
-            <a:extLst>
-              <a:ext uri="{FF2B5EF4-FFF2-40B4-BE49-F238E27FC236}">
-                <a16:creationId xmlns:a16="http://schemas.microsoft.com/office/drawing/2014/main" id="{3D95DBEF-88DF-4431-85F0-A4F7301082AD}"/>
+          <p:cNvPr id="4" name="Content Placeholder 3">
+            <a:extLst>
+              <a:ext uri="{FF2B5EF4-FFF2-40B4-BE49-F238E27FC236}">
+                <a16:creationId xmlns:a16="http://schemas.microsoft.com/office/drawing/2014/main" id="{7B477E48-7802-4DB7-92B5-12627BAF2EFA}"/>
               </a:ext>
             </a:extLst>
           </p:cNvPr>
@@ -7647,7 +7790,7 @@
             <a:spLocks noGrp="1"/>
           </p:cNvSpPr>
           <p:nvPr>
-            <p:ph idx="11"/>
+            <p:ph idx="13"/>
           </p:nvPr>
         </p:nvSpPr>
         <p:spPr/>
@@ -7661,7 +7804,7 @@
             </a:pPr>
             <a:r>
               <a:rPr lang="en-GB" dirty="0"/>
-              <a:t>Deploy graphs in a manageable way.</a:t>
+              <a:t>Have built a few working graphs and used on more than one project.</a:t>
             </a:r>
           </a:p>
           <a:p>
@@ -7671,7 +7814,7 @@
             </a:pPr>
             <a:r>
               <a:rPr lang="en-GB" dirty="0"/>
-              <a:t>Introduce beginners to computational workflows.</a:t>
+              <a:t>Awareness of custom packages available.</a:t>
             </a:r>
           </a:p>
           <a:p>
@@ -7681,23 +7824,7 @@
             </a:pPr>
             <a:r>
               <a:rPr lang="en-GB" dirty="0"/>
-              <a:t>Pretty much make our own Revit </a:t>
-            </a:r>
-            <a:r>
-              <a:rPr lang="en-GB" dirty="0" err="1"/>
-              <a:t>addins</a:t>
-            </a:r>
-            <a:r>
-              <a:rPr lang="en-GB" dirty="0"/>
-              <a:t>. (Shh… don’t tell the </a:t>
-            </a:r>
-            <a:r>
-              <a:rPr lang="en-GB" dirty="0" err="1"/>
-              <a:t>addin</a:t>
-            </a:r>
-            <a:r>
-              <a:rPr lang="en-GB" dirty="0"/>
-              <a:t> creators)</a:t>
+              <a:t>Conscious of annotating their graphs.</a:t>
             </a:r>
           </a:p>
           <a:p>
@@ -7707,7 +7834,7 @@
             </a:pPr>
             <a:r>
               <a:rPr lang="en-GB" dirty="0"/>
-              <a:t>Have awesome inputs in Revit 2018.1+</a:t>
+              <a:t>Starting to get over the “I don’t do geometry in Dynamo” phase.</a:t>
             </a:r>
           </a:p>
           <a:p>
@@ -7717,7 +7844,17 @@
             </a:pPr>
             <a:r>
               <a:rPr lang="en-GB" dirty="0"/>
-              <a:t>User custom packages to create slick user interfaces</a:t>
+              <a:t>Annotates their code!</a:t>
+            </a:r>
+          </a:p>
+          <a:p>
+            <a:pPr marL="342900" indent="-342900">
+              <a:buFont typeface="Arial" panose="020B0604020202020204" pitchFamily="34" charset="0"/>
+              <a:buChar char="•"/>
+            </a:pPr>
+            <a:r>
+              <a:rPr lang="en-GB" dirty="0"/>
+              <a:t>Other thoughts?</a:t>
             </a:r>
           </a:p>
           <a:p>
@@ -7726,13 +7863,123 @@
               <a:buChar char="•"/>
             </a:pPr>
             <a:endParaRPr lang="en-GB" dirty="0"/>
+          </a:p>
+        </p:txBody>
+      </p:sp>
+      <p:sp>
+        <p:nvSpPr>
+          <p:cNvPr id="5" name="Content Placeholder 4">
+            <a:extLst>
+              <a:ext uri="{FF2B5EF4-FFF2-40B4-BE49-F238E27FC236}">
+                <a16:creationId xmlns:a16="http://schemas.microsoft.com/office/drawing/2014/main" id="{44621852-B653-4FD0-967B-F084B6CA450B}"/>
+              </a:ext>
+            </a:extLst>
+          </p:cNvPr>
+          <p:cNvSpPr>
+            <a:spLocks noGrp="1"/>
+          </p:cNvSpPr>
+          <p:nvPr>
+            <p:ph idx="14"/>
+          </p:nvPr>
+        </p:nvSpPr>
+        <p:spPr/>
+        <p:txBody>
+          <a:bodyPr/>
+          <a:lstStyle/>
+          <a:p>
+            <a:pPr marL="342900" indent="-342900">
+              <a:buFont typeface="Arial" panose="020B0604020202020204" pitchFamily="34" charset="0"/>
+              <a:buChar char="•"/>
+            </a:pPr>
+            <a:r>
+              <a:rPr lang="en-GB" dirty="0"/>
+              <a:t>Have made many working graphs .</a:t>
+            </a:r>
+          </a:p>
+          <a:p>
+            <a:pPr marL="342900" indent="-342900">
+              <a:buFont typeface="Arial" panose="020B0604020202020204" pitchFamily="34" charset="0"/>
+              <a:buChar char="•"/>
+            </a:pPr>
+            <a:r>
+              <a:rPr lang="en-GB" dirty="0"/>
+              <a:t>May have dabbled in Python, (or at least aware that it exists).</a:t>
+            </a:r>
+          </a:p>
+          <a:p>
+            <a:pPr marL="342900" indent="-342900">
+              <a:buFont typeface="Arial" panose="020B0604020202020204" pitchFamily="34" charset="0"/>
+              <a:buChar char="•"/>
+            </a:pPr>
+            <a:r>
+              <a:rPr lang="en-GB" dirty="0"/>
+              <a:t>Successfully deployed graphs firmwide.</a:t>
+            </a:r>
+          </a:p>
+          <a:p>
+            <a:pPr marL="342900" indent="-342900">
+              <a:buFont typeface="Arial" panose="020B0604020202020204" pitchFamily="34" charset="0"/>
+              <a:buChar char="•"/>
+            </a:pPr>
+            <a:r>
+              <a:rPr lang="en-GB" dirty="0"/>
+              <a:t>Considered the “Dynamo Champion” of an office.</a:t>
+            </a:r>
+          </a:p>
+          <a:p>
+            <a:pPr marL="342900" indent="-342900">
+              <a:buFont typeface="Arial" panose="020B0604020202020204" pitchFamily="34" charset="0"/>
+              <a:buChar char="•"/>
+            </a:pPr>
+            <a:r>
+              <a:rPr lang="en-GB" dirty="0"/>
+              <a:t>Annotating code is second nature.</a:t>
+            </a:r>
+          </a:p>
+          <a:p>
+            <a:pPr marL="342900" indent="-342900">
+              <a:buFont typeface="Arial" panose="020B0604020202020204" pitchFamily="34" charset="0"/>
+              <a:buChar char="•"/>
+            </a:pPr>
+            <a:r>
+              <a:rPr lang="en-GB" dirty="0"/>
+              <a:t>Other thoughts?</a:t>
+            </a:r>
+          </a:p>
+        </p:txBody>
+      </p:sp>
+      <p:sp>
+        <p:nvSpPr>
+          <p:cNvPr id="6" name="Text Placeholder 5">
+            <a:extLst>
+              <a:ext uri="{FF2B5EF4-FFF2-40B4-BE49-F238E27FC236}">
+                <a16:creationId xmlns:a16="http://schemas.microsoft.com/office/drawing/2014/main" id="{DF6C0B3B-01A2-45A4-92D9-302E22317D6C}"/>
+              </a:ext>
+            </a:extLst>
+          </p:cNvPr>
+          <p:cNvSpPr>
+            <a:spLocks noGrp="1"/>
+          </p:cNvSpPr>
+          <p:nvPr>
+            <p:ph type="body" idx="15"/>
+          </p:nvPr>
+        </p:nvSpPr>
+        <p:spPr/>
+        <p:txBody>
+          <a:bodyPr/>
+          <a:lstStyle/>
+          <a:p>
+            <a:r>
+              <a:rPr lang="en-GB" dirty="0"/>
+              <a:t>Advanced</a:t>
+            </a:r>
           </a:p>
         </p:txBody>
       </p:sp>
     </p:spTree>
     <p:extLst>
       <p:ext uri="{BB962C8B-B14F-4D97-AF65-F5344CB8AC3E}">
-        <p14:creationId xmlns:p14="http://schemas.microsoft.com/office/powerpoint/2010/main" val="4100020317"/>
+        <p14:creationId xmlns:p14="http://schemas.microsoft.com/office/powerpoint/2010/main" val="3875293154"/>
       </p:ext>
     </p:extLst>
   </p:cSld>
@@ -7759,47 +8006,12 @@
           <a:chExt cx="0" cy="0"/>
         </a:xfrm>
       </p:grpSpPr>
-      <p:pic>
-        <p:nvPicPr>
-          <p:cNvPr id="3" name="Picture Placeholder 2">
-            <a:extLst>
-              <a:ext uri="{FF2B5EF4-FFF2-40B4-BE49-F238E27FC236}">
-                <a16:creationId xmlns:a16="http://schemas.microsoft.com/office/drawing/2014/main" id="{E01C2C07-766B-4CEB-9776-EE07A559F229}"/>
-              </a:ext>
-            </a:extLst>
-          </p:cNvPr>
-          <p:cNvPicPr>
-            <a:picLocks noGrp="1" noChangeAspect="1"/>
-          </p:cNvPicPr>
-          <p:nvPr>
-            <p:ph type="pic" idx="1"/>
-          </p:nvPr>
-        </p:nvPicPr>
-        <p:blipFill>
-          <a:blip r:embed="rId2">
-            <a:extLst>
-              <a:ext uri="{28A0092B-C50C-407E-A947-70E740481C1C}">
-                <a14:useLocalDpi xmlns:a14="http://schemas.microsoft.com/office/drawing/2010/main" val="0"/>
-              </a:ext>
-            </a:extLst>
-          </a:blip>
-          <a:stretch>
-            <a:fillRect/>
-          </a:stretch>
-        </p:blipFill>
-        <p:spPr>
-          <a:xfrm>
-            <a:off x="6492391" y="1268414"/>
-            <a:ext cx="5364646" cy="4417943"/>
-          </a:xfrm>
-        </p:spPr>
-      </p:pic>
       <p:sp>
         <p:nvSpPr>
-          <p:cNvPr id="5" name="Title 4">
-            <a:extLst>
-              <a:ext uri="{FF2B5EF4-FFF2-40B4-BE49-F238E27FC236}">
-                <a16:creationId xmlns:a16="http://schemas.microsoft.com/office/drawing/2014/main" id="{AEFD51C8-9C20-4E18-97DB-41075C0138AA}"/>
+          <p:cNvPr id="28" name="Title 27">
+            <a:extLst>
+              <a:ext uri="{FF2B5EF4-FFF2-40B4-BE49-F238E27FC236}">
+                <a16:creationId xmlns:a16="http://schemas.microsoft.com/office/drawing/2014/main" id="{1682ABF7-7AD8-42DB-BD29-CD3C0770434E}"/>
               </a:ext>
             </a:extLst>
           </p:cNvPr>
@@ -7817,67 +8029,53 @@
           <a:p>
             <a:r>
               <a:rPr lang="en-GB" dirty="0"/>
-              <a:t>Copy View Filters from One View to Another</a:t>
+              <a:t>Getting Crazy with Dynamo Player</a:t>
             </a:r>
           </a:p>
         </p:txBody>
       </p:sp>
-      <p:sp>
-        <p:nvSpPr>
-          <p:cNvPr id="7" name="Content Placeholder 6">
-            <a:extLst>
-              <a:ext uri="{FF2B5EF4-FFF2-40B4-BE49-F238E27FC236}">
-                <a16:creationId xmlns:a16="http://schemas.microsoft.com/office/drawing/2014/main" id="{3D95DBEF-88DF-4431-85F0-A4F7301082AD}"/>
-              </a:ext>
-            </a:extLst>
-          </p:cNvPr>
-          <p:cNvSpPr>
-            <a:spLocks noGrp="1"/>
-          </p:cNvSpPr>
-          <p:nvPr>
-            <p:ph idx="11"/>
-          </p:nvPr>
-        </p:nvSpPr>
-        <p:spPr/>
-        <p:txBody>
-          <a:bodyPr/>
-          <a:lstStyle/>
-          <a:p>
-            <a:pPr marL="342900" indent="-342900">
-              <a:buFont typeface="Arial" panose="020B0604020202020204" pitchFamily="34" charset="0"/>
-              <a:buChar char="•"/>
-            </a:pPr>
-            <a:r>
-              <a:rPr lang="en-GB" dirty="0"/>
-              <a:t>Do something not possible through the UI.</a:t>
-            </a:r>
-          </a:p>
-          <a:p>
-            <a:pPr marL="342900" indent="-342900">
-              <a:buFont typeface="Arial" panose="020B0604020202020204" pitchFamily="34" charset="0"/>
-              <a:buChar char="•"/>
-            </a:pPr>
-            <a:r>
-              <a:rPr lang="en-GB" dirty="0"/>
-              <a:t>Filters are great, but take a while to set up.</a:t>
-            </a:r>
-          </a:p>
-          <a:p>
-            <a:pPr marL="342900" indent="-342900">
-              <a:buFont typeface="Arial" panose="020B0604020202020204" pitchFamily="34" charset="0"/>
-              <a:buChar char="•"/>
-            </a:pPr>
-            <a:r>
-              <a:rPr lang="en-GB" dirty="0"/>
-              <a:t>Also make this work on unopened files.</a:t>
-            </a:r>
-          </a:p>
-        </p:txBody>
-      </p:sp>
+      <p:pic>
+        <p:nvPicPr>
+          <p:cNvPr id="7" name="Graphic 6">
+            <a:extLst>
+              <a:ext uri="{FF2B5EF4-FFF2-40B4-BE49-F238E27FC236}">
+                <a16:creationId xmlns:a16="http://schemas.microsoft.com/office/drawing/2014/main" id="{28A64C83-396E-4111-8AE0-4448E9BB2718}"/>
+              </a:ext>
+            </a:extLst>
+          </p:cNvPr>
+          <p:cNvPicPr>
+            <a:picLocks noChangeAspect="1"/>
+          </p:cNvPicPr>
+          <p:nvPr/>
+        </p:nvPicPr>
+        <p:blipFill rotWithShape="1">
+          <a:blip r:embed="rId2">
+            <a:extLst>
+              <a:ext uri="{28A0092B-C50C-407E-A947-70E740481C1C}">
+                <a14:useLocalDpi xmlns:a14="http://schemas.microsoft.com/office/drawing/2010/main" val="0"/>
+              </a:ext>
+              <a:ext uri="{96DAC541-7B7A-43D3-8B79-37D633B846F1}">
+                <asvg:svgBlip xmlns:asvg="http://schemas.microsoft.com/office/drawing/2016/SVG/main" r:embed="rId3"/>
+              </a:ext>
+            </a:extLst>
+          </a:blip>
+          <a:srcRect b="26591"/>
+          <a:stretch/>
+        </p:blipFill>
+        <p:spPr>
+          <a:xfrm>
+            <a:off x="3664743" y="1198051"/>
+            <a:ext cx="4862513" cy="4461898"/>
+          </a:xfrm>
+          <a:prstGeom prst="rect">
+            <a:avLst/>
+          </a:prstGeom>
+        </p:spPr>
+      </p:pic>
     </p:spTree>
     <p:extLst>
       <p:ext uri="{BB962C8B-B14F-4D97-AF65-F5344CB8AC3E}">
-        <p14:creationId xmlns:p14="http://schemas.microsoft.com/office/powerpoint/2010/main" val="2215061801"/>
+        <p14:creationId xmlns:p14="http://schemas.microsoft.com/office/powerpoint/2010/main" val="2999679450"/>
       </p:ext>
     </p:extLst>
   </p:cSld>
@@ -7934,8 +8132,8 @@
         </p:blipFill>
         <p:spPr>
           <a:xfrm>
-            <a:off x="6492391" y="989550"/>
-            <a:ext cx="5364646" cy="4878899"/>
+            <a:off x="6492391" y="368301"/>
+            <a:ext cx="5364646" cy="5327649"/>
           </a:xfrm>
         </p:spPr>
       </p:pic>
@@ -7962,7 +8160,7 @@
           <a:p>
             <a:r>
               <a:rPr lang="en-GB" dirty="0"/>
-              <a:t>OOTB Dynamo Player is Awesome but..</a:t>
+              <a:t>Dynamo Player Allows Us To..</a:t>
             </a:r>
           </a:p>
         </p:txBody>
@@ -7994,15 +8192,7 @@
             </a:pPr>
             <a:r>
               <a:rPr lang="en-GB" dirty="0"/>
-              <a:t>Popups are even awesome-</a:t>
-            </a:r>
-            <a:r>
-              <a:rPr lang="en-GB" dirty="0" err="1"/>
-              <a:t>er</a:t>
-            </a:r>
-            <a:r>
-              <a:rPr lang="en-GB" dirty="0"/>
-              <a:t>.</a:t>
+              <a:t>Deploy graphs in a manageable way.</a:t>
             </a:r>
           </a:p>
           <a:p>
@@ -8011,10 +8201,9 @@
               <a:buChar char="•"/>
             </a:pPr>
             <a:r>
-              <a:rPr lang="en-US" dirty="0"/>
-              <a:t>Build a UI with custom package Data-Shapes to provide this functionality to those without Dynamo player.</a:t>
-            </a:r>
-            <a:endParaRPr lang="en-GB" dirty="0"/>
+              <a:rPr lang="en-GB" dirty="0"/>
+              <a:t>Introduce beginners to computational workflows.</a:t>
+            </a:r>
           </a:p>
           <a:p>
             <a:pPr marL="342900" indent="-342900">
@@ -8022,9 +8211,51 @@
               <a:buChar char="•"/>
             </a:pPr>
             <a:r>
-              <a:rPr lang="en-US" dirty="0"/>
-              <a:t>Ability to build really reusable workflows for your firm!</a:t>
-            </a:r>
+              <a:rPr lang="en-GB" dirty="0"/>
+              <a:t>Pretty much make our own Revit </a:t>
+            </a:r>
+            <a:r>
+              <a:rPr lang="en-GB" dirty="0" err="1"/>
+              <a:t>addins</a:t>
+            </a:r>
+            <a:r>
+              <a:rPr lang="en-GB" dirty="0"/>
+              <a:t>. (Shh… don’t tell the </a:t>
+            </a:r>
+            <a:r>
+              <a:rPr lang="en-GB" dirty="0" err="1"/>
+              <a:t>addin</a:t>
+            </a:r>
+            <a:r>
+              <a:rPr lang="en-GB" dirty="0"/>
+              <a:t> creators)</a:t>
+            </a:r>
+          </a:p>
+          <a:p>
+            <a:pPr marL="342900" indent="-342900">
+              <a:buFont typeface="Arial" panose="020B0604020202020204" pitchFamily="34" charset="0"/>
+              <a:buChar char="•"/>
+            </a:pPr>
+            <a:r>
+              <a:rPr lang="en-GB" dirty="0"/>
+              <a:t>Have awesome inputs in Revit 2018.1+</a:t>
+            </a:r>
+          </a:p>
+          <a:p>
+            <a:pPr marL="342900" indent="-342900">
+              <a:buFont typeface="Arial" panose="020B0604020202020204" pitchFamily="34" charset="0"/>
+              <a:buChar char="•"/>
+            </a:pPr>
+            <a:r>
+              <a:rPr lang="en-GB" dirty="0"/>
+              <a:t>User custom packages to create slick user interfaces</a:t>
+            </a:r>
+          </a:p>
+          <a:p>
+            <a:pPr marL="342900" indent="-342900">
+              <a:buFont typeface="Arial" panose="020B0604020202020204" pitchFamily="34" charset="0"/>
+              <a:buChar char="•"/>
+            </a:pPr>
             <a:endParaRPr lang="en-GB" dirty="0"/>
           </a:p>
         </p:txBody>
@@ -8032,7 +8263,7 @@
     </p:spTree>
     <p:extLst>
       <p:ext uri="{BB962C8B-B14F-4D97-AF65-F5344CB8AC3E}">
-        <p14:creationId xmlns:p14="http://schemas.microsoft.com/office/powerpoint/2010/main" val="1203152446"/>
+        <p14:creationId xmlns:p14="http://schemas.microsoft.com/office/powerpoint/2010/main" val="4100020317"/>
       </p:ext>
     </p:extLst>
   </p:cSld>
